--- a/Presentations/group_meeting_updates/05_24_module_structure.pptx
+++ b/Presentations/group_meeting_updates/05_24_module_structure.pptx
@@ -122,7 +122,7 @@
 <file path=ppt/revisionInfo.xml><?xml version="1.0" encoding="utf-8"?>
 <p1510:revInfo xmlns:a="http://schemas.openxmlformats.org/drawingml/2006/main" xmlns:r="http://schemas.openxmlformats.org/officeDocument/2006/relationships" xmlns:p1510="http://schemas.microsoft.com/office/powerpoint/2015/10/main">
   <p1510:revLst>
-    <p1510:client id="{94D59B84-6FF3-41C2-90A2-9B2CA6C51653}" v="189" dt="2023-05-24T12:36:35.613"/>
+    <p1510:client id="{DFBDFCC4-9BD4-4B11-9BD3-7BA0740CE18C}" v="367" dt="2023-10-11T11:12:49.410"/>
   </p1510:revLst>
 </p1510:revInfo>
 </file>
@@ -5423,6 +5423,94 @@
           <pc:docMk/>
           <pc:sldMk cId="3022336877" sldId="263"/>
         </pc:sldMkLst>
+      </pc:sldChg>
+    </pc:docChg>
+  </pc:docChgLst>
+  <pc:docChgLst>
+    <pc:chgData name="Johann Bock Severin" userId="3b36179260fc8001" providerId="LiveId" clId="{DFBDFCC4-9BD4-4B11-9BD3-7BA0740CE18C}"/>
+    <pc:docChg chg="undo custSel modSld">
+      <pc:chgData name="Johann Bock Severin" userId="3b36179260fc8001" providerId="LiveId" clId="{DFBDFCC4-9BD4-4B11-9BD3-7BA0740CE18C}" dt="2023-10-11T11:13:15.101" v="426" actId="208"/>
+      <pc:docMkLst>
+        <pc:docMk/>
+      </pc:docMkLst>
+      <pc:sldChg chg="addSp delSp modSp mod">
+        <pc:chgData name="Johann Bock Severin" userId="3b36179260fc8001" providerId="LiveId" clId="{DFBDFCC4-9BD4-4B11-9BD3-7BA0740CE18C}" dt="2023-10-11T11:13:15.101" v="426" actId="208"/>
+        <pc:sldMkLst>
+          <pc:docMk/>
+          <pc:sldMk cId="1081971358" sldId="256"/>
+        </pc:sldMkLst>
+        <pc:spChg chg="add mod">
+          <ac:chgData name="Johann Bock Severin" userId="3b36179260fc8001" providerId="LiveId" clId="{DFBDFCC4-9BD4-4B11-9BD3-7BA0740CE18C}" dt="2023-10-11T11:09:06.100" v="325" actId="1076"/>
+          <ac:spMkLst>
+            <pc:docMk/>
+            <pc:sldMk cId="1081971358" sldId="256"/>
+            <ac:spMk id="3" creationId="{CECAC763-536C-6380-ABD2-E3D0E4F65F6A}"/>
+          </ac:spMkLst>
+        </pc:spChg>
+        <pc:spChg chg="add mod">
+          <ac:chgData name="Johann Bock Severin" userId="3b36179260fc8001" providerId="LiveId" clId="{DFBDFCC4-9BD4-4B11-9BD3-7BA0740CE18C}" dt="2023-10-11T11:10:57.915" v="380" actId="1076"/>
+          <ac:spMkLst>
+            <pc:docMk/>
+            <pc:sldMk cId="1081971358" sldId="256"/>
+            <ac:spMk id="4" creationId="{5BF50EB5-2F9F-0E7F-8915-AC60A8A304B0}"/>
+          </ac:spMkLst>
+        </pc:spChg>
+        <pc:spChg chg="del mod">
+          <ac:chgData name="Johann Bock Severin" userId="3b36179260fc8001" providerId="LiveId" clId="{DFBDFCC4-9BD4-4B11-9BD3-7BA0740CE18C}" dt="2023-10-11T11:00:48.816" v="116" actId="478"/>
+          <ac:spMkLst>
+            <pc:docMk/>
+            <pc:sldMk cId="1081971358" sldId="256"/>
+            <ac:spMk id="7" creationId="{19B8F91F-D835-2B65-F3E1-1318683CD06A}"/>
+          </ac:spMkLst>
+        </pc:spChg>
+        <pc:spChg chg="mod">
+          <ac:chgData name="Johann Bock Severin" userId="3b36179260fc8001" providerId="LiveId" clId="{DFBDFCC4-9BD4-4B11-9BD3-7BA0740CE18C}" dt="2023-10-11T11:09:42.606" v="331" actId="1076"/>
+          <ac:spMkLst>
+            <pc:docMk/>
+            <pc:sldMk cId="1081971358" sldId="256"/>
+            <ac:spMk id="8" creationId="{F73E9475-F6E8-B192-7F9A-00695EA7D19B}"/>
+          </ac:spMkLst>
+        </pc:spChg>
+        <pc:spChg chg="mod">
+          <ac:chgData name="Johann Bock Severin" userId="3b36179260fc8001" providerId="LiveId" clId="{DFBDFCC4-9BD4-4B11-9BD3-7BA0740CE18C}" dt="2023-10-11T11:10:52.963" v="379" actId="1076"/>
+          <ac:spMkLst>
+            <pc:docMk/>
+            <pc:sldMk cId="1081971358" sldId="256"/>
+            <ac:spMk id="9" creationId="{9242CE39-1FB7-A84D-2669-7FB519B350B5}"/>
+          </ac:spMkLst>
+        </pc:spChg>
+        <pc:grpChg chg="add mod ord">
+          <ac:chgData name="Johann Bock Severin" userId="3b36179260fc8001" providerId="LiveId" clId="{DFBDFCC4-9BD4-4B11-9BD3-7BA0740CE18C}" dt="2023-10-11T11:09:33.709" v="330" actId="1076"/>
+          <ac:grpSpMkLst>
+            <pc:docMk/>
+            <pc:sldMk cId="1081971358" sldId="256"/>
+            <ac:grpSpMk id="2" creationId="{385A343F-5D1A-DEB5-3418-F6517240CD61}"/>
+          </ac:grpSpMkLst>
+        </pc:grpChg>
+        <pc:grpChg chg="add mod ord">
+          <ac:chgData name="Johann Bock Severin" userId="3b36179260fc8001" providerId="LiveId" clId="{DFBDFCC4-9BD4-4B11-9BD3-7BA0740CE18C}" dt="2023-10-11T11:09:25.732" v="329" actId="167"/>
+          <ac:grpSpMkLst>
+            <pc:docMk/>
+            <pc:sldMk cId="1081971358" sldId="256"/>
+            <ac:grpSpMk id="5" creationId="{5927E93C-98F3-1502-D2B7-73BBDF90AC82}"/>
+          </ac:grpSpMkLst>
+        </pc:grpChg>
+        <pc:graphicFrameChg chg="mod modGraphic">
+          <ac:chgData name="Johann Bock Severin" userId="3b36179260fc8001" providerId="LiveId" clId="{DFBDFCC4-9BD4-4B11-9BD3-7BA0740CE18C}" dt="2023-10-11T11:12:49.410" v="423" actId="20577"/>
+          <ac:graphicFrameMkLst>
+            <pc:docMk/>
+            <pc:sldMk cId="1081971358" sldId="256"/>
+            <ac:graphicFrameMk id="6" creationId="{7D4C5ED5-9A62-1923-381F-AB4823B33E51}"/>
+          </ac:graphicFrameMkLst>
+        </pc:graphicFrameChg>
+        <pc:cxnChg chg="add mod">
+          <ac:chgData name="Johann Bock Severin" userId="3b36179260fc8001" providerId="LiveId" clId="{DFBDFCC4-9BD4-4B11-9BD3-7BA0740CE18C}" dt="2023-10-11T11:13:15.101" v="426" actId="208"/>
+          <ac:cxnSpMkLst>
+            <pc:docMk/>
+            <pc:sldMk cId="1081971358" sldId="256"/>
+            <ac:cxnSpMk id="11" creationId="{6A7DF2B5-44E7-FBF1-428C-20FAE0FF8E6F}"/>
+          </ac:cxnSpMkLst>
+        </pc:cxnChg>
       </pc:sldChg>
     </pc:docChg>
   </pc:docChgLst>
@@ -7035,44 +7123,7 @@
 <dgm:dataModel xmlns:dgm="http://schemas.openxmlformats.org/drawingml/2006/diagram" xmlns:a="http://schemas.openxmlformats.org/drawingml/2006/main">
   <dgm:ptLst>
     <dgm:pt modelId="{715E9624-57CC-40BE-889C-2548021DA9FD}" type="doc">
-      <dgm:prSet loTypeId="urn:microsoft.com/office/officeart/2005/8/layout/hierarchy6" loCatId="hierarchy" qsTypeId="urn:microsoft.com/office/officeart/2005/8/quickstyle/simple1" qsCatId="simple" csTypeId="urn:microsoft.com/office/officeart/2005/8/colors/accent1_2" csCatId="accent1" phldr="1"/>
-      <dgm:spPr/>
-      <dgm:t>
-        <a:bodyPr/>
-        <a:lstStyle/>
-        <a:p>
-          <a:endParaRPr lang="en-DK"/>
-        </a:p>
-      </dgm:t>
-    </dgm:pt>
-    <dgm:pt modelId="{630AFBE9-69DD-41CA-9E37-7FFEDDA679DA}">
-      <dgm:prSet/>
-      <dgm:spPr/>
-      <dgm:t>
-        <a:bodyPr/>
-        <a:lstStyle/>
-        <a:p>
-          <a:r>
-            <a:rPr lang="en-US" dirty="0"/>
-            <a:t>Device</a:t>
-          </a:r>
-          <a:endParaRPr lang="en-DK" dirty="0"/>
-        </a:p>
-      </dgm:t>
-    </dgm:pt>
-    <dgm:pt modelId="{E1CD4BF6-9420-427A-AD31-6E77FFDA59A0}" type="parTrans" cxnId="{CCC6A341-3AE7-42C6-9616-7B8CFE1853FC}">
-      <dgm:prSet/>
-      <dgm:spPr/>
-      <dgm:t>
-        <a:bodyPr/>
-        <a:lstStyle/>
-        <a:p>
-          <a:endParaRPr lang="en-DK"/>
-        </a:p>
-      </dgm:t>
-    </dgm:pt>
-    <dgm:pt modelId="{EB3BC2AF-70EF-4BD8-9040-F6F3EFD4B53D}" type="sibTrans" cxnId="{CCC6A341-3AE7-42C6-9616-7B8CFE1853FC}">
-      <dgm:prSet/>
+      <dgm:prSet loTypeId="urn:microsoft.com/office/officeart/2009/3/layout/HorizontalOrganizationChart" loCatId="hierarchy" qsTypeId="urn:microsoft.com/office/officeart/2005/8/quickstyle/simple1" qsCatId="simple" csTypeId="urn:microsoft.com/office/officeart/2005/8/colors/accent1_2" csCatId="accent1" phldr="1"/>
       <dgm:spPr/>
       <dgm:t>
         <a:bodyPr/>
@@ -7083,17 +7134,17 @@
       </dgm:t>
     </dgm:pt>
     <dgm:pt modelId="{E7BCCE61-525E-4C15-9575-453E8A9965B3}">
-      <dgm:prSet/>
+      <dgm:prSet custT="1"/>
       <dgm:spPr/>
       <dgm:t>
         <a:bodyPr/>
         <a:lstStyle/>
         <a:p>
           <a:r>
-            <a:rPr lang="en-US" dirty="0" err="1"/>
-            <a:t>Transmon</a:t>
+            <a:rPr lang="en-US" sz="1600" dirty="0"/>
+            <a:t>Transmon + Qubit</a:t>
           </a:r>
-          <a:endParaRPr lang="en-DK" dirty="0"/>
+          <a:endParaRPr lang="en-DK" sz="1600" dirty="0"/>
         </a:p>
       </dgm:t>
     </dgm:pt>
@@ -7104,7 +7155,7 @@
         <a:bodyPr/>
         <a:lstStyle/>
         <a:p>
-          <a:endParaRPr lang="en-DK"/>
+          <a:endParaRPr lang="en-DK" sz="1400"/>
         </a:p>
       </dgm:t>
     </dgm:pt>
@@ -7115,22 +7166,22 @@
         <a:bodyPr/>
         <a:lstStyle/>
         <a:p>
-          <a:endParaRPr lang="en-DK"/>
+          <a:endParaRPr lang="en-DK" sz="1400"/>
         </a:p>
       </dgm:t>
     </dgm:pt>
     <dgm:pt modelId="{F2F36402-86DF-4634-BD17-6F4660156FCF}">
-      <dgm:prSet/>
+      <dgm:prSet custT="1"/>
       <dgm:spPr/>
       <dgm:t>
         <a:bodyPr/>
         <a:lstStyle/>
         <a:p>
           <a:r>
-            <a:rPr lang="en-US"/>
+            <a:rPr lang="en-US" sz="1600" dirty="0"/>
             <a:t>Resonator</a:t>
           </a:r>
-          <a:endParaRPr lang="en-DK"/>
+          <a:endParaRPr lang="en-DK" sz="1600" dirty="0"/>
         </a:p>
       </dgm:t>
     </dgm:pt>
@@ -7141,7 +7192,7 @@
         <a:bodyPr/>
         <a:lstStyle/>
         <a:p>
-          <a:endParaRPr lang="en-DK"/>
+          <a:endParaRPr lang="en-DK" sz="1400"/>
         </a:p>
       </dgm:t>
     </dgm:pt>
@@ -7152,22 +7203,22 @@
         <a:bodyPr/>
         <a:lstStyle/>
         <a:p>
-          <a:endParaRPr lang="en-DK"/>
+          <a:endParaRPr lang="en-DK" sz="1400"/>
         </a:p>
       </dgm:t>
     </dgm:pt>
     <dgm:pt modelId="{5D5A2A56-4B00-44DC-890F-84823B3A0095}">
-      <dgm:prSet/>
+      <dgm:prSet custT="1"/>
       <dgm:spPr/>
       <dgm:t>
         <a:bodyPr/>
         <a:lstStyle/>
         <a:p>
           <a:r>
-            <a:rPr lang="en-US"/>
+            <a:rPr lang="en-US" sz="1600" dirty="0"/>
             <a:t>Pulses</a:t>
           </a:r>
-          <a:endParaRPr lang="en-DK"/>
+          <a:endParaRPr lang="en-DK" sz="1600" dirty="0"/>
         </a:p>
       </dgm:t>
     </dgm:pt>
@@ -7178,7 +7229,7 @@
         <a:bodyPr/>
         <a:lstStyle/>
         <a:p>
-          <a:endParaRPr lang="en-DK"/>
+          <a:endParaRPr lang="en-DK" sz="1400"/>
         </a:p>
       </dgm:t>
     </dgm:pt>
@@ -7189,22 +7240,279 @@
         <a:bodyPr/>
         <a:lstStyle/>
         <a:p>
-          <a:endParaRPr lang="en-DK"/>
+          <a:endParaRPr lang="en-DK" sz="1400"/>
         </a:p>
       </dgm:t>
     </dgm:pt>
-    <dgm:pt modelId="{FFC7F1F6-C264-4823-B11A-D8053E10EA88}">
+    <dgm:pt modelId="{63746703-1762-46BF-A864-A86B7D7AC698}">
+      <dgm:prSet custT="1"/>
+      <dgm:spPr>
+        <a:solidFill>
+          <a:schemeClr val="accent3"/>
+        </a:solidFill>
+      </dgm:spPr>
+      <dgm:t>
+        <a:bodyPr/>
+        <a:lstStyle/>
+        <a:p>
+          <a:r>
+            <a:rPr lang="en-US" sz="1600" dirty="0"/>
+            <a:t>Experiment</a:t>
+          </a:r>
+          <a:endParaRPr lang="en-DK" sz="1600" dirty="0"/>
+        </a:p>
+      </dgm:t>
+    </dgm:pt>
+    <dgm:pt modelId="{93DD2570-29D1-4A10-8757-B9E9FD705E61}" type="parTrans" cxnId="{832EEA3F-1CCB-4623-8492-6006B2153DFA}">
       <dgm:prSet/>
       <dgm:spPr/>
       <dgm:t>
         <a:bodyPr/>
         <a:lstStyle/>
         <a:p>
+          <a:endParaRPr lang="en-DK" sz="1400"/>
+        </a:p>
+      </dgm:t>
+    </dgm:pt>
+    <dgm:pt modelId="{209C0097-040B-4E7F-B027-198E0040FF64}" type="sibTrans" cxnId="{832EEA3F-1CCB-4623-8492-6006B2153DFA}">
+      <dgm:prSet/>
+      <dgm:spPr/>
+      <dgm:t>
+        <a:bodyPr/>
+        <a:lstStyle/>
+        <a:p>
+          <a:endParaRPr lang="en-DK" sz="1400"/>
+        </a:p>
+      </dgm:t>
+    </dgm:pt>
+    <dgm:pt modelId="{DA69F6BF-53BF-48CD-B84E-4E8D8B48CF7C}">
+      <dgm:prSet custT="1"/>
+      <dgm:spPr>
+        <a:solidFill>
+          <a:schemeClr val="accent3"/>
+        </a:solidFill>
+      </dgm:spPr>
+      <dgm:t>
+        <a:bodyPr/>
+        <a:lstStyle/>
+        <a:p>
           <a:r>
-            <a:rPr lang="en-US" dirty="0"/>
+            <a:rPr lang="en-US" sz="1600" dirty="0"/>
+            <a:t>Unitary</a:t>
+          </a:r>
+          <a:endParaRPr lang="en-DK" sz="1600" dirty="0"/>
+        </a:p>
+      </dgm:t>
+    </dgm:pt>
+    <dgm:pt modelId="{DE24BB22-18D5-4020-9F41-5772BF255742}" type="parTrans" cxnId="{1E7E3C4B-CF76-4AFE-9DA7-CC9380D4E4BA}">
+      <dgm:prSet/>
+      <dgm:spPr/>
+      <dgm:t>
+        <a:bodyPr/>
+        <a:lstStyle/>
+        <a:p>
+          <a:endParaRPr lang="en-DK" sz="1400"/>
+        </a:p>
+      </dgm:t>
+    </dgm:pt>
+    <dgm:pt modelId="{C4D06B83-3542-421A-860A-48BEE0B172E7}" type="sibTrans" cxnId="{1E7E3C4B-CF76-4AFE-9DA7-CC9380D4E4BA}">
+      <dgm:prSet/>
+      <dgm:spPr/>
+      <dgm:t>
+        <a:bodyPr/>
+        <a:lstStyle/>
+        <a:p>
+          <a:endParaRPr lang="en-DK" sz="1400"/>
+        </a:p>
+      </dgm:t>
+    </dgm:pt>
+    <dgm:pt modelId="{AAA62FC6-C794-4B8E-B70F-1274FC548079}">
+      <dgm:prSet custT="1"/>
+      <dgm:spPr>
+        <a:solidFill>
+          <a:schemeClr val="accent3"/>
+        </a:solidFill>
+      </dgm:spPr>
+      <dgm:t>
+        <a:bodyPr/>
+        <a:lstStyle/>
+        <a:p>
+          <a:r>
+            <a:rPr lang="en-US" sz="1600" dirty="0"/>
+            <a:t>Lindblad</a:t>
+          </a:r>
+          <a:endParaRPr lang="en-DK" sz="1600" dirty="0"/>
+        </a:p>
+      </dgm:t>
+    </dgm:pt>
+    <dgm:pt modelId="{49BCF922-61E5-4609-9068-2DA52502F308}" type="parTrans" cxnId="{6A68324E-F683-45C2-A898-4DE844FDEB4E}">
+      <dgm:prSet/>
+      <dgm:spPr/>
+      <dgm:t>
+        <a:bodyPr/>
+        <a:lstStyle/>
+        <a:p>
+          <a:endParaRPr lang="en-DK" sz="1400"/>
+        </a:p>
+      </dgm:t>
+    </dgm:pt>
+    <dgm:pt modelId="{7F3FB594-22DD-47B9-B5A6-02D94710C9BA}" type="sibTrans" cxnId="{6A68324E-F683-45C2-A898-4DE844FDEB4E}">
+      <dgm:prSet/>
+      <dgm:spPr/>
+      <dgm:t>
+        <a:bodyPr/>
+        <a:lstStyle/>
+        <a:p>
+          <a:endParaRPr lang="en-DK" sz="1400"/>
+        </a:p>
+      </dgm:t>
+    </dgm:pt>
+    <dgm:pt modelId="{5266D4EC-044F-4353-AA2E-AD967E7C5BB9}">
+      <dgm:prSet custT="1"/>
+      <dgm:spPr>
+        <a:solidFill>
+          <a:schemeClr val="accent3"/>
+        </a:solidFill>
+      </dgm:spPr>
+      <dgm:t>
+        <a:bodyPr/>
+        <a:lstStyle/>
+        <a:p>
+          <a:r>
+            <a:rPr lang="en-US" sz="1600" dirty="0"/>
+            <a:t>Monte Carlo</a:t>
+          </a:r>
+          <a:endParaRPr lang="en-DK" sz="1600" dirty="0"/>
+        </a:p>
+      </dgm:t>
+    </dgm:pt>
+    <dgm:pt modelId="{72EDD16E-CD51-4A39-83D8-3A1B2B793F34}" type="parTrans" cxnId="{9D52F40A-A77B-42FA-8A0A-EE21718D64C9}">
+      <dgm:prSet/>
+      <dgm:spPr/>
+      <dgm:t>
+        <a:bodyPr/>
+        <a:lstStyle/>
+        <a:p>
+          <a:endParaRPr lang="en-DK" sz="1400"/>
+        </a:p>
+      </dgm:t>
+    </dgm:pt>
+    <dgm:pt modelId="{66EC92F4-5536-40E6-817D-4D10BAAFC296}" type="sibTrans" cxnId="{9D52F40A-A77B-42FA-8A0A-EE21718D64C9}">
+      <dgm:prSet/>
+      <dgm:spPr/>
+      <dgm:t>
+        <a:bodyPr/>
+        <a:lstStyle/>
+        <a:p>
+          <a:endParaRPr lang="en-DK" sz="1400"/>
+        </a:p>
+      </dgm:t>
+    </dgm:pt>
+    <dgm:pt modelId="{5C29711D-A744-4D96-B793-90C646DB9B5F}">
+      <dgm:prSet custT="1"/>
+      <dgm:spPr>
+        <a:solidFill>
+          <a:schemeClr val="accent3"/>
+        </a:solidFill>
+      </dgm:spPr>
+      <dgm:t>
+        <a:bodyPr/>
+        <a:lstStyle/>
+        <a:p>
+          <a:r>
+            <a:rPr lang="en-US" sz="1600" dirty="0"/>
+            <a:t>Stochastic Master Equation</a:t>
+          </a:r>
+          <a:endParaRPr lang="en-DK" sz="1600" dirty="0"/>
+        </a:p>
+      </dgm:t>
+    </dgm:pt>
+    <dgm:pt modelId="{EE433BB4-21EC-49AA-959B-666A8FD992DF}" type="parTrans" cxnId="{011AED31-3F52-476B-A95F-7464EA5B7503}">
+      <dgm:prSet/>
+      <dgm:spPr/>
+      <dgm:t>
+        <a:bodyPr/>
+        <a:lstStyle/>
+        <a:p>
+          <a:endParaRPr lang="en-DK" sz="1400"/>
+        </a:p>
+      </dgm:t>
+    </dgm:pt>
+    <dgm:pt modelId="{1E91D2AD-3DF7-4130-AB20-1EBC0C966A67}" type="sibTrans" cxnId="{011AED31-3F52-476B-A95F-7464EA5B7503}">
+      <dgm:prSet/>
+      <dgm:spPr/>
+      <dgm:t>
+        <a:bodyPr/>
+        <a:lstStyle/>
+        <a:p>
+          <a:endParaRPr lang="en-DK" sz="1400"/>
+        </a:p>
+      </dgm:t>
+    </dgm:pt>
+    <dgm:pt modelId="{8C1EA4C8-3BF5-4847-9127-6F97ED1A21CA}">
+      <dgm:prSet custT="1"/>
+      <dgm:spPr/>
+      <dgm:t>
+        <a:bodyPr/>
+        <a:lstStyle/>
+        <a:p>
+          <a:r>
+            <a:rPr lang="en-US" sz="1600" dirty="0"/>
+            <a:t>Device</a:t>
+          </a:r>
+          <a:endParaRPr lang="en-DK" sz="1600" dirty="0"/>
+        </a:p>
+      </dgm:t>
+    </dgm:pt>
+    <dgm:pt modelId="{DF5859DF-CB8F-4850-8791-B714B0E90C34}" type="parTrans" cxnId="{0DB78E9D-C933-4283-B34A-19BB6E6B5DF0}">
+      <dgm:prSet/>
+      <dgm:spPr/>
+      <dgm:t>
+        <a:bodyPr/>
+        <a:lstStyle/>
+        <a:p>
+          <a:endParaRPr lang="en-DK" sz="1400"/>
+        </a:p>
+      </dgm:t>
+    </dgm:pt>
+    <dgm:pt modelId="{1325E746-9943-4CC7-ACF1-4373FDC7F115}" type="sibTrans" cxnId="{0DB78E9D-C933-4283-B34A-19BB6E6B5DF0}">
+      <dgm:prSet/>
+      <dgm:spPr/>
+      <dgm:t>
+        <a:bodyPr/>
+        <a:lstStyle/>
+        <a:p>
+          <a:endParaRPr lang="en-DK" sz="1400"/>
+        </a:p>
+      </dgm:t>
+    </dgm:pt>
+    <dgm:pt modelId="{FFC7F1F6-C264-4823-B11A-D8053E10EA88}">
+      <dgm:prSet custT="1"/>
+      <dgm:spPr>
+        <a:solidFill>
+          <a:schemeClr val="accent2"/>
+        </a:solidFill>
+      </dgm:spPr>
+      <dgm:t>
+        <a:bodyPr/>
+        <a:lstStyle/>
+        <a:p>
+          <a:r>
+            <a:rPr lang="en-US" sz="1600" dirty="0"/>
             <a:t>System</a:t>
           </a:r>
-          <a:endParaRPr lang="en-DK" dirty="0"/>
+          <a:endParaRPr lang="en-DK" sz="1600" dirty="0"/>
+        </a:p>
+      </dgm:t>
+    </dgm:pt>
+    <dgm:pt modelId="{0E4385ED-A2DC-4698-9C68-0C71BE8F67A1}" type="sibTrans" cxnId="{66CE6767-9A4D-4E51-A40E-3AB8C85A9104}">
+      <dgm:prSet/>
+      <dgm:spPr/>
+      <dgm:t>
+        <a:bodyPr/>
+        <a:lstStyle/>
+        <a:p>
+          <a:endParaRPr lang="en-DK" sz="1400"/>
         </a:p>
       </dgm:t>
     </dgm:pt>
@@ -7215,33 +7523,37 @@
         <a:bodyPr/>
         <a:lstStyle/>
         <a:p>
-          <a:endParaRPr lang="en-DK"/>
+          <a:endParaRPr lang="en-DK" sz="1400"/>
         </a:p>
       </dgm:t>
     </dgm:pt>
-    <dgm:pt modelId="{0E4385ED-A2DC-4698-9C68-0C71BE8F67A1}" type="sibTrans" cxnId="{66CE6767-9A4D-4E51-A40E-3AB8C85A9104}">
+    <dgm:pt modelId="{38801AEF-6F33-48A2-9DCC-734F9B004F4B}">
+      <dgm:prSet custT="1"/>
+      <dgm:spPr>
+        <a:solidFill>
+          <a:schemeClr val="accent2"/>
+        </a:solidFill>
+      </dgm:spPr>
+      <dgm:t>
+        <a:bodyPr/>
+        <a:lstStyle/>
+        <a:p>
+          <a:r>
+            <a:rPr lang="en-US" sz="1600" dirty="0"/>
+            <a:t>Resonator + Qubit</a:t>
+          </a:r>
+          <a:endParaRPr lang="en-DK" sz="1600" dirty="0"/>
+        </a:p>
+      </dgm:t>
+    </dgm:pt>
+    <dgm:pt modelId="{E4A4A5F6-5476-4C06-B102-456E3DADB7EE}" type="sibTrans" cxnId="{6E2DA856-86BA-489B-974A-B4A64C385385}">
       <dgm:prSet/>
       <dgm:spPr/>
       <dgm:t>
         <a:bodyPr/>
         <a:lstStyle/>
         <a:p>
-          <a:endParaRPr lang="en-DK"/>
-        </a:p>
-      </dgm:t>
-    </dgm:pt>
-    <dgm:pt modelId="{38801AEF-6F33-48A2-9DCC-734F9B004F4B}">
-      <dgm:prSet/>
-      <dgm:spPr/>
-      <dgm:t>
-        <a:bodyPr/>
-        <a:lstStyle/>
-        <a:p>
-          <a:r>
-            <a:rPr lang="en-US" dirty="0"/>
-            <a:t>Resonator + Qubit</a:t>
-          </a:r>
-          <a:endParaRPr lang="en-DK" dirty="0"/>
+          <a:endParaRPr lang="en-DK" sz="1400"/>
         </a:p>
       </dgm:t>
     </dgm:pt>
@@ -7252,33 +7564,37 @@
         <a:bodyPr/>
         <a:lstStyle/>
         <a:p>
-          <a:endParaRPr lang="en-DK"/>
+          <a:endParaRPr lang="en-DK" sz="1400"/>
         </a:p>
       </dgm:t>
     </dgm:pt>
-    <dgm:pt modelId="{E4A4A5F6-5476-4C06-B102-456E3DADB7EE}" type="sibTrans" cxnId="{6E2DA856-86BA-489B-974A-B4A64C385385}">
+    <dgm:pt modelId="{49BAA495-5322-44D1-B401-1C0C05D0B540}">
+      <dgm:prSet custT="1"/>
+      <dgm:spPr>
+        <a:solidFill>
+          <a:schemeClr val="accent2"/>
+        </a:solidFill>
+      </dgm:spPr>
+      <dgm:t>
+        <a:bodyPr/>
+        <a:lstStyle/>
+        <a:p>
+          <a:r>
+            <a:rPr lang="en-US" sz="1600" dirty="0"/>
+            <a:t>Dispersive (res &amp; qubit)</a:t>
+          </a:r>
+          <a:endParaRPr lang="en-DK" sz="1600" dirty="0"/>
+        </a:p>
+      </dgm:t>
+    </dgm:pt>
+    <dgm:pt modelId="{D4FAF59F-2523-4764-A926-5586819D322F}" type="sibTrans" cxnId="{228728A2-C207-437A-B2DB-2E4A6660F668}">
       <dgm:prSet/>
       <dgm:spPr/>
       <dgm:t>
         <a:bodyPr/>
         <a:lstStyle/>
         <a:p>
-          <a:endParaRPr lang="en-DK"/>
-        </a:p>
-      </dgm:t>
-    </dgm:pt>
-    <dgm:pt modelId="{49BAA495-5322-44D1-B401-1C0C05D0B540}">
-      <dgm:prSet/>
-      <dgm:spPr/>
-      <dgm:t>
-        <a:bodyPr/>
-        <a:lstStyle/>
-        <a:p>
-          <a:r>
-            <a:rPr lang="en-US"/>
-            <a:t>Resonator + Qubit (Dispersive)</a:t>
-          </a:r>
-          <a:endParaRPr lang="en-DK"/>
+          <a:endParaRPr lang="en-DK" sz="1400"/>
         </a:p>
       </dgm:t>
     </dgm:pt>
@@ -7289,658 +7605,712 @@
         <a:bodyPr/>
         <a:lstStyle/>
         <a:p>
-          <a:endParaRPr lang="en-DK"/>
+          <a:endParaRPr lang="en-DK" sz="1400"/>
         </a:p>
       </dgm:t>
     </dgm:pt>
-    <dgm:pt modelId="{D4FAF59F-2523-4764-A926-5586819D322F}" type="sibTrans" cxnId="{228728A2-C207-437A-B2DB-2E4A6660F668}">
+    <dgm:pt modelId="{BF48BE69-49E9-4EC4-B64E-9283B37B66AD}">
+      <dgm:prSet custT="1"/>
+      <dgm:spPr>
+        <a:solidFill>
+          <a:schemeClr val="accent2"/>
+        </a:solidFill>
+      </dgm:spPr>
+      <dgm:t>
+        <a:bodyPr/>
+        <a:lstStyle/>
+        <a:p>
+          <a:r>
+            <a:rPr lang="en-US" sz="1600" dirty="0"/>
+            <a:t>Qubit System</a:t>
+          </a:r>
+          <a:endParaRPr lang="en-DK" sz="1600" dirty="0"/>
+        </a:p>
+      </dgm:t>
+    </dgm:pt>
+    <dgm:pt modelId="{B17AC28B-E10A-42D6-B6DA-EB43E6246A31}" type="sibTrans" cxnId="{EA1B6575-4E51-45A9-A836-01BB3C7BBF4B}">
       <dgm:prSet/>
       <dgm:spPr/>
       <dgm:t>
         <a:bodyPr/>
         <a:lstStyle/>
         <a:p>
-          <a:endParaRPr lang="en-DK"/>
+          <a:endParaRPr lang="en-DK" sz="1400"/>
         </a:p>
       </dgm:t>
     </dgm:pt>
-    <dgm:pt modelId="{63746703-1762-46BF-A864-A86B7D7AC698}">
+    <dgm:pt modelId="{C34F01CB-767D-487B-89F6-1B9FA972AD26}" type="parTrans" cxnId="{EA1B6575-4E51-45A9-A836-01BB3C7BBF4B}">
       <dgm:prSet/>
       <dgm:spPr/>
       <dgm:t>
         <a:bodyPr/>
         <a:lstStyle/>
         <a:p>
-          <a:r>
-            <a:rPr lang="en-US"/>
-            <a:t>Experiment</a:t>
-          </a:r>
-          <a:endParaRPr lang="en-DK"/>
+          <a:endParaRPr lang="en-DK" sz="1400"/>
         </a:p>
       </dgm:t>
     </dgm:pt>
-    <dgm:pt modelId="{93DD2570-29D1-4A10-8757-B9E9FD705E61}" type="parTrans" cxnId="{832EEA3F-1CCB-4623-8492-6006B2153DFA}">
-      <dgm:prSet/>
-      <dgm:spPr/>
-      <dgm:t>
-        <a:bodyPr/>
-        <a:lstStyle/>
-        <a:p>
-          <a:endParaRPr lang="en-DK"/>
-        </a:p>
-      </dgm:t>
-    </dgm:pt>
-    <dgm:pt modelId="{209C0097-040B-4E7F-B027-198E0040FF64}" type="sibTrans" cxnId="{832EEA3F-1CCB-4623-8492-6006B2153DFA}">
-      <dgm:prSet/>
-      <dgm:spPr/>
-      <dgm:t>
-        <a:bodyPr/>
-        <a:lstStyle/>
-        <a:p>
-          <a:endParaRPr lang="en-DK"/>
-        </a:p>
-      </dgm:t>
-    </dgm:pt>
-    <dgm:pt modelId="{DA69F6BF-53BF-48CD-B84E-4E8D8B48CF7C}">
-      <dgm:prSet/>
-      <dgm:spPr/>
-      <dgm:t>
-        <a:bodyPr/>
-        <a:lstStyle/>
-        <a:p>
-          <a:r>
-            <a:rPr lang="en-US"/>
-            <a:t>Unitary</a:t>
-          </a:r>
-          <a:endParaRPr lang="en-DK"/>
-        </a:p>
-      </dgm:t>
-    </dgm:pt>
-    <dgm:pt modelId="{DE24BB22-18D5-4020-9F41-5772BF255742}" type="parTrans" cxnId="{1E7E3C4B-CF76-4AFE-9DA7-CC9380D4E4BA}">
-      <dgm:prSet/>
-      <dgm:spPr/>
-      <dgm:t>
-        <a:bodyPr/>
-        <a:lstStyle/>
-        <a:p>
-          <a:endParaRPr lang="en-DK"/>
-        </a:p>
-      </dgm:t>
-    </dgm:pt>
-    <dgm:pt modelId="{C4D06B83-3542-421A-860A-48BEE0B172E7}" type="sibTrans" cxnId="{1E7E3C4B-CF76-4AFE-9DA7-CC9380D4E4BA}">
-      <dgm:prSet/>
-      <dgm:spPr/>
-      <dgm:t>
-        <a:bodyPr/>
-        <a:lstStyle/>
-        <a:p>
-          <a:endParaRPr lang="en-DK"/>
-        </a:p>
-      </dgm:t>
-    </dgm:pt>
-    <dgm:pt modelId="{AAA62FC6-C794-4B8E-B70F-1274FC548079}">
-      <dgm:prSet/>
-      <dgm:spPr/>
-      <dgm:t>
-        <a:bodyPr/>
-        <a:lstStyle/>
-        <a:p>
-          <a:r>
-            <a:rPr lang="en-US" dirty="0"/>
-            <a:t>Lindblad</a:t>
-          </a:r>
-          <a:endParaRPr lang="en-DK" dirty="0"/>
-        </a:p>
-      </dgm:t>
-    </dgm:pt>
-    <dgm:pt modelId="{49BCF922-61E5-4609-9068-2DA52502F308}" type="parTrans" cxnId="{6A68324E-F683-45C2-A898-4DE844FDEB4E}">
-      <dgm:prSet/>
-      <dgm:spPr/>
-      <dgm:t>
-        <a:bodyPr/>
-        <a:lstStyle/>
-        <a:p>
-          <a:endParaRPr lang="en-DK"/>
-        </a:p>
-      </dgm:t>
-    </dgm:pt>
-    <dgm:pt modelId="{7F3FB594-22DD-47B9-B5A6-02D94710C9BA}" type="sibTrans" cxnId="{6A68324E-F683-45C2-A898-4DE844FDEB4E}">
-      <dgm:prSet/>
-      <dgm:spPr/>
-      <dgm:t>
-        <a:bodyPr/>
-        <a:lstStyle/>
-        <a:p>
-          <a:endParaRPr lang="en-DK"/>
-        </a:p>
-      </dgm:t>
-    </dgm:pt>
-    <dgm:pt modelId="{427A89C9-BF3A-491C-BF40-03CA61EB0878}">
-      <dgm:prSet/>
-      <dgm:spPr/>
-      <dgm:t>
-        <a:bodyPr/>
-        <a:lstStyle/>
-        <a:p>
-          <a:r>
-            <a:rPr lang="en-US" dirty="0"/>
-            <a:t>Quantum Device Simulations</a:t>
-          </a:r>
-          <a:endParaRPr lang="en-DK" dirty="0"/>
-        </a:p>
-      </dgm:t>
-    </dgm:pt>
-    <dgm:pt modelId="{FEF221AA-7C86-4DE2-BC9A-0C97A28A8F79}" type="parTrans" cxnId="{FE9FC04A-7CC1-4764-B37B-0931735961B7}">
-      <dgm:prSet/>
-      <dgm:spPr/>
-      <dgm:t>
-        <a:bodyPr/>
-        <a:lstStyle/>
-        <a:p>
-          <a:endParaRPr lang="en-DK"/>
-        </a:p>
-      </dgm:t>
-    </dgm:pt>
-    <dgm:pt modelId="{B83DC37A-909C-4573-8C82-5E7E9E623D9D}" type="sibTrans" cxnId="{FE9FC04A-7CC1-4764-B37B-0931735961B7}">
-      <dgm:prSet/>
-      <dgm:spPr/>
-      <dgm:t>
-        <a:bodyPr/>
-        <a:lstStyle/>
-        <a:p>
-          <a:endParaRPr lang="en-DK"/>
-        </a:p>
-      </dgm:t>
-    </dgm:pt>
-    <dgm:pt modelId="{F495C14D-7377-4090-B1F3-AB3BA4583346}">
-      <dgm:prSet/>
-      <dgm:spPr/>
-      <dgm:t>
-        <a:bodyPr/>
-        <a:lstStyle/>
-        <a:p>
-          <a:r>
-            <a:rPr lang="en-US" dirty="0"/>
-            <a:t>Module</a:t>
-          </a:r>
-          <a:endParaRPr lang="en-DK" dirty="0"/>
-        </a:p>
-      </dgm:t>
-    </dgm:pt>
-    <dgm:pt modelId="{0DBD3D7B-320A-4E74-BCE0-699D6C630162}" type="parTrans" cxnId="{126CF901-D8B2-4D58-B8D2-5B6C55853BE5}">
-      <dgm:prSet/>
-      <dgm:spPr/>
-      <dgm:t>
-        <a:bodyPr/>
-        <a:lstStyle/>
-        <a:p>
-          <a:endParaRPr lang="en-DK"/>
-        </a:p>
-      </dgm:t>
-    </dgm:pt>
-    <dgm:pt modelId="{E3DE8C4A-619B-455A-BB2F-03F2092D0CB4}" type="sibTrans" cxnId="{126CF901-D8B2-4D58-B8D2-5B6C55853BE5}">
-      <dgm:prSet/>
-      <dgm:spPr/>
-      <dgm:t>
-        <a:bodyPr/>
-        <a:lstStyle/>
-        <a:p>
-          <a:endParaRPr lang="en-DK"/>
-        </a:p>
-      </dgm:t>
-    </dgm:pt>
-    <dgm:pt modelId="{85FBB4E5-59AB-461C-9AF1-FD3457B1D73F}">
-      <dgm:prSet/>
-      <dgm:spPr/>
-      <dgm:t>
-        <a:bodyPr/>
-        <a:lstStyle/>
-        <a:p>
-          <a:r>
-            <a:rPr lang="en-US" dirty="0"/>
-            <a:t>Parent Classes</a:t>
-          </a:r>
-          <a:endParaRPr lang="en-DK" dirty="0"/>
-        </a:p>
-      </dgm:t>
-    </dgm:pt>
-    <dgm:pt modelId="{9AFD830C-1920-4DFA-88CA-F6BBB67C03C0}" type="parTrans" cxnId="{945E2F64-A6FF-4FAD-8BE0-E68EF099B8E2}">
-      <dgm:prSet/>
-      <dgm:spPr/>
-      <dgm:t>
-        <a:bodyPr/>
-        <a:lstStyle/>
-        <a:p>
-          <a:endParaRPr lang="en-DK"/>
-        </a:p>
-      </dgm:t>
-    </dgm:pt>
-    <dgm:pt modelId="{4778EB6E-4179-426D-897F-371F35567E9D}" type="sibTrans" cxnId="{945E2F64-A6FF-4FAD-8BE0-E68EF099B8E2}">
-      <dgm:prSet/>
-      <dgm:spPr/>
-      <dgm:t>
-        <a:bodyPr/>
-        <a:lstStyle/>
-        <a:p>
-          <a:endParaRPr lang="en-DK"/>
-        </a:p>
-      </dgm:t>
-    </dgm:pt>
-    <dgm:pt modelId="{187960AC-D729-4FD2-A3FE-D64D370B5117}">
-      <dgm:prSet/>
-      <dgm:spPr/>
-      <dgm:t>
-        <a:bodyPr/>
-        <a:lstStyle/>
-        <a:p>
-          <a:r>
-            <a:rPr lang="en-US" dirty="0"/>
-            <a:t>Actual Physics</a:t>
-          </a:r>
-          <a:endParaRPr lang="en-DK" dirty="0"/>
-        </a:p>
-      </dgm:t>
-    </dgm:pt>
-    <dgm:pt modelId="{2726C735-96D8-4280-8E28-F6189B60A5B2}" type="parTrans" cxnId="{D00476AA-1A29-4B93-864B-B4A8D2E4A4E5}">
-      <dgm:prSet/>
-      <dgm:spPr/>
-      <dgm:t>
-        <a:bodyPr/>
-        <a:lstStyle/>
-        <a:p>
-          <a:endParaRPr lang="en-DK"/>
-        </a:p>
-      </dgm:t>
-    </dgm:pt>
-    <dgm:pt modelId="{FCA2B759-1E32-43C8-A3CC-5B4BA995EE66}" type="sibTrans" cxnId="{D00476AA-1A29-4B93-864B-B4A8D2E4A4E5}">
-      <dgm:prSet/>
-      <dgm:spPr/>
-      <dgm:t>
-        <a:bodyPr/>
-        <a:lstStyle/>
-        <a:p>
-          <a:endParaRPr lang="en-DK"/>
-        </a:p>
-      </dgm:t>
-    </dgm:pt>
-    <dgm:pt modelId="{5CF2B8E7-A0FA-40E9-8768-1E7C8C222D97}" type="pres">
-      <dgm:prSet presAssocID="{715E9624-57CC-40BE-889C-2548021DA9FD}" presName="mainComposite" presStyleCnt="0">
+    <dgm:pt modelId="{BE88CA59-F283-49C6-88A0-706331CB4CFC}" type="pres">
+      <dgm:prSet presAssocID="{715E9624-57CC-40BE-889C-2548021DA9FD}" presName="hierChild1" presStyleCnt="0">
         <dgm:presLayoutVars>
+          <dgm:orgChart val="1"/>
           <dgm:chPref val="1"/>
           <dgm:dir/>
           <dgm:animOne val="branch"/>
           <dgm:animLvl val="lvl"/>
-          <dgm:resizeHandles val="exact"/>
+          <dgm:resizeHandles/>
         </dgm:presLayoutVars>
       </dgm:prSet>
       <dgm:spPr/>
     </dgm:pt>
-    <dgm:pt modelId="{250E1775-6A32-4202-BE24-C51EE0F0DD5F}" type="pres">
-      <dgm:prSet presAssocID="{715E9624-57CC-40BE-889C-2548021DA9FD}" presName="hierFlow" presStyleCnt="0"/>
-      <dgm:spPr/>
-    </dgm:pt>
-    <dgm:pt modelId="{9B9C50E5-5F9B-4AA4-B532-76E708424CC3}" type="pres">
-      <dgm:prSet presAssocID="{715E9624-57CC-40BE-889C-2548021DA9FD}" presName="firstBuf" presStyleCnt="0"/>
-      <dgm:spPr/>
-    </dgm:pt>
-    <dgm:pt modelId="{225073E7-4A63-4EE7-9474-37D4E59C66E4}" type="pres">
-      <dgm:prSet presAssocID="{715E9624-57CC-40BE-889C-2548021DA9FD}" presName="hierChild1" presStyleCnt="0">
+    <dgm:pt modelId="{B105D189-175B-478C-9514-50BB5D5A8F53}" type="pres">
+      <dgm:prSet presAssocID="{8C1EA4C8-3BF5-4847-9127-6F97ED1A21CA}" presName="hierRoot1" presStyleCnt="0">
         <dgm:presLayoutVars>
-          <dgm:chPref val="1"/>
-          <dgm:animOne val="branch"/>
-          <dgm:animLvl val="lvl"/>
+          <dgm:hierBranch/>
         </dgm:presLayoutVars>
       </dgm:prSet>
       <dgm:spPr/>
     </dgm:pt>
-    <dgm:pt modelId="{69B6E44F-B259-4B48-9F2A-95ADCBA0DB74}" type="pres">
-      <dgm:prSet presAssocID="{427A89C9-BF3A-491C-BF40-03CA61EB0878}" presName="Name14" presStyleCnt="0"/>
+    <dgm:pt modelId="{3196F2E6-4EAA-42E5-84FC-31DDB0FC5853}" type="pres">
+      <dgm:prSet presAssocID="{8C1EA4C8-3BF5-4847-9127-6F97ED1A21CA}" presName="rootComposite1" presStyleCnt="0"/>
       <dgm:spPr/>
     </dgm:pt>
-    <dgm:pt modelId="{0EE8EA4D-5036-491D-A0AA-D4BCE5C2D3F6}" type="pres">
-      <dgm:prSet presAssocID="{427A89C9-BF3A-491C-BF40-03CA61EB0878}" presName="level1Shape" presStyleLbl="node0" presStyleIdx="0" presStyleCnt="1">
+    <dgm:pt modelId="{CC5F667F-46C4-4485-9E59-D9148B74D5DF}" type="pres">
+      <dgm:prSet presAssocID="{8C1EA4C8-3BF5-4847-9127-6F97ED1A21CA}" presName="rootText1" presStyleLbl="node0" presStyleIdx="0" presStyleCnt="3" custScaleX="208506" custScaleY="219927" custLinFactNeighborX="-55703">
         <dgm:presLayoutVars>
           <dgm:chPref val="3"/>
         </dgm:presLayoutVars>
       </dgm:prSet>
+      <dgm:spPr>
+        <a:prstGeom prst="roundRect">
+          <a:avLst/>
+        </a:prstGeom>
+      </dgm:spPr>
+    </dgm:pt>
+    <dgm:pt modelId="{6B22A3CB-C553-4C09-968B-A0A5F9040757}" type="pres">
+      <dgm:prSet presAssocID="{8C1EA4C8-3BF5-4847-9127-6F97ED1A21CA}" presName="rootConnector1" presStyleLbl="node1" presStyleIdx="0" presStyleCnt="0"/>
       <dgm:spPr/>
     </dgm:pt>
-    <dgm:pt modelId="{D49E085E-7792-4A24-8246-8E5DD4C24FB3}" type="pres">
-      <dgm:prSet presAssocID="{427A89C9-BF3A-491C-BF40-03CA61EB0878}" presName="hierChild2" presStyleCnt="0"/>
+    <dgm:pt modelId="{0E3062B3-6E7B-47C3-AC04-D9C989CC3487}" type="pres">
+      <dgm:prSet presAssocID="{8C1EA4C8-3BF5-4847-9127-6F97ED1A21CA}" presName="hierChild2" presStyleCnt="0"/>
       <dgm:spPr/>
     </dgm:pt>
-    <dgm:pt modelId="{F6B7A69A-8B6D-4C16-8921-C3523FE4D227}" type="pres">
-      <dgm:prSet presAssocID="{E1CD4BF6-9420-427A-AD31-6E77FFDA59A0}" presName="Name19" presStyleLbl="parChTrans1D2" presStyleIdx="0" presStyleCnt="3"/>
+    <dgm:pt modelId="{B8AE675E-2477-4933-A374-5C21C3EBE81E}" type="pres">
+      <dgm:prSet presAssocID="{B8F6AE7A-867B-4D02-A7DE-E188FF2A13C5}" presName="Name64" presStyleLbl="parChTrans1D2" presStyleIdx="0" presStyleCnt="10"/>
       <dgm:spPr/>
     </dgm:pt>
-    <dgm:pt modelId="{1C90E04B-ED8B-4EE4-B0D0-B516B7977C22}" type="pres">
-      <dgm:prSet presAssocID="{630AFBE9-69DD-41CA-9E37-7FFEDDA679DA}" presName="Name21" presStyleCnt="0"/>
-      <dgm:spPr/>
-    </dgm:pt>
-    <dgm:pt modelId="{59AEF846-7826-4BA9-B5C5-E2FDA3940C85}" type="pres">
-      <dgm:prSet presAssocID="{630AFBE9-69DD-41CA-9E37-7FFEDDA679DA}" presName="level2Shape" presStyleLbl="node2" presStyleIdx="0" presStyleCnt="3"/>
-      <dgm:spPr/>
-    </dgm:pt>
-    <dgm:pt modelId="{7BDA05C6-79C7-45FE-8D5B-6B34383BDB78}" type="pres">
-      <dgm:prSet presAssocID="{630AFBE9-69DD-41CA-9E37-7FFEDDA679DA}" presName="hierChild3" presStyleCnt="0"/>
-      <dgm:spPr/>
-    </dgm:pt>
-    <dgm:pt modelId="{F4D51FCC-5DE7-49B1-9B92-EE4808B9DD3A}" type="pres">
-      <dgm:prSet presAssocID="{B8F6AE7A-867B-4D02-A7DE-E188FF2A13C5}" presName="Name19" presStyleLbl="parChTrans1D3" presStyleIdx="0" presStyleCnt="7"/>
-      <dgm:spPr/>
-    </dgm:pt>
-    <dgm:pt modelId="{D655083A-DB03-4638-B0C2-B7354A5C239B}" type="pres">
-      <dgm:prSet presAssocID="{E7BCCE61-525E-4C15-9575-453E8A9965B3}" presName="Name21" presStyleCnt="0"/>
-      <dgm:spPr/>
-    </dgm:pt>
-    <dgm:pt modelId="{01588D25-5D64-48CE-A8B7-2913BB5673DD}" type="pres">
-      <dgm:prSet presAssocID="{E7BCCE61-525E-4C15-9575-453E8A9965B3}" presName="level2Shape" presStyleLbl="node3" presStyleIdx="0" presStyleCnt="7"/>
-      <dgm:spPr/>
-    </dgm:pt>
-    <dgm:pt modelId="{D963898F-4897-4F6C-AE8F-D35B254865FF}" type="pres">
-      <dgm:prSet presAssocID="{E7BCCE61-525E-4C15-9575-453E8A9965B3}" presName="hierChild3" presStyleCnt="0"/>
-      <dgm:spPr/>
-    </dgm:pt>
-    <dgm:pt modelId="{A206A46E-4944-45A3-B9CD-A0FF110D2C53}" type="pres">
-      <dgm:prSet presAssocID="{5806A2C0-6853-4B74-866D-2A86FA439A1A}" presName="Name19" presStyleLbl="parChTrans1D3" presStyleIdx="1" presStyleCnt="7"/>
-      <dgm:spPr/>
-    </dgm:pt>
-    <dgm:pt modelId="{7C3D1A04-9567-45CF-96EA-C582A420E44A}" type="pres">
-      <dgm:prSet presAssocID="{F2F36402-86DF-4634-BD17-6F4660156FCF}" presName="Name21" presStyleCnt="0"/>
-      <dgm:spPr/>
-    </dgm:pt>
-    <dgm:pt modelId="{ACD2C89B-9C5D-460A-8B27-B76F40E8A865}" type="pres">
-      <dgm:prSet presAssocID="{F2F36402-86DF-4634-BD17-6F4660156FCF}" presName="level2Shape" presStyleLbl="node3" presStyleIdx="1" presStyleCnt="7"/>
-      <dgm:spPr/>
-    </dgm:pt>
-    <dgm:pt modelId="{31338D04-7C96-4A60-811C-E9D9C3187151}" type="pres">
-      <dgm:prSet presAssocID="{F2F36402-86DF-4634-BD17-6F4660156FCF}" presName="hierChild3" presStyleCnt="0"/>
-      <dgm:spPr/>
-    </dgm:pt>
-    <dgm:pt modelId="{D789E02D-40A2-4193-86F5-C8C750EF33C5}" type="pres">
-      <dgm:prSet presAssocID="{ECAE0264-9370-4E66-95CF-1C4DC379EBF0}" presName="Name19" presStyleLbl="parChTrans1D3" presStyleIdx="2" presStyleCnt="7"/>
-      <dgm:spPr/>
-    </dgm:pt>
-    <dgm:pt modelId="{A8845A78-6224-4DB3-B508-BE5F3B26E219}" type="pres">
-      <dgm:prSet presAssocID="{5D5A2A56-4B00-44DC-890F-84823B3A0095}" presName="Name21" presStyleCnt="0"/>
-      <dgm:spPr/>
-    </dgm:pt>
-    <dgm:pt modelId="{AC03C92E-A60B-4C95-B337-37108B33C1A7}" type="pres">
-      <dgm:prSet presAssocID="{5D5A2A56-4B00-44DC-890F-84823B3A0095}" presName="level2Shape" presStyleLbl="node3" presStyleIdx="2" presStyleCnt="7" custLinFactNeighborX="2893" custLinFactNeighborY="2248"/>
-      <dgm:spPr/>
-    </dgm:pt>
-    <dgm:pt modelId="{53D25A00-2D57-4CFD-816F-036A7AB0B571}" type="pres">
-      <dgm:prSet presAssocID="{5D5A2A56-4B00-44DC-890F-84823B3A0095}" presName="hierChild3" presStyleCnt="0"/>
-      <dgm:spPr/>
-    </dgm:pt>
-    <dgm:pt modelId="{E40632ED-E683-4752-9734-5A883FE3A15E}" type="pres">
-      <dgm:prSet presAssocID="{28F602AF-B7D6-4883-8816-1422C881C2B3}" presName="Name19" presStyleLbl="parChTrans1D2" presStyleIdx="1" presStyleCnt="3"/>
-      <dgm:spPr/>
-    </dgm:pt>
-    <dgm:pt modelId="{76EC4D44-4571-4338-949D-448CB7279194}" type="pres">
-      <dgm:prSet presAssocID="{FFC7F1F6-C264-4823-B11A-D8053E10EA88}" presName="Name21" presStyleCnt="0"/>
-      <dgm:spPr/>
-    </dgm:pt>
-    <dgm:pt modelId="{84586D6D-4863-4642-93F7-632AD100BC45}" type="pres">
-      <dgm:prSet presAssocID="{FFC7F1F6-C264-4823-B11A-D8053E10EA88}" presName="level2Shape" presStyleLbl="node2" presStyleIdx="1" presStyleCnt="3"/>
-      <dgm:spPr/>
-    </dgm:pt>
-    <dgm:pt modelId="{3566EDEC-4333-420B-B12F-BCDCCACF242F}" type="pres">
-      <dgm:prSet presAssocID="{FFC7F1F6-C264-4823-B11A-D8053E10EA88}" presName="hierChild3" presStyleCnt="0"/>
-      <dgm:spPr/>
-    </dgm:pt>
-    <dgm:pt modelId="{7696CD6D-6EB2-41C8-A018-90B7AC259437}" type="pres">
-      <dgm:prSet presAssocID="{9282992C-C085-4F05-BEFC-E7717138BB6A}" presName="Name19" presStyleLbl="parChTrans1D3" presStyleIdx="3" presStyleCnt="7"/>
-      <dgm:spPr/>
-    </dgm:pt>
-    <dgm:pt modelId="{D612AE5C-DBEF-4FA9-919B-43BA4C2D1ED4}" type="pres">
-      <dgm:prSet presAssocID="{38801AEF-6F33-48A2-9DCC-734F9B004F4B}" presName="Name21" presStyleCnt="0"/>
-      <dgm:spPr/>
-    </dgm:pt>
-    <dgm:pt modelId="{3B865202-3280-415E-80CD-3AF5708D8C2F}" type="pres">
-      <dgm:prSet presAssocID="{38801AEF-6F33-48A2-9DCC-734F9B004F4B}" presName="level2Shape" presStyleLbl="node3" presStyleIdx="3" presStyleCnt="7"/>
-      <dgm:spPr/>
-    </dgm:pt>
-    <dgm:pt modelId="{B4C5D5C1-85EA-4152-B8E7-2396EFFC314B}" type="pres">
-      <dgm:prSet presAssocID="{38801AEF-6F33-48A2-9DCC-734F9B004F4B}" presName="hierChild3" presStyleCnt="0"/>
-      <dgm:spPr/>
-    </dgm:pt>
-    <dgm:pt modelId="{B6E253E3-477D-41DE-A55A-CA8702767238}" type="pres">
-      <dgm:prSet presAssocID="{2AEC02C4-B4B4-4EB3-BE89-8B1B904D53F0}" presName="Name19" presStyleLbl="parChTrans1D3" presStyleIdx="4" presStyleCnt="7"/>
-      <dgm:spPr/>
-    </dgm:pt>
-    <dgm:pt modelId="{D2FBCDDD-882C-43A6-88B1-A6C824CF917D}" type="pres">
-      <dgm:prSet presAssocID="{49BAA495-5322-44D1-B401-1C0C05D0B540}" presName="Name21" presStyleCnt="0"/>
-      <dgm:spPr/>
-    </dgm:pt>
-    <dgm:pt modelId="{AB3B373D-5BDF-4087-9AF0-831C2D0BDBDB}" type="pres">
-      <dgm:prSet presAssocID="{49BAA495-5322-44D1-B401-1C0C05D0B540}" presName="level2Shape" presStyleLbl="node3" presStyleIdx="4" presStyleCnt="7"/>
-      <dgm:spPr/>
-    </dgm:pt>
-    <dgm:pt modelId="{F5C142AA-F04C-440C-B801-A1A0B3D53E6F}" type="pres">
-      <dgm:prSet presAssocID="{49BAA495-5322-44D1-B401-1C0C05D0B540}" presName="hierChild3" presStyleCnt="0"/>
-      <dgm:spPr/>
-    </dgm:pt>
-    <dgm:pt modelId="{4AD105DE-8489-4228-8593-1C4AF6B9040B}" type="pres">
-      <dgm:prSet presAssocID="{93DD2570-29D1-4A10-8757-B9E9FD705E61}" presName="Name19" presStyleLbl="parChTrans1D2" presStyleIdx="2" presStyleCnt="3"/>
-      <dgm:spPr/>
-    </dgm:pt>
-    <dgm:pt modelId="{F512F7C2-9F7B-4CF8-95F7-71EFFBAC437B}" type="pres">
-      <dgm:prSet presAssocID="{63746703-1762-46BF-A864-A86B7D7AC698}" presName="Name21" presStyleCnt="0"/>
-      <dgm:spPr/>
-    </dgm:pt>
-    <dgm:pt modelId="{49174A57-718D-4A22-B9C8-45A5FCA206EB}" type="pres">
-      <dgm:prSet presAssocID="{63746703-1762-46BF-A864-A86B7D7AC698}" presName="level2Shape" presStyleLbl="node2" presStyleIdx="2" presStyleCnt="3"/>
-      <dgm:spPr/>
-    </dgm:pt>
-    <dgm:pt modelId="{FDD54890-CB79-4339-9EB8-DA51454FA3DC}" type="pres">
-      <dgm:prSet presAssocID="{63746703-1762-46BF-A864-A86B7D7AC698}" presName="hierChild3" presStyleCnt="0"/>
-      <dgm:spPr/>
-    </dgm:pt>
-    <dgm:pt modelId="{FBD84F1A-7BCE-41F6-8AD4-E7C3999B11B9}" type="pres">
-      <dgm:prSet presAssocID="{DE24BB22-18D5-4020-9F41-5772BF255742}" presName="Name19" presStyleLbl="parChTrans1D3" presStyleIdx="5" presStyleCnt="7"/>
-      <dgm:spPr/>
-    </dgm:pt>
-    <dgm:pt modelId="{58688D13-1D74-4CE0-B758-A2CF9166450F}" type="pres">
-      <dgm:prSet presAssocID="{DA69F6BF-53BF-48CD-B84E-4E8D8B48CF7C}" presName="Name21" presStyleCnt="0"/>
-      <dgm:spPr/>
-    </dgm:pt>
-    <dgm:pt modelId="{9553F8FE-C611-4E90-875F-103909AA5E4F}" type="pres">
-      <dgm:prSet presAssocID="{DA69F6BF-53BF-48CD-B84E-4E8D8B48CF7C}" presName="level2Shape" presStyleLbl="node3" presStyleIdx="5" presStyleCnt="7"/>
-      <dgm:spPr/>
-    </dgm:pt>
-    <dgm:pt modelId="{C5793E6A-619B-44F4-8893-1EBE40D6F470}" type="pres">
-      <dgm:prSet presAssocID="{DA69F6BF-53BF-48CD-B84E-4E8D8B48CF7C}" presName="hierChild3" presStyleCnt="0"/>
-      <dgm:spPr/>
-    </dgm:pt>
-    <dgm:pt modelId="{5DE14177-A088-41F5-A19F-176B3CB150B0}" type="pres">
-      <dgm:prSet presAssocID="{49BCF922-61E5-4609-9068-2DA52502F308}" presName="Name19" presStyleLbl="parChTrans1D3" presStyleIdx="6" presStyleCnt="7"/>
-      <dgm:spPr/>
-    </dgm:pt>
-    <dgm:pt modelId="{AC6A630F-3AB8-46BB-A5E4-1A54F2353F51}" type="pres">
-      <dgm:prSet presAssocID="{AAA62FC6-C794-4B8E-B70F-1274FC548079}" presName="Name21" presStyleCnt="0"/>
-      <dgm:spPr/>
-    </dgm:pt>
-    <dgm:pt modelId="{F48EEEDF-7BDD-4B9A-9ABD-26C8F63C8CF7}" type="pres">
-      <dgm:prSet presAssocID="{AAA62FC6-C794-4B8E-B70F-1274FC548079}" presName="level2Shape" presStyleLbl="node3" presStyleIdx="6" presStyleCnt="7"/>
-      <dgm:spPr/>
-    </dgm:pt>
-    <dgm:pt modelId="{885E9098-C4F8-41A4-A62A-6E3848A6BFF2}" type="pres">
-      <dgm:prSet presAssocID="{AAA62FC6-C794-4B8E-B70F-1274FC548079}" presName="hierChild3" presStyleCnt="0"/>
-      <dgm:spPr/>
-    </dgm:pt>
-    <dgm:pt modelId="{F553C64B-9330-4B7D-9F40-86FDC006AD6F}" type="pres">
-      <dgm:prSet presAssocID="{715E9624-57CC-40BE-889C-2548021DA9FD}" presName="bgShapesFlow" presStyleCnt="0"/>
-      <dgm:spPr/>
-    </dgm:pt>
-    <dgm:pt modelId="{17480CDE-12F2-482B-9085-724F937332B2}" type="pres">
-      <dgm:prSet presAssocID="{F495C14D-7377-4090-B1F3-AB3BA4583346}" presName="rectComp" presStyleCnt="0"/>
-      <dgm:spPr/>
-    </dgm:pt>
-    <dgm:pt modelId="{1092348B-D00D-4AA3-86D3-3E3787B60A18}" type="pres">
-      <dgm:prSet presAssocID="{F495C14D-7377-4090-B1F3-AB3BA4583346}" presName="bgRect" presStyleLbl="bgShp" presStyleIdx="0" presStyleCnt="3"/>
-      <dgm:spPr/>
-    </dgm:pt>
-    <dgm:pt modelId="{B245CDD2-E96B-4E4D-B900-A499D2C769EF}" type="pres">
-      <dgm:prSet presAssocID="{F495C14D-7377-4090-B1F3-AB3BA4583346}" presName="bgRectTx" presStyleLbl="bgShp" presStyleIdx="0" presStyleCnt="3">
+    <dgm:pt modelId="{FEDF2834-5090-41CC-B3E4-014FEC14C416}" type="pres">
+      <dgm:prSet presAssocID="{E7BCCE61-525E-4C15-9575-453E8A9965B3}" presName="hierRoot2" presStyleCnt="0">
         <dgm:presLayoutVars>
-          <dgm:bulletEnabled val="1"/>
+          <dgm:hierBranch val="init"/>
         </dgm:presLayoutVars>
       </dgm:prSet>
       <dgm:spPr/>
     </dgm:pt>
-    <dgm:pt modelId="{945BB5BF-5C86-4584-B0BC-2ED499CB1B91}" type="pres">
-      <dgm:prSet presAssocID="{F495C14D-7377-4090-B1F3-AB3BA4583346}" presName="spComp" presStyleCnt="0"/>
+    <dgm:pt modelId="{C8D5E8D7-9B22-4647-8951-DF34D3B69AC9}" type="pres">
+      <dgm:prSet presAssocID="{E7BCCE61-525E-4C15-9575-453E8A9965B3}" presName="rootComposite" presStyleCnt="0"/>
       <dgm:spPr/>
     </dgm:pt>
-    <dgm:pt modelId="{334C3D1A-0339-48D9-9D51-3309D32B34B4}" type="pres">
-      <dgm:prSet presAssocID="{F495C14D-7377-4090-B1F3-AB3BA4583346}" presName="vSp" presStyleCnt="0"/>
+    <dgm:pt modelId="{E438104F-CDF6-4E1B-A2DC-6F172DCE0763}" type="pres">
+      <dgm:prSet presAssocID="{E7BCCE61-525E-4C15-9575-453E8A9965B3}" presName="rootText" presStyleLbl="node2" presStyleIdx="0" presStyleCnt="10" custScaleX="208506" custLinFactX="100000" custLinFactNeighborX="104388">
+        <dgm:presLayoutVars>
+          <dgm:chPref val="3"/>
+        </dgm:presLayoutVars>
+      </dgm:prSet>
+      <dgm:spPr>
+        <a:prstGeom prst="roundRect">
+          <a:avLst/>
+        </a:prstGeom>
+      </dgm:spPr>
+    </dgm:pt>
+    <dgm:pt modelId="{56282B8C-B09A-449A-B254-0C3CFAB0083D}" type="pres">
+      <dgm:prSet presAssocID="{E7BCCE61-525E-4C15-9575-453E8A9965B3}" presName="rootConnector" presStyleLbl="node2" presStyleIdx="0" presStyleCnt="10"/>
       <dgm:spPr/>
     </dgm:pt>
-    <dgm:pt modelId="{896E5FDF-FA86-485E-B361-972D12BD557D}" type="pres">
-      <dgm:prSet presAssocID="{85FBB4E5-59AB-461C-9AF1-FD3457B1D73F}" presName="rectComp" presStyleCnt="0"/>
+    <dgm:pt modelId="{A4B33880-E6F6-4985-A28F-E498262F0FDF}" type="pres">
+      <dgm:prSet presAssocID="{E7BCCE61-525E-4C15-9575-453E8A9965B3}" presName="hierChild4" presStyleCnt="0"/>
       <dgm:spPr/>
     </dgm:pt>
-    <dgm:pt modelId="{36369107-3B37-4139-AA81-F401E0D698A0}" type="pres">
-      <dgm:prSet presAssocID="{85FBB4E5-59AB-461C-9AF1-FD3457B1D73F}" presName="bgRect" presStyleLbl="bgShp" presStyleIdx="1" presStyleCnt="3"/>
+    <dgm:pt modelId="{526649D7-BBA3-468F-A37B-B3EF11E97204}" type="pres">
+      <dgm:prSet presAssocID="{E7BCCE61-525E-4C15-9575-453E8A9965B3}" presName="hierChild5" presStyleCnt="0"/>
       <dgm:spPr/>
     </dgm:pt>
-    <dgm:pt modelId="{EF1BD615-F7B7-466A-B0AD-4835079A42BC}" type="pres">
-      <dgm:prSet presAssocID="{85FBB4E5-59AB-461C-9AF1-FD3457B1D73F}" presName="bgRectTx" presStyleLbl="bgShp" presStyleIdx="1" presStyleCnt="3">
+    <dgm:pt modelId="{5C8521FA-5AA5-4A65-9A8F-23ADA0606DBD}" type="pres">
+      <dgm:prSet presAssocID="{5806A2C0-6853-4B74-866D-2A86FA439A1A}" presName="Name64" presStyleLbl="parChTrans1D2" presStyleIdx="1" presStyleCnt="10"/>
+      <dgm:spPr/>
+    </dgm:pt>
+    <dgm:pt modelId="{199E163F-28CA-4B01-9784-7EF063915791}" type="pres">
+      <dgm:prSet presAssocID="{F2F36402-86DF-4634-BD17-6F4660156FCF}" presName="hierRoot2" presStyleCnt="0">
         <dgm:presLayoutVars>
-          <dgm:bulletEnabled val="1"/>
+          <dgm:hierBranch val="init"/>
         </dgm:presLayoutVars>
       </dgm:prSet>
       <dgm:spPr/>
     </dgm:pt>
-    <dgm:pt modelId="{249780F4-4A77-468C-8DBB-A0B742E7A40A}" type="pres">
-      <dgm:prSet presAssocID="{85FBB4E5-59AB-461C-9AF1-FD3457B1D73F}" presName="spComp" presStyleCnt="0"/>
+    <dgm:pt modelId="{DA8D4021-C052-4714-856F-3AD00CEF49DB}" type="pres">
+      <dgm:prSet presAssocID="{F2F36402-86DF-4634-BD17-6F4660156FCF}" presName="rootComposite" presStyleCnt="0"/>
       <dgm:spPr/>
     </dgm:pt>
-    <dgm:pt modelId="{5798C0CE-2860-4A62-AF89-3FB13E23D7C6}" type="pres">
-      <dgm:prSet presAssocID="{85FBB4E5-59AB-461C-9AF1-FD3457B1D73F}" presName="vSp" presStyleCnt="0"/>
+    <dgm:pt modelId="{ECA990E3-ECE6-45A2-A6AC-8E1A2BF52521}" type="pres">
+      <dgm:prSet presAssocID="{F2F36402-86DF-4634-BD17-6F4660156FCF}" presName="rootText" presStyleLbl="node2" presStyleIdx="1" presStyleCnt="10" custScaleX="208506" custLinFactX="100000" custLinFactNeighborX="104388">
+        <dgm:presLayoutVars>
+          <dgm:chPref val="3"/>
+        </dgm:presLayoutVars>
+      </dgm:prSet>
+      <dgm:spPr>
+        <a:prstGeom prst="roundRect">
+          <a:avLst/>
+        </a:prstGeom>
+      </dgm:spPr>
+    </dgm:pt>
+    <dgm:pt modelId="{30EAB668-E5C7-49B5-A0BC-6059BC3A10DA}" type="pres">
+      <dgm:prSet presAssocID="{F2F36402-86DF-4634-BD17-6F4660156FCF}" presName="rootConnector" presStyleLbl="node2" presStyleIdx="1" presStyleCnt="10"/>
       <dgm:spPr/>
     </dgm:pt>
-    <dgm:pt modelId="{85BC3825-8325-4E56-89EB-509348447234}" type="pres">
-      <dgm:prSet presAssocID="{187960AC-D729-4FD2-A3FE-D64D370B5117}" presName="rectComp" presStyleCnt="0"/>
+    <dgm:pt modelId="{CA39EE9B-D328-46AC-A257-6B1EFDF30621}" type="pres">
+      <dgm:prSet presAssocID="{F2F36402-86DF-4634-BD17-6F4660156FCF}" presName="hierChild4" presStyleCnt="0"/>
       <dgm:spPr/>
     </dgm:pt>
-    <dgm:pt modelId="{89A34BDB-9012-4FE3-8ACB-FD0C0953C0BC}" type="pres">
-      <dgm:prSet presAssocID="{187960AC-D729-4FD2-A3FE-D64D370B5117}" presName="bgRect" presStyleLbl="bgShp" presStyleIdx="2" presStyleCnt="3"/>
+    <dgm:pt modelId="{2F25C566-F984-4F45-9C10-90DA17CA3234}" type="pres">
+      <dgm:prSet presAssocID="{F2F36402-86DF-4634-BD17-6F4660156FCF}" presName="hierChild5" presStyleCnt="0"/>
       <dgm:spPr/>
     </dgm:pt>
-    <dgm:pt modelId="{B8838BEB-FF64-49F2-B005-2F470F227E93}" type="pres">
-      <dgm:prSet presAssocID="{187960AC-D729-4FD2-A3FE-D64D370B5117}" presName="bgRectTx" presStyleLbl="bgShp" presStyleIdx="2" presStyleCnt="3">
+    <dgm:pt modelId="{18276181-F7F8-4ECE-A596-542AB0037F10}" type="pres">
+      <dgm:prSet presAssocID="{ECAE0264-9370-4E66-95CF-1C4DC379EBF0}" presName="Name64" presStyleLbl="parChTrans1D2" presStyleIdx="2" presStyleCnt="10"/>
+      <dgm:spPr/>
+    </dgm:pt>
+    <dgm:pt modelId="{6B47B904-ED54-4666-BDC3-ADFA07F993DD}" type="pres">
+      <dgm:prSet presAssocID="{5D5A2A56-4B00-44DC-890F-84823B3A0095}" presName="hierRoot2" presStyleCnt="0">
         <dgm:presLayoutVars>
-          <dgm:bulletEnabled val="1"/>
+          <dgm:hierBranch val="init"/>
         </dgm:presLayoutVars>
       </dgm:prSet>
       <dgm:spPr/>
     </dgm:pt>
+    <dgm:pt modelId="{DD0E88CD-877F-4C2C-B11A-586B68E45049}" type="pres">
+      <dgm:prSet presAssocID="{5D5A2A56-4B00-44DC-890F-84823B3A0095}" presName="rootComposite" presStyleCnt="0"/>
+      <dgm:spPr/>
+    </dgm:pt>
+    <dgm:pt modelId="{71B2C8E4-D8BA-4755-99B2-280EE1529B9B}" type="pres">
+      <dgm:prSet presAssocID="{5D5A2A56-4B00-44DC-890F-84823B3A0095}" presName="rootText" presStyleLbl="node2" presStyleIdx="2" presStyleCnt="10" custScaleX="208506" custLinFactX="100000" custLinFactNeighborX="104388">
+        <dgm:presLayoutVars>
+          <dgm:chPref val="3"/>
+        </dgm:presLayoutVars>
+      </dgm:prSet>
+      <dgm:spPr>
+        <a:prstGeom prst="roundRect">
+          <a:avLst/>
+        </a:prstGeom>
+      </dgm:spPr>
+    </dgm:pt>
+    <dgm:pt modelId="{E26D3C35-EE00-42A9-AF33-BC5BE53074E0}" type="pres">
+      <dgm:prSet presAssocID="{5D5A2A56-4B00-44DC-890F-84823B3A0095}" presName="rootConnector" presStyleLbl="node2" presStyleIdx="2" presStyleCnt="10"/>
+      <dgm:spPr/>
+    </dgm:pt>
+    <dgm:pt modelId="{8E3D3C59-8776-498C-989A-1FF0E785A749}" type="pres">
+      <dgm:prSet presAssocID="{5D5A2A56-4B00-44DC-890F-84823B3A0095}" presName="hierChild4" presStyleCnt="0"/>
+      <dgm:spPr/>
+    </dgm:pt>
+    <dgm:pt modelId="{0FEC267D-1547-40C6-8F43-3588499A59AA}" type="pres">
+      <dgm:prSet presAssocID="{5D5A2A56-4B00-44DC-890F-84823B3A0095}" presName="hierChild5" presStyleCnt="0"/>
+      <dgm:spPr/>
+    </dgm:pt>
+    <dgm:pt modelId="{BED86670-4188-4324-A5DC-2B2B436F59DC}" type="pres">
+      <dgm:prSet presAssocID="{8C1EA4C8-3BF5-4847-9127-6F97ED1A21CA}" presName="hierChild3" presStyleCnt="0"/>
+      <dgm:spPr/>
+    </dgm:pt>
+    <dgm:pt modelId="{6E12F131-7FF3-4408-91A6-539B121FCB48}" type="pres">
+      <dgm:prSet presAssocID="{FFC7F1F6-C264-4823-B11A-D8053E10EA88}" presName="hierRoot1" presStyleCnt="0">
+        <dgm:presLayoutVars>
+          <dgm:hierBranch val="init"/>
+        </dgm:presLayoutVars>
+      </dgm:prSet>
+      <dgm:spPr/>
+    </dgm:pt>
+    <dgm:pt modelId="{ED085B69-C57C-4CB4-8930-4FFA3E0BF3E8}" type="pres">
+      <dgm:prSet presAssocID="{FFC7F1F6-C264-4823-B11A-D8053E10EA88}" presName="rootComposite1" presStyleCnt="0"/>
+      <dgm:spPr/>
+    </dgm:pt>
+    <dgm:pt modelId="{767D0E11-98D2-4C98-B3C0-0B8146BDCAB2}" type="pres">
+      <dgm:prSet presAssocID="{FFC7F1F6-C264-4823-B11A-D8053E10EA88}" presName="rootText1" presStyleLbl="node0" presStyleIdx="1" presStyleCnt="3" custScaleX="208506" custScaleY="219927" custLinFactNeighborX="-55703">
+        <dgm:presLayoutVars>
+          <dgm:chPref val="3"/>
+        </dgm:presLayoutVars>
+      </dgm:prSet>
+      <dgm:spPr>
+        <a:prstGeom prst="roundRect">
+          <a:avLst/>
+        </a:prstGeom>
+      </dgm:spPr>
+    </dgm:pt>
+    <dgm:pt modelId="{B76624C1-603D-4EDD-9069-BB681AE190C8}" type="pres">
+      <dgm:prSet presAssocID="{FFC7F1F6-C264-4823-B11A-D8053E10EA88}" presName="rootConnector1" presStyleLbl="node1" presStyleIdx="0" presStyleCnt="0"/>
+      <dgm:spPr/>
+    </dgm:pt>
+    <dgm:pt modelId="{9FCC0D99-193B-4F30-BD37-9FB00DC289CB}" type="pres">
+      <dgm:prSet presAssocID="{FFC7F1F6-C264-4823-B11A-D8053E10EA88}" presName="hierChild2" presStyleCnt="0"/>
+      <dgm:spPr/>
+    </dgm:pt>
+    <dgm:pt modelId="{8F5D83FB-8BC2-458C-8BDF-2329321BD7C1}" type="pres">
+      <dgm:prSet presAssocID="{9282992C-C085-4F05-BEFC-E7717138BB6A}" presName="Name64" presStyleLbl="parChTrans1D2" presStyleIdx="3" presStyleCnt="10"/>
+      <dgm:spPr/>
+    </dgm:pt>
+    <dgm:pt modelId="{8B5FBE1E-424B-43BF-A958-AA40566DA846}" type="pres">
+      <dgm:prSet presAssocID="{38801AEF-6F33-48A2-9DCC-734F9B004F4B}" presName="hierRoot2" presStyleCnt="0">
+        <dgm:presLayoutVars>
+          <dgm:hierBranch val="init"/>
+        </dgm:presLayoutVars>
+      </dgm:prSet>
+      <dgm:spPr/>
+    </dgm:pt>
+    <dgm:pt modelId="{B09A048E-9FEF-4A9E-B853-149FC0148F47}" type="pres">
+      <dgm:prSet presAssocID="{38801AEF-6F33-48A2-9DCC-734F9B004F4B}" presName="rootComposite" presStyleCnt="0"/>
+      <dgm:spPr/>
+    </dgm:pt>
+    <dgm:pt modelId="{4F92BCA7-1AA6-460B-ACB7-24585056D38B}" type="pres">
+      <dgm:prSet presAssocID="{38801AEF-6F33-48A2-9DCC-734F9B004F4B}" presName="rootText" presStyleLbl="node2" presStyleIdx="3" presStyleCnt="10" custScaleX="208506" custLinFactX="100000" custLinFactNeighborX="104388">
+        <dgm:presLayoutVars>
+          <dgm:chPref val="3"/>
+        </dgm:presLayoutVars>
+      </dgm:prSet>
+      <dgm:spPr>
+        <a:prstGeom prst="roundRect">
+          <a:avLst/>
+        </a:prstGeom>
+      </dgm:spPr>
+    </dgm:pt>
+    <dgm:pt modelId="{ECD0DAF5-9678-494D-BB99-D4D7371FF3BE}" type="pres">
+      <dgm:prSet presAssocID="{38801AEF-6F33-48A2-9DCC-734F9B004F4B}" presName="rootConnector" presStyleLbl="node2" presStyleIdx="3" presStyleCnt="10"/>
+      <dgm:spPr/>
+    </dgm:pt>
+    <dgm:pt modelId="{F7C234C6-39B3-4BC9-A071-9E0C264A0269}" type="pres">
+      <dgm:prSet presAssocID="{38801AEF-6F33-48A2-9DCC-734F9B004F4B}" presName="hierChild4" presStyleCnt="0"/>
+      <dgm:spPr/>
+    </dgm:pt>
+    <dgm:pt modelId="{D8F89ABC-1DDE-4652-8616-435C80D29D41}" type="pres">
+      <dgm:prSet presAssocID="{38801AEF-6F33-48A2-9DCC-734F9B004F4B}" presName="hierChild5" presStyleCnt="0"/>
+      <dgm:spPr/>
+    </dgm:pt>
+    <dgm:pt modelId="{F5F04472-873C-4212-B0F3-A86AD994C260}" type="pres">
+      <dgm:prSet presAssocID="{2AEC02C4-B4B4-4EB3-BE89-8B1B904D53F0}" presName="Name64" presStyleLbl="parChTrans1D2" presStyleIdx="4" presStyleCnt="10"/>
+      <dgm:spPr/>
+    </dgm:pt>
+    <dgm:pt modelId="{4DC134CF-D784-4205-BE0F-F8A9E89F3DD2}" type="pres">
+      <dgm:prSet presAssocID="{49BAA495-5322-44D1-B401-1C0C05D0B540}" presName="hierRoot2" presStyleCnt="0">
+        <dgm:presLayoutVars>
+          <dgm:hierBranch val="init"/>
+        </dgm:presLayoutVars>
+      </dgm:prSet>
+      <dgm:spPr/>
+    </dgm:pt>
+    <dgm:pt modelId="{6B384054-B7AD-46C4-966F-206EC914023B}" type="pres">
+      <dgm:prSet presAssocID="{49BAA495-5322-44D1-B401-1C0C05D0B540}" presName="rootComposite" presStyleCnt="0"/>
+      <dgm:spPr/>
+    </dgm:pt>
+    <dgm:pt modelId="{E754C1CF-B47A-46AC-B34D-988C6B05804A}" type="pres">
+      <dgm:prSet presAssocID="{49BAA495-5322-44D1-B401-1C0C05D0B540}" presName="rootText" presStyleLbl="node2" presStyleIdx="4" presStyleCnt="10" custScaleX="208506" custLinFactX="100000" custLinFactNeighborX="104388">
+        <dgm:presLayoutVars>
+          <dgm:chPref val="3"/>
+        </dgm:presLayoutVars>
+      </dgm:prSet>
+      <dgm:spPr>
+        <a:prstGeom prst="roundRect">
+          <a:avLst/>
+        </a:prstGeom>
+      </dgm:spPr>
+    </dgm:pt>
+    <dgm:pt modelId="{59D3444D-25A8-411E-B081-56AD3777C139}" type="pres">
+      <dgm:prSet presAssocID="{49BAA495-5322-44D1-B401-1C0C05D0B540}" presName="rootConnector" presStyleLbl="node2" presStyleIdx="4" presStyleCnt="10"/>
+      <dgm:spPr/>
+    </dgm:pt>
+    <dgm:pt modelId="{3CF9DFDB-7EC4-4750-8F10-35D4B3987DFE}" type="pres">
+      <dgm:prSet presAssocID="{49BAA495-5322-44D1-B401-1C0C05D0B540}" presName="hierChild4" presStyleCnt="0"/>
+      <dgm:spPr/>
+    </dgm:pt>
+    <dgm:pt modelId="{FD09D617-F279-4316-9923-399D109FE34F}" type="pres">
+      <dgm:prSet presAssocID="{49BAA495-5322-44D1-B401-1C0C05D0B540}" presName="hierChild5" presStyleCnt="0"/>
+      <dgm:spPr/>
+    </dgm:pt>
+    <dgm:pt modelId="{2B38C7BC-C4BD-4C63-BC89-EF44C883B06C}" type="pres">
+      <dgm:prSet presAssocID="{C34F01CB-767D-487B-89F6-1B9FA972AD26}" presName="Name64" presStyleLbl="parChTrans1D2" presStyleIdx="5" presStyleCnt="10"/>
+      <dgm:spPr/>
+    </dgm:pt>
+    <dgm:pt modelId="{6460E88F-C6AF-4F16-8453-46238360D063}" type="pres">
+      <dgm:prSet presAssocID="{BF48BE69-49E9-4EC4-B64E-9283B37B66AD}" presName="hierRoot2" presStyleCnt="0">
+        <dgm:presLayoutVars>
+          <dgm:hierBranch val="init"/>
+        </dgm:presLayoutVars>
+      </dgm:prSet>
+      <dgm:spPr/>
+    </dgm:pt>
+    <dgm:pt modelId="{1AD75FD1-A4AA-4754-8AC9-F2CF7C506289}" type="pres">
+      <dgm:prSet presAssocID="{BF48BE69-49E9-4EC4-B64E-9283B37B66AD}" presName="rootComposite" presStyleCnt="0"/>
+      <dgm:spPr/>
+    </dgm:pt>
+    <dgm:pt modelId="{A0372DE6-F9A6-4643-907F-EBE01B0496BC}" type="pres">
+      <dgm:prSet presAssocID="{BF48BE69-49E9-4EC4-B64E-9283B37B66AD}" presName="rootText" presStyleLbl="node2" presStyleIdx="5" presStyleCnt="10" custScaleX="208506" custLinFactX="100000" custLinFactNeighborX="104388">
+        <dgm:presLayoutVars>
+          <dgm:chPref val="3"/>
+        </dgm:presLayoutVars>
+      </dgm:prSet>
+      <dgm:spPr>
+        <a:prstGeom prst="roundRect">
+          <a:avLst/>
+        </a:prstGeom>
+      </dgm:spPr>
+    </dgm:pt>
+    <dgm:pt modelId="{F23E10CD-B2D1-4FB5-93A0-B45C6D7FD9E5}" type="pres">
+      <dgm:prSet presAssocID="{BF48BE69-49E9-4EC4-B64E-9283B37B66AD}" presName="rootConnector" presStyleLbl="node2" presStyleIdx="5" presStyleCnt="10"/>
+      <dgm:spPr/>
+    </dgm:pt>
+    <dgm:pt modelId="{0D616A06-1E0A-41AC-AEBB-0ED03562FC6F}" type="pres">
+      <dgm:prSet presAssocID="{BF48BE69-49E9-4EC4-B64E-9283B37B66AD}" presName="hierChild4" presStyleCnt="0"/>
+      <dgm:spPr/>
+    </dgm:pt>
+    <dgm:pt modelId="{419E5C5A-2B90-4A07-8B34-87ABFFE66383}" type="pres">
+      <dgm:prSet presAssocID="{BF48BE69-49E9-4EC4-B64E-9283B37B66AD}" presName="hierChild5" presStyleCnt="0"/>
+      <dgm:spPr/>
+    </dgm:pt>
+    <dgm:pt modelId="{E8517169-1647-4D2B-97D9-CA4CCA733F7E}" type="pres">
+      <dgm:prSet presAssocID="{FFC7F1F6-C264-4823-B11A-D8053E10EA88}" presName="hierChild3" presStyleCnt="0"/>
+      <dgm:spPr/>
+    </dgm:pt>
+    <dgm:pt modelId="{B6B15F08-C58C-4DFC-98FF-683E0455C834}" type="pres">
+      <dgm:prSet presAssocID="{63746703-1762-46BF-A864-A86B7D7AC698}" presName="hierRoot1" presStyleCnt="0">
+        <dgm:presLayoutVars>
+          <dgm:hierBranch val="init"/>
+        </dgm:presLayoutVars>
+      </dgm:prSet>
+      <dgm:spPr/>
+    </dgm:pt>
+    <dgm:pt modelId="{1BC975AA-54A0-4B86-AA70-77910D7E2248}" type="pres">
+      <dgm:prSet presAssocID="{63746703-1762-46BF-A864-A86B7D7AC698}" presName="rootComposite1" presStyleCnt="0"/>
+      <dgm:spPr/>
+    </dgm:pt>
+    <dgm:pt modelId="{0A51261F-82A1-49BB-A3D7-8E16343F06A9}" type="pres">
+      <dgm:prSet presAssocID="{63746703-1762-46BF-A864-A86B7D7AC698}" presName="rootText1" presStyleLbl="node0" presStyleIdx="2" presStyleCnt="3" custScaleX="208506" custScaleY="219927" custLinFactNeighborX="-55703">
+        <dgm:presLayoutVars>
+          <dgm:chPref val="3"/>
+        </dgm:presLayoutVars>
+      </dgm:prSet>
+      <dgm:spPr>
+        <a:prstGeom prst="roundRect">
+          <a:avLst/>
+        </a:prstGeom>
+      </dgm:spPr>
+    </dgm:pt>
+    <dgm:pt modelId="{67234294-63D2-4C6D-89C2-55741B2828C3}" type="pres">
+      <dgm:prSet presAssocID="{63746703-1762-46BF-A864-A86B7D7AC698}" presName="rootConnector1" presStyleLbl="node1" presStyleIdx="0" presStyleCnt="0"/>
+      <dgm:spPr/>
+    </dgm:pt>
+    <dgm:pt modelId="{663C5BB1-26DF-44CC-8938-C265C94AC922}" type="pres">
+      <dgm:prSet presAssocID="{63746703-1762-46BF-A864-A86B7D7AC698}" presName="hierChild2" presStyleCnt="0"/>
+      <dgm:spPr/>
+    </dgm:pt>
+    <dgm:pt modelId="{BC1EDE3E-C16D-49C5-AE56-36176E4CAE93}" type="pres">
+      <dgm:prSet presAssocID="{DE24BB22-18D5-4020-9F41-5772BF255742}" presName="Name64" presStyleLbl="parChTrans1D2" presStyleIdx="6" presStyleCnt="10"/>
+      <dgm:spPr/>
+    </dgm:pt>
+    <dgm:pt modelId="{ED4C8DD9-7997-4A48-B3A6-DEF4E0123528}" type="pres">
+      <dgm:prSet presAssocID="{DA69F6BF-53BF-48CD-B84E-4E8D8B48CF7C}" presName="hierRoot2" presStyleCnt="0">
+        <dgm:presLayoutVars>
+          <dgm:hierBranch val="init"/>
+        </dgm:presLayoutVars>
+      </dgm:prSet>
+      <dgm:spPr/>
+    </dgm:pt>
+    <dgm:pt modelId="{22CE20B4-4143-41DA-BE00-776D4673E262}" type="pres">
+      <dgm:prSet presAssocID="{DA69F6BF-53BF-48CD-B84E-4E8D8B48CF7C}" presName="rootComposite" presStyleCnt="0"/>
+      <dgm:spPr/>
+    </dgm:pt>
+    <dgm:pt modelId="{C9712550-ADAF-4BDD-A998-10789B4CE559}" type="pres">
+      <dgm:prSet presAssocID="{DA69F6BF-53BF-48CD-B84E-4E8D8B48CF7C}" presName="rootText" presStyleLbl="node2" presStyleIdx="6" presStyleCnt="10" custScaleX="208506" custLinFactX="100000" custLinFactNeighborX="104388">
+        <dgm:presLayoutVars>
+          <dgm:chPref val="3"/>
+        </dgm:presLayoutVars>
+      </dgm:prSet>
+      <dgm:spPr>
+        <a:prstGeom prst="roundRect">
+          <a:avLst/>
+        </a:prstGeom>
+      </dgm:spPr>
+    </dgm:pt>
+    <dgm:pt modelId="{C2A1B97D-5765-4447-B667-3A16097661B0}" type="pres">
+      <dgm:prSet presAssocID="{DA69F6BF-53BF-48CD-B84E-4E8D8B48CF7C}" presName="rootConnector" presStyleLbl="node2" presStyleIdx="6" presStyleCnt="10"/>
+      <dgm:spPr/>
+    </dgm:pt>
+    <dgm:pt modelId="{A2D8ED0A-AA90-47A6-B991-EF95B3D2B724}" type="pres">
+      <dgm:prSet presAssocID="{DA69F6BF-53BF-48CD-B84E-4E8D8B48CF7C}" presName="hierChild4" presStyleCnt="0"/>
+      <dgm:spPr/>
+    </dgm:pt>
+    <dgm:pt modelId="{5275DC89-30C4-499C-AA31-C02068E9B75A}" type="pres">
+      <dgm:prSet presAssocID="{DA69F6BF-53BF-48CD-B84E-4E8D8B48CF7C}" presName="hierChild5" presStyleCnt="0"/>
+      <dgm:spPr/>
+    </dgm:pt>
+    <dgm:pt modelId="{298720A2-B912-47DF-9433-5794953030F1}" type="pres">
+      <dgm:prSet presAssocID="{49BCF922-61E5-4609-9068-2DA52502F308}" presName="Name64" presStyleLbl="parChTrans1D2" presStyleIdx="7" presStyleCnt="10"/>
+      <dgm:spPr/>
+    </dgm:pt>
+    <dgm:pt modelId="{8A9247C6-29C0-44F3-9489-71E0A9342FFD}" type="pres">
+      <dgm:prSet presAssocID="{AAA62FC6-C794-4B8E-B70F-1274FC548079}" presName="hierRoot2" presStyleCnt="0">
+        <dgm:presLayoutVars>
+          <dgm:hierBranch val="init"/>
+        </dgm:presLayoutVars>
+      </dgm:prSet>
+      <dgm:spPr/>
+    </dgm:pt>
+    <dgm:pt modelId="{5BBD3BF1-CE3B-4FAA-87F9-A3F9F6090440}" type="pres">
+      <dgm:prSet presAssocID="{AAA62FC6-C794-4B8E-B70F-1274FC548079}" presName="rootComposite" presStyleCnt="0"/>
+      <dgm:spPr/>
+    </dgm:pt>
+    <dgm:pt modelId="{996EC0B0-3559-49D5-9D30-E4084309EC17}" type="pres">
+      <dgm:prSet presAssocID="{AAA62FC6-C794-4B8E-B70F-1274FC548079}" presName="rootText" presStyleLbl="node2" presStyleIdx="7" presStyleCnt="10" custScaleX="208506" custLinFactX="100000" custLinFactNeighborX="104388">
+        <dgm:presLayoutVars>
+          <dgm:chPref val="3"/>
+        </dgm:presLayoutVars>
+      </dgm:prSet>
+      <dgm:spPr>
+        <a:prstGeom prst="roundRect">
+          <a:avLst/>
+        </a:prstGeom>
+      </dgm:spPr>
+    </dgm:pt>
+    <dgm:pt modelId="{3D41B5D4-EA88-4096-9821-FF0B979CB4B0}" type="pres">
+      <dgm:prSet presAssocID="{AAA62FC6-C794-4B8E-B70F-1274FC548079}" presName="rootConnector" presStyleLbl="node2" presStyleIdx="7" presStyleCnt="10"/>
+      <dgm:spPr/>
+    </dgm:pt>
+    <dgm:pt modelId="{2BB2D3D8-EB78-4AD0-9711-F8043D81E668}" type="pres">
+      <dgm:prSet presAssocID="{AAA62FC6-C794-4B8E-B70F-1274FC548079}" presName="hierChild4" presStyleCnt="0"/>
+      <dgm:spPr/>
+    </dgm:pt>
+    <dgm:pt modelId="{330BD01B-1E89-473F-A79F-99DC7C7738BB}" type="pres">
+      <dgm:prSet presAssocID="{AAA62FC6-C794-4B8E-B70F-1274FC548079}" presName="hierChild5" presStyleCnt="0"/>
+      <dgm:spPr/>
+    </dgm:pt>
+    <dgm:pt modelId="{D11BCA3D-E8E4-4A9F-99E6-657FAA0DACAC}" type="pres">
+      <dgm:prSet presAssocID="{72EDD16E-CD51-4A39-83D8-3A1B2B793F34}" presName="Name64" presStyleLbl="parChTrans1D2" presStyleIdx="8" presStyleCnt="10"/>
+      <dgm:spPr/>
+    </dgm:pt>
+    <dgm:pt modelId="{7BEBA304-05A7-4033-993F-0D3FDE15C5AD}" type="pres">
+      <dgm:prSet presAssocID="{5266D4EC-044F-4353-AA2E-AD967E7C5BB9}" presName="hierRoot2" presStyleCnt="0">
+        <dgm:presLayoutVars>
+          <dgm:hierBranch val="init"/>
+        </dgm:presLayoutVars>
+      </dgm:prSet>
+      <dgm:spPr/>
+    </dgm:pt>
+    <dgm:pt modelId="{5D7D1909-CF5E-444E-9C26-9D319127A483}" type="pres">
+      <dgm:prSet presAssocID="{5266D4EC-044F-4353-AA2E-AD967E7C5BB9}" presName="rootComposite" presStyleCnt="0"/>
+      <dgm:spPr/>
+    </dgm:pt>
+    <dgm:pt modelId="{648B4374-2A8F-4A1A-83E2-B36159AA0F45}" type="pres">
+      <dgm:prSet presAssocID="{5266D4EC-044F-4353-AA2E-AD967E7C5BB9}" presName="rootText" presStyleLbl="node2" presStyleIdx="8" presStyleCnt="10" custScaleX="208506" custLinFactX="100000" custLinFactNeighborX="104388">
+        <dgm:presLayoutVars>
+          <dgm:chPref val="3"/>
+        </dgm:presLayoutVars>
+      </dgm:prSet>
+      <dgm:spPr>
+        <a:prstGeom prst="roundRect">
+          <a:avLst/>
+        </a:prstGeom>
+      </dgm:spPr>
+    </dgm:pt>
+    <dgm:pt modelId="{4FD0594D-0D1D-4027-AF3C-6F75BC337EB7}" type="pres">
+      <dgm:prSet presAssocID="{5266D4EC-044F-4353-AA2E-AD967E7C5BB9}" presName="rootConnector" presStyleLbl="node2" presStyleIdx="8" presStyleCnt="10"/>
+      <dgm:spPr/>
+    </dgm:pt>
+    <dgm:pt modelId="{AD0A9406-E96B-4B9F-8DFB-F5824DA09351}" type="pres">
+      <dgm:prSet presAssocID="{5266D4EC-044F-4353-AA2E-AD967E7C5BB9}" presName="hierChild4" presStyleCnt="0"/>
+      <dgm:spPr/>
+    </dgm:pt>
+    <dgm:pt modelId="{B2535500-963E-4D97-B8F6-A4777A37CCAF}" type="pres">
+      <dgm:prSet presAssocID="{5266D4EC-044F-4353-AA2E-AD967E7C5BB9}" presName="hierChild5" presStyleCnt="0"/>
+      <dgm:spPr/>
+    </dgm:pt>
+    <dgm:pt modelId="{25B3A28D-3E76-45EF-BBB4-603874806EB3}" type="pres">
+      <dgm:prSet presAssocID="{EE433BB4-21EC-49AA-959B-666A8FD992DF}" presName="Name64" presStyleLbl="parChTrans1D2" presStyleIdx="9" presStyleCnt="10"/>
+      <dgm:spPr/>
+    </dgm:pt>
+    <dgm:pt modelId="{EC5E4716-9852-4C2B-90B1-2D6149EA9471}" type="pres">
+      <dgm:prSet presAssocID="{5C29711D-A744-4D96-B793-90C646DB9B5F}" presName="hierRoot2" presStyleCnt="0">
+        <dgm:presLayoutVars>
+          <dgm:hierBranch val="init"/>
+        </dgm:presLayoutVars>
+      </dgm:prSet>
+      <dgm:spPr/>
+    </dgm:pt>
+    <dgm:pt modelId="{FBA2F082-51DF-4E9E-96ED-1D0BA20B5E66}" type="pres">
+      <dgm:prSet presAssocID="{5C29711D-A744-4D96-B793-90C646DB9B5F}" presName="rootComposite" presStyleCnt="0"/>
+      <dgm:spPr/>
+    </dgm:pt>
+    <dgm:pt modelId="{B38C1C00-20D9-4695-9442-28AC8C8A5541}" type="pres">
+      <dgm:prSet presAssocID="{5C29711D-A744-4D96-B793-90C646DB9B5F}" presName="rootText" presStyleLbl="node2" presStyleIdx="9" presStyleCnt="10" custScaleX="208506" custLinFactX="100000" custLinFactNeighborX="104388">
+        <dgm:presLayoutVars>
+          <dgm:chPref val="3"/>
+        </dgm:presLayoutVars>
+      </dgm:prSet>
+      <dgm:spPr>
+        <a:prstGeom prst="roundRect">
+          <a:avLst/>
+        </a:prstGeom>
+      </dgm:spPr>
+    </dgm:pt>
+    <dgm:pt modelId="{FCF5A8E2-3B85-46CF-A1DC-677054317C09}" type="pres">
+      <dgm:prSet presAssocID="{5C29711D-A744-4D96-B793-90C646DB9B5F}" presName="rootConnector" presStyleLbl="node2" presStyleIdx="9" presStyleCnt="10"/>
+      <dgm:spPr/>
+    </dgm:pt>
+    <dgm:pt modelId="{8FADFA65-044F-4048-BB5B-99B210BC353E}" type="pres">
+      <dgm:prSet presAssocID="{5C29711D-A744-4D96-B793-90C646DB9B5F}" presName="hierChild4" presStyleCnt="0"/>
+      <dgm:spPr/>
+    </dgm:pt>
+    <dgm:pt modelId="{F67EAD0D-3E83-41C5-934C-E6BC2B6C7BD6}" type="pres">
+      <dgm:prSet presAssocID="{5C29711D-A744-4D96-B793-90C646DB9B5F}" presName="hierChild5" presStyleCnt="0"/>
+      <dgm:spPr/>
+    </dgm:pt>
+    <dgm:pt modelId="{986E8D13-7AF3-41F2-B9D5-48A4F1996CE2}" type="pres">
+      <dgm:prSet presAssocID="{63746703-1762-46BF-A864-A86B7D7AC698}" presName="hierChild3" presStyleCnt="0"/>
+      <dgm:spPr/>
+    </dgm:pt>
   </dgm:ptLst>
   <dgm:cxnLst>
-    <dgm:cxn modelId="{126CF901-D8B2-4D58-B8D2-5B6C55853BE5}" srcId="{715E9624-57CC-40BE-889C-2548021DA9FD}" destId="{F495C14D-7377-4090-B1F3-AB3BA4583346}" srcOrd="1" destOrd="0" parTransId="{0DBD3D7B-320A-4E74-BCE0-699D6C630162}" sibTransId="{E3DE8C4A-619B-455A-BB2F-03F2092D0CB4}"/>
-    <dgm:cxn modelId="{88D8AC03-4ADE-41FD-AB5E-8493408C3A2E}" type="presOf" srcId="{F495C14D-7377-4090-B1F3-AB3BA4583346}" destId="{B245CDD2-E96B-4E4D-B900-A499D2C769EF}" srcOrd="1" destOrd="0" presId="urn:microsoft.com/office/officeart/2005/8/layout/hierarchy6"/>
-    <dgm:cxn modelId="{970F5C07-4ED4-47D9-BFEB-FC1AA4F5C9AC}" type="presOf" srcId="{38801AEF-6F33-48A2-9DCC-734F9B004F4B}" destId="{3B865202-3280-415E-80CD-3AF5708D8C2F}" srcOrd="0" destOrd="0" presId="urn:microsoft.com/office/officeart/2005/8/layout/hierarchy6"/>
-    <dgm:cxn modelId="{C1BB9F15-8EF2-4277-B924-D5F1B1CC798D}" type="presOf" srcId="{F495C14D-7377-4090-B1F3-AB3BA4583346}" destId="{1092348B-D00D-4AA3-86D3-3E3787B60A18}" srcOrd="0" destOrd="0" presId="urn:microsoft.com/office/officeart/2005/8/layout/hierarchy6"/>
-    <dgm:cxn modelId="{27A67719-5FAB-4EB6-9F0E-390A84D8A3F5}" type="presOf" srcId="{630AFBE9-69DD-41CA-9E37-7FFEDDA679DA}" destId="{59AEF846-7826-4BA9-B5C5-E2FDA3940C85}" srcOrd="0" destOrd="0" presId="urn:microsoft.com/office/officeart/2005/8/layout/hierarchy6"/>
-    <dgm:cxn modelId="{FFE2C31A-7B53-42B9-9199-F2E882FA0715}" type="presOf" srcId="{28F602AF-B7D6-4883-8816-1422C881C2B3}" destId="{E40632ED-E683-4752-9734-5A883FE3A15E}" srcOrd="0" destOrd="0" presId="urn:microsoft.com/office/officeart/2005/8/layout/hierarchy6"/>
-    <dgm:cxn modelId="{D6C0541B-713E-4849-AB4C-351B4E2184E0}" type="presOf" srcId="{63746703-1762-46BF-A864-A86B7D7AC698}" destId="{49174A57-718D-4A22-B9C8-45A5FCA206EB}" srcOrd="0" destOrd="0" presId="urn:microsoft.com/office/officeart/2005/8/layout/hierarchy6"/>
-    <dgm:cxn modelId="{253A3725-85BB-42EF-A71A-8EAB71E57EB4}" type="presOf" srcId="{F2F36402-86DF-4634-BD17-6F4660156FCF}" destId="{ACD2C89B-9C5D-460A-8B27-B76F40E8A865}" srcOrd="0" destOrd="0" presId="urn:microsoft.com/office/officeart/2005/8/layout/hierarchy6"/>
-    <dgm:cxn modelId="{C9DC9925-6628-45F5-B7FC-8C008CA6C19D}" type="presOf" srcId="{5D5A2A56-4B00-44DC-890F-84823B3A0095}" destId="{AC03C92E-A60B-4C95-B337-37108B33C1A7}" srcOrd="0" destOrd="0" presId="urn:microsoft.com/office/officeart/2005/8/layout/hierarchy6"/>
-    <dgm:cxn modelId="{AA778D28-7676-4BB7-8E08-8798EB9402E0}" srcId="{630AFBE9-69DD-41CA-9E37-7FFEDDA679DA}" destId="{E7BCCE61-525E-4C15-9575-453E8A9965B3}" srcOrd="0" destOrd="0" parTransId="{B8F6AE7A-867B-4D02-A7DE-E188FF2A13C5}" sibTransId="{8D4347FB-D18C-4FC2-88A0-BDC7AEAF38ED}"/>
-    <dgm:cxn modelId="{A045DA3B-83A0-4932-BAC0-5B86A6BAD4DF}" srcId="{630AFBE9-69DD-41CA-9E37-7FFEDDA679DA}" destId="{F2F36402-86DF-4634-BD17-6F4660156FCF}" srcOrd="1" destOrd="0" parTransId="{5806A2C0-6853-4B74-866D-2A86FA439A1A}" sibTransId="{26F6663F-C6EE-4B9A-807A-1AE70A20BC40}"/>
-    <dgm:cxn modelId="{832EEA3F-1CCB-4623-8492-6006B2153DFA}" srcId="{427A89C9-BF3A-491C-BF40-03CA61EB0878}" destId="{63746703-1762-46BF-A864-A86B7D7AC698}" srcOrd="2" destOrd="0" parTransId="{93DD2570-29D1-4A10-8757-B9E9FD705E61}" sibTransId="{209C0097-040B-4E7F-B027-198E0040FF64}"/>
-    <dgm:cxn modelId="{94320F5E-71AE-46EC-A7CC-411FB9278428}" type="presOf" srcId="{187960AC-D729-4FD2-A3FE-D64D370B5117}" destId="{89A34BDB-9012-4FE3-8ACB-FD0C0953C0BC}" srcOrd="0" destOrd="0" presId="urn:microsoft.com/office/officeart/2005/8/layout/hierarchy6"/>
-    <dgm:cxn modelId="{1C10595E-7564-4564-AC69-02BFD6E4FD74}" type="presOf" srcId="{49BCF922-61E5-4609-9068-2DA52502F308}" destId="{5DE14177-A088-41F5-A19F-176B3CB150B0}" srcOrd="0" destOrd="0" presId="urn:microsoft.com/office/officeart/2005/8/layout/hierarchy6"/>
-    <dgm:cxn modelId="{CCC6A341-3AE7-42C6-9616-7B8CFE1853FC}" srcId="{427A89C9-BF3A-491C-BF40-03CA61EB0878}" destId="{630AFBE9-69DD-41CA-9E37-7FFEDDA679DA}" srcOrd="0" destOrd="0" parTransId="{E1CD4BF6-9420-427A-AD31-6E77FFDA59A0}" sibTransId="{EB3BC2AF-70EF-4BD8-9040-F6F3EFD4B53D}"/>
-    <dgm:cxn modelId="{945E2F64-A6FF-4FAD-8BE0-E68EF099B8E2}" srcId="{715E9624-57CC-40BE-889C-2548021DA9FD}" destId="{85FBB4E5-59AB-461C-9AF1-FD3457B1D73F}" srcOrd="2" destOrd="0" parTransId="{9AFD830C-1920-4DFA-88CA-F6BBB67C03C0}" sibTransId="{4778EB6E-4179-426D-897F-371F35567E9D}"/>
-    <dgm:cxn modelId="{E2E98365-1667-48AF-8F47-F79593187033}" type="presOf" srcId="{49BAA495-5322-44D1-B401-1C0C05D0B540}" destId="{AB3B373D-5BDF-4087-9AF0-831C2D0BDBDB}" srcOrd="0" destOrd="0" presId="urn:microsoft.com/office/officeart/2005/8/layout/hierarchy6"/>
-    <dgm:cxn modelId="{66CE6767-9A4D-4E51-A40E-3AB8C85A9104}" srcId="{427A89C9-BF3A-491C-BF40-03CA61EB0878}" destId="{FFC7F1F6-C264-4823-B11A-D8053E10EA88}" srcOrd="1" destOrd="0" parTransId="{28F602AF-B7D6-4883-8816-1422C881C2B3}" sibTransId="{0E4385ED-A2DC-4698-9C68-0C71BE8F67A1}"/>
-    <dgm:cxn modelId="{FE9FC04A-7CC1-4764-B37B-0931735961B7}" srcId="{715E9624-57CC-40BE-889C-2548021DA9FD}" destId="{427A89C9-BF3A-491C-BF40-03CA61EB0878}" srcOrd="0" destOrd="0" parTransId="{FEF221AA-7C86-4DE2-BC9A-0C97A28A8F79}" sibTransId="{B83DC37A-909C-4573-8C82-5E7E9E623D9D}"/>
+    <dgm:cxn modelId="{9D52F40A-A77B-42FA-8A0A-EE21718D64C9}" srcId="{63746703-1762-46BF-A864-A86B7D7AC698}" destId="{5266D4EC-044F-4353-AA2E-AD967E7C5BB9}" srcOrd="2" destOrd="0" parTransId="{72EDD16E-CD51-4A39-83D8-3A1B2B793F34}" sibTransId="{66EC92F4-5536-40E6-817D-4D10BAAFC296}"/>
+    <dgm:cxn modelId="{AFF59C0C-FE60-44E3-8B3E-0CD6271D9E85}" type="presOf" srcId="{FFC7F1F6-C264-4823-B11A-D8053E10EA88}" destId="{767D0E11-98D2-4C98-B3C0-0B8146BDCAB2}" srcOrd="0" destOrd="0" presId="urn:microsoft.com/office/officeart/2009/3/layout/HorizontalOrganizationChart"/>
+    <dgm:cxn modelId="{D965A50F-7325-41AA-B7AA-A40F3533705A}" type="presOf" srcId="{F2F36402-86DF-4634-BD17-6F4660156FCF}" destId="{30EAB668-E5C7-49B5-A0BC-6059BC3A10DA}" srcOrd="1" destOrd="0" presId="urn:microsoft.com/office/officeart/2009/3/layout/HorizontalOrganizationChart"/>
+    <dgm:cxn modelId="{ED6CF011-4BEE-4C48-8360-24EF17D62812}" type="presOf" srcId="{5806A2C0-6853-4B74-866D-2A86FA439A1A}" destId="{5C8521FA-5AA5-4A65-9A8F-23ADA0606DBD}" srcOrd="0" destOrd="0" presId="urn:microsoft.com/office/officeart/2009/3/layout/HorizontalOrganizationChart"/>
+    <dgm:cxn modelId="{24F8A420-B944-45F7-81CA-29BB159621F1}" type="presOf" srcId="{E7BCCE61-525E-4C15-9575-453E8A9965B3}" destId="{E438104F-CDF6-4E1B-A2DC-6F172DCE0763}" srcOrd="0" destOrd="0" presId="urn:microsoft.com/office/officeart/2009/3/layout/HorizontalOrganizationChart"/>
+    <dgm:cxn modelId="{2748A724-955E-4AC6-B1AC-BF4941578FD0}" type="presOf" srcId="{38801AEF-6F33-48A2-9DCC-734F9B004F4B}" destId="{ECD0DAF5-9678-494D-BB99-D4D7371FF3BE}" srcOrd="1" destOrd="0" presId="urn:microsoft.com/office/officeart/2009/3/layout/HorizontalOrganizationChart"/>
+    <dgm:cxn modelId="{AA778D28-7676-4BB7-8E08-8798EB9402E0}" srcId="{8C1EA4C8-3BF5-4847-9127-6F97ED1A21CA}" destId="{E7BCCE61-525E-4C15-9575-453E8A9965B3}" srcOrd="0" destOrd="0" parTransId="{B8F6AE7A-867B-4D02-A7DE-E188FF2A13C5}" sibTransId="{8D4347FB-D18C-4FC2-88A0-BDC7AEAF38ED}"/>
+    <dgm:cxn modelId="{B8EF732D-DDC8-4E3B-9F2A-AC9ED590E0FD}" type="presOf" srcId="{63746703-1762-46BF-A864-A86B7D7AC698}" destId="{0A51261F-82A1-49BB-A3D7-8E16343F06A9}" srcOrd="0" destOrd="0" presId="urn:microsoft.com/office/officeart/2009/3/layout/HorizontalOrganizationChart"/>
+    <dgm:cxn modelId="{A572082F-0A1A-4493-BDBE-B254108E2B8E}" type="presOf" srcId="{B8F6AE7A-867B-4D02-A7DE-E188FF2A13C5}" destId="{B8AE675E-2477-4933-A374-5C21C3EBE81E}" srcOrd="0" destOrd="0" presId="urn:microsoft.com/office/officeart/2009/3/layout/HorizontalOrganizationChart"/>
+    <dgm:cxn modelId="{25B62830-E9F4-4B8F-A58D-B5B6E5051213}" type="presOf" srcId="{9282992C-C085-4F05-BEFC-E7717138BB6A}" destId="{8F5D83FB-8BC2-458C-8BDF-2329321BD7C1}" srcOrd="0" destOrd="0" presId="urn:microsoft.com/office/officeart/2009/3/layout/HorizontalOrganizationChart"/>
+    <dgm:cxn modelId="{011AED31-3F52-476B-A95F-7464EA5B7503}" srcId="{63746703-1762-46BF-A864-A86B7D7AC698}" destId="{5C29711D-A744-4D96-B793-90C646DB9B5F}" srcOrd="3" destOrd="0" parTransId="{EE433BB4-21EC-49AA-959B-666A8FD992DF}" sibTransId="{1E91D2AD-3DF7-4130-AB20-1EBC0C966A67}"/>
+    <dgm:cxn modelId="{CA7D6B32-7193-4F50-8968-7E63B23B5242}" type="presOf" srcId="{63746703-1762-46BF-A864-A86B7D7AC698}" destId="{67234294-63D2-4C6D-89C2-55741B2828C3}" srcOrd="1" destOrd="0" presId="urn:microsoft.com/office/officeart/2009/3/layout/HorizontalOrganizationChart"/>
+    <dgm:cxn modelId="{4A3AB932-D91D-455D-83B1-3140410CD57D}" type="presOf" srcId="{2AEC02C4-B4B4-4EB3-BE89-8B1B904D53F0}" destId="{F5F04472-873C-4212-B0F3-A86AD994C260}" srcOrd="0" destOrd="0" presId="urn:microsoft.com/office/officeart/2009/3/layout/HorizontalOrganizationChart"/>
+    <dgm:cxn modelId="{A045DA3B-83A0-4932-BAC0-5B86A6BAD4DF}" srcId="{8C1EA4C8-3BF5-4847-9127-6F97ED1A21CA}" destId="{F2F36402-86DF-4634-BD17-6F4660156FCF}" srcOrd="1" destOrd="0" parTransId="{5806A2C0-6853-4B74-866D-2A86FA439A1A}" sibTransId="{26F6663F-C6EE-4B9A-807A-1AE70A20BC40}"/>
+    <dgm:cxn modelId="{832EEA3F-1CCB-4623-8492-6006B2153DFA}" srcId="{715E9624-57CC-40BE-889C-2548021DA9FD}" destId="{63746703-1762-46BF-A864-A86B7D7AC698}" srcOrd="2" destOrd="0" parTransId="{93DD2570-29D1-4A10-8757-B9E9FD705E61}" sibTransId="{209C0097-040B-4E7F-B027-198E0040FF64}"/>
+    <dgm:cxn modelId="{B92E025F-FBA1-4CB1-B16C-30326CF2FC6C}" type="presOf" srcId="{715E9624-57CC-40BE-889C-2548021DA9FD}" destId="{BE88CA59-F283-49C6-88A0-706331CB4CFC}" srcOrd="0" destOrd="0" presId="urn:microsoft.com/office/officeart/2009/3/layout/HorizontalOrganizationChart"/>
+    <dgm:cxn modelId="{E0E4B55F-F7C4-4EF2-B89B-A314F386C322}" type="presOf" srcId="{5C29711D-A744-4D96-B793-90C646DB9B5F}" destId="{B38C1C00-20D9-4695-9442-28AC8C8A5541}" srcOrd="0" destOrd="0" presId="urn:microsoft.com/office/officeart/2009/3/layout/HorizontalOrganizationChart"/>
+    <dgm:cxn modelId="{66CE6767-9A4D-4E51-A40E-3AB8C85A9104}" srcId="{715E9624-57CC-40BE-889C-2548021DA9FD}" destId="{FFC7F1F6-C264-4823-B11A-D8053E10EA88}" srcOrd="1" destOrd="0" parTransId="{28F602AF-B7D6-4883-8816-1422C881C2B3}" sibTransId="{0E4385ED-A2DC-4698-9C68-0C71BE8F67A1}"/>
+    <dgm:cxn modelId="{4B7FE347-20D0-4C9B-AE50-EB629FE89AFD}" type="presOf" srcId="{5266D4EC-044F-4353-AA2E-AD967E7C5BB9}" destId="{4FD0594D-0D1D-4027-AF3C-6F75BC337EB7}" srcOrd="1" destOrd="0" presId="urn:microsoft.com/office/officeart/2009/3/layout/HorizontalOrganizationChart"/>
+    <dgm:cxn modelId="{33AE5349-FFE9-4E7A-A127-CD40539EC68B}" type="presOf" srcId="{5D5A2A56-4B00-44DC-890F-84823B3A0095}" destId="{E26D3C35-EE00-42A9-AF33-BC5BE53074E0}" srcOrd="1" destOrd="0" presId="urn:microsoft.com/office/officeart/2009/3/layout/HorizontalOrganizationChart"/>
     <dgm:cxn modelId="{1E7E3C4B-CF76-4AFE-9DA7-CC9380D4E4BA}" srcId="{63746703-1762-46BF-A864-A86B7D7AC698}" destId="{DA69F6BF-53BF-48CD-B84E-4E8D8B48CF7C}" srcOrd="0" destOrd="0" parTransId="{DE24BB22-18D5-4020-9F41-5772BF255742}" sibTransId="{C4D06B83-3542-421A-860A-48BEE0B172E7}"/>
-    <dgm:cxn modelId="{6D4ECD6B-C3F6-4793-84F6-80F14E6587CC}" type="presOf" srcId="{B8F6AE7A-867B-4D02-A7DE-E188FF2A13C5}" destId="{F4D51FCC-5DE7-49B1-9B92-EE4808B9DD3A}" srcOrd="0" destOrd="0" presId="urn:microsoft.com/office/officeart/2005/8/layout/hierarchy6"/>
     <dgm:cxn modelId="{6A68324E-F683-45C2-A898-4DE844FDEB4E}" srcId="{63746703-1762-46BF-A864-A86B7D7AC698}" destId="{AAA62FC6-C794-4B8E-B70F-1274FC548079}" srcOrd="1" destOrd="0" parTransId="{49BCF922-61E5-4609-9068-2DA52502F308}" sibTransId="{7F3FB594-22DD-47B9-B5A6-02D94710C9BA}"/>
-    <dgm:cxn modelId="{1B5A3A53-C828-4A7E-925F-7B1723CC721C}" type="presOf" srcId="{2AEC02C4-B4B4-4EB3-BE89-8B1B904D53F0}" destId="{B6E253E3-477D-41DE-A55A-CA8702767238}" srcOrd="0" destOrd="0" presId="urn:microsoft.com/office/officeart/2005/8/layout/hierarchy6"/>
-    <dgm:cxn modelId="{E096A156-3D80-4AA2-B84A-C42D8EF2B7D3}" type="presOf" srcId="{85FBB4E5-59AB-461C-9AF1-FD3457B1D73F}" destId="{EF1BD615-F7B7-466A-B0AD-4835079A42BC}" srcOrd="1" destOrd="0" presId="urn:microsoft.com/office/officeart/2005/8/layout/hierarchy6"/>
+    <dgm:cxn modelId="{EA1B6575-4E51-45A9-A836-01BB3C7BBF4B}" srcId="{FFC7F1F6-C264-4823-B11A-D8053E10EA88}" destId="{BF48BE69-49E9-4EC4-B64E-9283B37B66AD}" srcOrd="2" destOrd="0" parTransId="{C34F01CB-767D-487B-89F6-1B9FA972AD26}" sibTransId="{B17AC28B-E10A-42D6-B6DA-EB43E6246A31}"/>
+    <dgm:cxn modelId="{286C8F76-15F3-459E-B5DF-E3C12FF3DAFB}" type="presOf" srcId="{BF48BE69-49E9-4EC4-B64E-9283B37B66AD}" destId="{A0372DE6-F9A6-4643-907F-EBE01B0496BC}" srcOrd="0" destOrd="0" presId="urn:microsoft.com/office/officeart/2009/3/layout/HorizontalOrganizationChart"/>
     <dgm:cxn modelId="{6E2DA856-86BA-489B-974A-B4A64C385385}" srcId="{FFC7F1F6-C264-4823-B11A-D8053E10EA88}" destId="{38801AEF-6F33-48A2-9DCC-734F9B004F4B}" srcOrd="0" destOrd="0" parTransId="{9282992C-C085-4F05-BEFC-E7717138BB6A}" sibTransId="{E4A4A5F6-5476-4C06-B102-456E3DADB7EE}"/>
-    <dgm:cxn modelId="{73B26C7D-413D-4984-9AA6-BBEEA569CA44}" type="presOf" srcId="{715E9624-57CC-40BE-889C-2548021DA9FD}" destId="{5CF2B8E7-A0FA-40E9-8768-1E7C8C222D97}" srcOrd="0" destOrd="0" presId="urn:microsoft.com/office/officeart/2005/8/layout/hierarchy6"/>
-    <dgm:cxn modelId="{F43E7292-8928-4AD7-9562-40EC80CEA817}" srcId="{630AFBE9-69DD-41CA-9E37-7FFEDDA679DA}" destId="{5D5A2A56-4B00-44DC-890F-84823B3A0095}" srcOrd="2" destOrd="0" parTransId="{ECAE0264-9370-4E66-95CF-1C4DC379EBF0}" sibTransId="{024A272F-116E-484B-A2E0-89D07BF8A5A7}"/>
-    <dgm:cxn modelId="{4270E29E-4970-41C6-A486-CF28185ACC5C}" type="presOf" srcId="{9282992C-C085-4F05-BEFC-E7717138BB6A}" destId="{7696CD6D-6EB2-41C8-A018-90B7AC259437}" srcOrd="0" destOrd="0" presId="urn:microsoft.com/office/officeart/2005/8/layout/hierarchy6"/>
-    <dgm:cxn modelId="{60AEF59E-D909-4B60-8BD9-37C06995749A}" type="presOf" srcId="{85FBB4E5-59AB-461C-9AF1-FD3457B1D73F}" destId="{36369107-3B37-4139-AA81-F401E0D698A0}" srcOrd="0" destOrd="0" presId="urn:microsoft.com/office/officeart/2005/8/layout/hierarchy6"/>
+    <dgm:cxn modelId="{4AF96D7B-0B1B-4A88-908B-749EC00FA2CD}" type="presOf" srcId="{BF48BE69-49E9-4EC4-B64E-9283B37B66AD}" destId="{F23E10CD-B2D1-4FB5-93A0-B45C6D7FD9E5}" srcOrd="1" destOrd="0" presId="urn:microsoft.com/office/officeart/2009/3/layout/HorizontalOrganizationChart"/>
+    <dgm:cxn modelId="{BB1A4A8F-76C1-4695-9B59-E7BB5281BCA2}" type="presOf" srcId="{E7BCCE61-525E-4C15-9575-453E8A9965B3}" destId="{56282B8C-B09A-449A-B254-0C3CFAB0083D}" srcOrd="1" destOrd="0" presId="urn:microsoft.com/office/officeart/2009/3/layout/HorizontalOrganizationChart"/>
+    <dgm:cxn modelId="{F43E7292-8928-4AD7-9562-40EC80CEA817}" srcId="{8C1EA4C8-3BF5-4847-9127-6F97ED1A21CA}" destId="{5D5A2A56-4B00-44DC-890F-84823B3A0095}" srcOrd="2" destOrd="0" parTransId="{ECAE0264-9370-4E66-95CF-1C4DC379EBF0}" sibTransId="{024A272F-116E-484B-A2E0-89D07BF8A5A7}"/>
+    <dgm:cxn modelId="{AA49EF94-7F09-4D14-8996-AE4D1AA7F6CA}" type="presOf" srcId="{AAA62FC6-C794-4B8E-B70F-1274FC548079}" destId="{3D41B5D4-EA88-4096-9821-FF0B979CB4B0}" srcOrd="1" destOrd="0" presId="urn:microsoft.com/office/officeart/2009/3/layout/HorizontalOrganizationChart"/>
+    <dgm:cxn modelId="{7CE80199-C04F-4FAA-A664-04E258AC7317}" type="presOf" srcId="{5266D4EC-044F-4353-AA2E-AD967E7C5BB9}" destId="{648B4374-2A8F-4A1A-83E2-B36159AA0F45}" srcOrd="0" destOrd="0" presId="urn:microsoft.com/office/officeart/2009/3/layout/HorizontalOrganizationChart"/>
+    <dgm:cxn modelId="{443EA69A-391E-4B28-9979-473D63035891}" type="presOf" srcId="{DE24BB22-18D5-4020-9F41-5772BF255742}" destId="{BC1EDE3E-C16D-49C5-AE56-36176E4CAE93}" srcOrd="0" destOrd="0" presId="urn:microsoft.com/office/officeart/2009/3/layout/HorizontalOrganizationChart"/>
+    <dgm:cxn modelId="{B9A17A9B-87B1-4814-9654-753810E639D9}" type="presOf" srcId="{5C29711D-A744-4D96-B793-90C646DB9B5F}" destId="{FCF5A8E2-3B85-46CF-A1DC-677054317C09}" srcOrd="1" destOrd="0" presId="urn:microsoft.com/office/officeart/2009/3/layout/HorizontalOrganizationChart"/>
+    <dgm:cxn modelId="{F06DC69B-D15E-493E-8556-86553216A875}" type="presOf" srcId="{49BCF922-61E5-4609-9068-2DA52502F308}" destId="{298720A2-B912-47DF-9433-5794953030F1}" srcOrd="0" destOrd="0" presId="urn:microsoft.com/office/officeart/2009/3/layout/HorizontalOrganizationChart"/>
+    <dgm:cxn modelId="{0DB78E9D-C933-4283-B34A-19BB6E6B5DF0}" srcId="{715E9624-57CC-40BE-889C-2548021DA9FD}" destId="{8C1EA4C8-3BF5-4847-9127-6F97ED1A21CA}" srcOrd="0" destOrd="0" parTransId="{DF5859DF-CB8F-4850-8791-B714B0E90C34}" sibTransId="{1325E746-9943-4CC7-ACF1-4373FDC7F115}"/>
     <dgm:cxn modelId="{228728A2-C207-437A-B2DB-2E4A6660F668}" srcId="{FFC7F1F6-C264-4823-B11A-D8053E10EA88}" destId="{49BAA495-5322-44D1-B401-1C0C05D0B540}" srcOrd="1" destOrd="0" parTransId="{2AEC02C4-B4B4-4EB3-BE89-8B1B904D53F0}" sibTransId="{D4FAF59F-2523-4764-A926-5586819D322F}"/>
-    <dgm:cxn modelId="{598181A6-6B1A-4E24-B254-8E88BBE2C1F0}" type="presOf" srcId="{ECAE0264-9370-4E66-95CF-1C4DC379EBF0}" destId="{D789E02D-40A2-4193-86F5-C8C750EF33C5}" srcOrd="0" destOrd="0" presId="urn:microsoft.com/office/officeart/2005/8/layout/hierarchy6"/>
-    <dgm:cxn modelId="{9BADAAA7-C788-4FEE-852D-3DC559A34D37}" type="presOf" srcId="{427A89C9-BF3A-491C-BF40-03CA61EB0878}" destId="{0EE8EA4D-5036-491D-A0AA-D4BCE5C2D3F6}" srcOrd="0" destOrd="0" presId="urn:microsoft.com/office/officeart/2005/8/layout/hierarchy6"/>
-    <dgm:cxn modelId="{D00476AA-1A29-4B93-864B-B4A8D2E4A4E5}" srcId="{715E9624-57CC-40BE-889C-2548021DA9FD}" destId="{187960AC-D729-4FD2-A3FE-D64D370B5117}" srcOrd="3" destOrd="0" parTransId="{2726C735-96D8-4280-8E28-F6189B60A5B2}" sibTransId="{FCA2B759-1E32-43C8-A3CC-5B4BA995EE66}"/>
-    <dgm:cxn modelId="{CEE37CBA-AD68-43E7-8118-A7B19451F361}" type="presOf" srcId="{187960AC-D729-4FD2-A3FE-D64D370B5117}" destId="{B8838BEB-FF64-49F2-B005-2F470F227E93}" srcOrd="1" destOrd="0" presId="urn:microsoft.com/office/officeart/2005/8/layout/hierarchy6"/>
-    <dgm:cxn modelId="{B21EDBBD-0E13-4652-8CCD-7359AB54C373}" type="presOf" srcId="{5806A2C0-6853-4B74-866D-2A86FA439A1A}" destId="{A206A46E-4944-45A3-B9CD-A0FF110D2C53}" srcOrd="0" destOrd="0" presId="urn:microsoft.com/office/officeart/2005/8/layout/hierarchy6"/>
-    <dgm:cxn modelId="{E292D8C8-430C-43A1-A3F4-B67AEA274702}" type="presOf" srcId="{93DD2570-29D1-4A10-8757-B9E9FD705E61}" destId="{4AD105DE-8489-4228-8593-1C4AF6B9040B}" srcOrd="0" destOrd="0" presId="urn:microsoft.com/office/officeart/2005/8/layout/hierarchy6"/>
-    <dgm:cxn modelId="{B8E5C6CD-341C-42C0-992C-4565A40F923D}" type="presOf" srcId="{DA69F6BF-53BF-48CD-B84E-4E8D8B48CF7C}" destId="{9553F8FE-C611-4E90-875F-103909AA5E4F}" srcOrd="0" destOrd="0" presId="urn:microsoft.com/office/officeart/2005/8/layout/hierarchy6"/>
-    <dgm:cxn modelId="{A930B7D2-F1F8-4EB4-BDE0-9FCFBF77CA30}" type="presOf" srcId="{AAA62FC6-C794-4B8E-B70F-1274FC548079}" destId="{F48EEEDF-7BDD-4B9A-9ABD-26C8F63C8CF7}" srcOrd="0" destOrd="0" presId="urn:microsoft.com/office/officeart/2005/8/layout/hierarchy6"/>
-    <dgm:cxn modelId="{F38350D3-01BF-4A06-AC2A-6B34BA3DB2D9}" type="presOf" srcId="{FFC7F1F6-C264-4823-B11A-D8053E10EA88}" destId="{84586D6D-4863-4642-93F7-632AD100BC45}" srcOrd="0" destOrd="0" presId="urn:microsoft.com/office/officeart/2005/8/layout/hierarchy6"/>
-    <dgm:cxn modelId="{855AA4E6-00B1-41BC-8375-C482E2EB8B03}" type="presOf" srcId="{DE24BB22-18D5-4020-9F41-5772BF255742}" destId="{FBD84F1A-7BCE-41F6-8AD4-E7C3999B11B9}" srcOrd="0" destOrd="0" presId="urn:microsoft.com/office/officeart/2005/8/layout/hierarchy6"/>
-    <dgm:cxn modelId="{B73582E8-EB91-4BC4-BE5C-95CD870DA504}" type="presOf" srcId="{E1CD4BF6-9420-427A-AD31-6E77FFDA59A0}" destId="{F6B7A69A-8B6D-4C16-8921-C3523FE4D227}" srcOrd="0" destOrd="0" presId="urn:microsoft.com/office/officeart/2005/8/layout/hierarchy6"/>
-    <dgm:cxn modelId="{64312EFF-9022-4996-BD0E-1AD77E0C59F6}" type="presOf" srcId="{E7BCCE61-525E-4C15-9575-453E8A9965B3}" destId="{01588D25-5D64-48CE-A8B7-2913BB5673DD}" srcOrd="0" destOrd="0" presId="urn:microsoft.com/office/officeart/2005/8/layout/hierarchy6"/>
-    <dgm:cxn modelId="{8AE69FA5-A82C-492B-868F-1E0FDB15E494}" type="presParOf" srcId="{5CF2B8E7-A0FA-40E9-8768-1E7C8C222D97}" destId="{250E1775-6A32-4202-BE24-C51EE0F0DD5F}" srcOrd="0" destOrd="0" presId="urn:microsoft.com/office/officeart/2005/8/layout/hierarchy6"/>
-    <dgm:cxn modelId="{2E657E0D-2E4E-4324-9478-D4F63A1DF057}" type="presParOf" srcId="{250E1775-6A32-4202-BE24-C51EE0F0DD5F}" destId="{9B9C50E5-5F9B-4AA4-B532-76E708424CC3}" srcOrd="0" destOrd="0" presId="urn:microsoft.com/office/officeart/2005/8/layout/hierarchy6"/>
-    <dgm:cxn modelId="{B6310C76-A798-483C-89FB-3B9798F8AF8E}" type="presParOf" srcId="{250E1775-6A32-4202-BE24-C51EE0F0DD5F}" destId="{225073E7-4A63-4EE7-9474-37D4E59C66E4}" srcOrd="1" destOrd="0" presId="urn:microsoft.com/office/officeart/2005/8/layout/hierarchy6"/>
-    <dgm:cxn modelId="{BA816AFC-88B9-4B59-A4C6-B5E4364A6FCF}" type="presParOf" srcId="{225073E7-4A63-4EE7-9474-37D4E59C66E4}" destId="{69B6E44F-B259-4B48-9F2A-95ADCBA0DB74}" srcOrd="0" destOrd="0" presId="urn:microsoft.com/office/officeart/2005/8/layout/hierarchy6"/>
-    <dgm:cxn modelId="{581E693A-C8F4-4C1F-816D-19D7D30AB23E}" type="presParOf" srcId="{69B6E44F-B259-4B48-9F2A-95ADCBA0DB74}" destId="{0EE8EA4D-5036-491D-A0AA-D4BCE5C2D3F6}" srcOrd="0" destOrd="0" presId="urn:microsoft.com/office/officeart/2005/8/layout/hierarchy6"/>
-    <dgm:cxn modelId="{A02C8DE9-BB07-448D-B995-0B21A75F95B4}" type="presParOf" srcId="{69B6E44F-B259-4B48-9F2A-95ADCBA0DB74}" destId="{D49E085E-7792-4A24-8246-8E5DD4C24FB3}" srcOrd="1" destOrd="0" presId="urn:microsoft.com/office/officeart/2005/8/layout/hierarchy6"/>
-    <dgm:cxn modelId="{EF0BC435-3F0A-4BA1-AC41-C8EE89F26A7D}" type="presParOf" srcId="{D49E085E-7792-4A24-8246-8E5DD4C24FB3}" destId="{F6B7A69A-8B6D-4C16-8921-C3523FE4D227}" srcOrd="0" destOrd="0" presId="urn:microsoft.com/office/officeart/2005/8/layout/hierarchy6"/>
-    <dgm:cxn modelId="{4369BE0E-33D4-40F4-8027-B230D8B6472F}" type="presParOf" srcId="{D49E085E-7792-4A24-8246-8E5DD4C24FB3}" destId="{1C90E04B-ED8B-4EE4-B0D0-B516B7977C22}" srcOrd="1" destOrd="0" presId="urn:microsoft.com/office/officeart/2005/8/layout/hierarchy6"/>
-    <dgm:cxn modelId="{CC43FD8F-930A-468A-AC22-ECBC76D1EC03}" type="presParOf" srcId="{1C90E04B-ED8B-4EE4-B0D0-B516B7977C22}" destId="{59AEF846-7826-4BA9-B5C5-E2FDA3940C85}" srcOrd="0" destOrd="0" presId="urn:microsoft.com/office/officeart/2005/8/layout/hierarchy6"/>
-    <dgm:cxn modelId="{16A555F6-F377-4204-9BED-A3DD4BB62562}" type="presParOf" srcId="{1C90E04B-ED8B-4EE4-B0D0-B516B7977C22}" destId="{7BDA05C6-79C7-45FE-8D5B-6B34383BDB78}" srcOrd="1" destOrd="0" presId="urn:microsoft.com/office/officeart/2005/8/layout/hierarchy6"/>
-    <dgm:cxn modelId="{71B206DB-87E7-48CA-8EBF-05ACA0E12A8B}" type="presParOf" srcId="{7BDA05C6-79C7-45FE-8D5B-6B34383BDB78}" destId="{F4D51FCC-5DE7-49B1-9B92-EE4808B9DD3A}" srcOrd="0" destOrd="0" presId="urn:microsoft.com/office/officeart/2005/8/layout/hierarchy6"/>
-    <dgm:cxn modelId="{A750B7FB-FF07-4D76-ACE2-F50B42800A14}" type="presParOf" srcId="{7BDA05C6-79C7-45FE-8D5B-6B34383BDB78}" destId="{D655083A-DB03-4638-B0C2-B7354A5C239B}" srcOrd="1" destOrd="0" presId="urn:microsoft.com/office/officeart/2005/8/layout/hierarchy6"/>
-    <dgm:cxn modelId="{F713A86C-BD5A-4F8F-B067-75447B338A39}" type="presParOf" srcId="{D655083A-DB03-4638-B0C2-B7354A5C239B}" destId="{01588D25-5D64-48CE-A8B7-2913BB5673DD}" srcOrd="0" destOrd="0" presId="urn:microsoft.com/office/officeart/2005/8/layout/hierarchy6"/>
-    <dgm:cxn modelId="{FE1577F0-0F32-40E5-BBFE-7BEB581B4226}" type="presParOf" srcId="{D655083A-DB03-4638-B0C2-B7354A5C239B}" destId="{D963898F-4897-4F6C-AE8F-D35B254865FF}" srcOrd="1" destOrd="0" presId="urn:microsoft.com/office/officeart/2005/8/layout/hierarchy6"/>
-    <dgm:cxn modelId="{1426F9D3-7719-4F2D-812D-62D6B684469B}" type="presParOf" srcId="{7BDA05C6-79C7-45FE-8D5B-6B34383BDB78}" destId="{A206A46E-4944-45A3-B9CD-A0FF110D2C53}" srcOrd="2" destOrd="0" presId="urn:microsoft.com/office/officeart/2005/8/layout/hierarchy6"/>
-    <dgm:cxn modelId="{745EE8CF-225E-4D87-BE04-11E4B0D3DF78}" type="presParOf" srcId="{7BDA05C6-79C7-45FE-8D5B-6B34383BDB78}" destId="{7C3D1A04-9567-45CF-96EA-C582A420E44A}" srcOrd="3" destOrd="0" presId="urn:microsoft.com/office/officeart/2005/8/layout/hierarchy6"/>
-    <dgm:cxn modelId="{ED66FD3F-B9D5-4E36-999B-A31AD9CFD140}" type="presParOf" srcId="{7C3D1A04-9567-45CF-96EA-C582A420E44A}" destId="{ACD2C89B-9C5D-460A-8B27-B76F40E8A865}" srcOrd="0" destOrd="0" presId="urn:microsoft.com/office/officeart/2005/8/layout/hierarchy6"/>
-    <dgm:cxn modelId="{A9E4311D-16B6-48B6-B364-3853DF968157}" type="presParOf" srcId="{7C3D1A04-9567-45CF-96EA-C582A420E44A}" destId="{31338D04-7C96-4A60-811C-E9D9C3187151}" srcOrd="1" destOrd="0" presId="urn:microsoft.com/office/officeart/2005/8/layout/hierarchy6"/>
-    <dgm:cxn modelId="{37949160-012E-402B-9C71-DC3E1932CBDA}" type="presParOf" srcId="{7BDA05C6-79C7-45FE-8D5B-6B34383BDB78}" destId="{D789E02D-40A2-4193-86F5-C8C750EF33C5}" srcOrd="4" destOrd="0" presId="urn:microsoft.com/office/officeart/2005/8/layout/hierarchy6"/>
-    <dgm:cxn modelId="{0F3C8979-7738-40D9-9ED2-114BAADF3C79}" type="presParOf" srcId="{7BDA05C6-79C7-45FE-8D5B-6B34383BDB78}" destId="{A8845A78-6224-4DB3-B508-BE5F3B26E219}" srcOrd="5" destOrd="0" presId="urn:microsoft.com/office/officeart/2005/8/layout/hierarchy6"/>
-    <dgm:cxn modelId="{83DC41C8-9330-435C-87EC-1D2D9316F47B}" type="presParOf" srcId="{A8845A78-6224-4DB3-B508-BE5F3B26E219}" destId="{AC03C92E-A60B-4C95-B337-37108B33C1A7}" srcOrd="0" destOrd="0" presId="urn:microsoft.com/office/officeart/2005/8/layout/hierarchy6"/>
-    <dgm:cxn modelId="{7C3739C9-54AA-4746-907D-4CC53FCD88BB}" type="presParOf" srcId="{A8845A78-6224-4DB3-B508-BE5F3B26E219}" destId="{53D25A00-2D57-4CFD-816F-036A7AB0B571}" srcOrd="1" destOrd="0" presId="urn:microsoft.com/office/officeart/2005/8/layout/hierarchy6"/>
-    <dgm:cxn modelId="{DD8BC7CD-ABF7-420D-AA5E-73366061FA42}" type="presParOf" srcId="{D49E085E-7792-4A24-8246-8E5DD4C24FB3}" destId="{E40632ED-E683-4752-9734-5A883FE3A15E}" srcOrd="2" destOrd="0" presId="urn:microsoft.com/office/officeart/2005/8/layout/hierarchy6"/>
-    <dgm:cxn modelId="{388DC121-DCA5-40B9-BB6D-355A790E0CE2}" type="presParOf" srcId="{D49E085E-7792-4A24-8246-8E5DD4C24FB3}" destId="{76EC4D44-4571-4338-949D-448CB7279194}" srcOrd="3" destOrd="0" presId="urn:microsoft.com/office/officeart/2005/8/layout/hierarchy6"/>
-    <dgm:cxn modelId="{3BBC6AE5-A079-47A3-A9BE-60A2739FCB52}" type="presParOf" srcId="{76EC4D44-4571-4338-949D-448CB7279194}" destId="{84586D6D-4863-4642-93F7-632AD100BC45}" srcOrd="0" destOrd="0" presId="urn:microsoft.com/office/officeart/2005/8/layout/hierarchy6"/>
-    <dgm:cxn modelId="{E6B5448E-21A7-4515-B6B1-45A16C46F473}" type="presParOf" srcId="{76EC4D44-4571-4338-949D-448CB7279194}" destId="{3566EDEC-4333-420B-B12F-BCDCCACF242F}" srcOrd="1" destOrd="0" presId="urn:microsoft.com/office/officeart/2005/8/layout/hierarchy6"/>
-    <dgm:cxn modelId="{2964898F-F66D-417C-BECB-85224D727C73}" type="presParOf" srcId="{3566EDEC-4333-420B-B12F-BCDCCACF242F}" destId="{7696CD6D-6EB2-41C8-A018-90B7AC259437}" srcOrd="0" destOrd="0" presId="urn:microsoft.com/office/officeart/2005/8/layout/hierarchy6"/>
-    <dgm:cxn modelId="{68456774-38B1-413A-9AFC-8D99CFA59D4B}" type="presParOf" srcId="{3566EDEC-4333-420B-B12F-BCDCCACF242F}" destId="{D612AE5C-DBEF-4FA9-919B-43BA4C2D1ED4}" srcOrd="1" destOrd="0" presId="urn:microsoft.com/office/officeart/2005/8/layout/hierarchy6"/>
-    <dgm:cxn modelId="{179F34C0-A62E-4BE6-9548-734B9AC51176}" type="presParOf" srcId="{D612AE5C-DBEF-4FA9-919B-43BA4C2D1ED4}" destId="{3B865202-3280-415E-80CD-3AF5708D8C2F}" srcOrd="0" destOrd="0" presId="urn:microsoft.com/office/officeart/2005/8/layout/hierarchy6"/>
-    <dgm:cxn modelId="{2C17686E-F244-415F-B8C6-DC628F28F04E}" type="presParOf" srcId="{D612AE5C-DBEF-4FA9-919B-43BA4C2D1ED4}" destId="{B4C5D5C1-85EA-4152-B8E7-2396EFFC314B}" srcOrd="1" destOrd="0" presId="urn:microsoft.com/office/officeart/2005/8/layout/hierarchy6"/>
-    <dgm:cxn modelId="{05A47CFC-272A-4098-9FAC-8EA1F1F2C653}" type="presParOf" srcId="{3566EDEC-4333-420B-B12F-BCDCCACF242F}" destId="{B6E253E3-477D-41DE-A55A-CA8702767238}" srcOrd="2" destOrd="0" presId="urn:microsoft.com/office/officeart/2005/8/layout/hierarchy6"/>
-    <dgm:cxn modelId="{5FA03F73-FCA5-46D7-B3C9-F11CE9BFF9BD}" type="presParOf" srcId="{3566EDEC-4333-420B-B12F-BCDCCACF242F}" destId="{D2FBCDDD-882C-43A6-88B1-A6C824CF917D}" srcOrd="3" destOrd="0" presId="urn:microsoft.com/office/officeart/2005/8/layout/hierarchy6"/>
-    <dgm:cxn modelId="{7B122225-7806-4988-96D5-75F56AE6641A}" type="presParOf" srcId="{D2FBCDDD-882C-43A6-88B1-A6C824CF917D}" destId="{AB3B373D-5BDF-4087-9AF0-831C2D0BDBDB}" srcOrd="0" destOrd="0" presId="urn:microsoft.com/office/officeart/2005/8/layout/hierarchy6"/>
-    <dgm:cxn modelId="{7DB75114-B06B-4FB5-90BD-12430EA53A95}" type="presParOf" srcId="{D2FBCDDD-882C-43A6-88B1-A6C824CF917D}" destId="{F5C142AA-F04C-440C-B801-A1A0B3D53E6F}" srcOrd="1" destOrd="0" presId="urn:microsoft.com/office/officeart/2005/8/layout/hierarchy6"/>
-    <dgm:cxn modelId="{9590C980-46AE-4A56-9553-0B7516825E1E}" type="presParOf" srcId="{D49E085E-7792-4A24-8246-8E5DD4C24FB3}" destId="{4AD105DE-8489-4228-8593-1C4AF6B9040B}" srcOrd="4" destOrd="0" presId="urn:microsoft.com/office/officeart/2005/8/layout/hierarchy6"/>
-    <dgm:cxn modelId="{4B85DF17-4E83-478F-A328-4964E57E41FC}" type="presParOf" srcId="{D49E085E-7792-4A24-8246-8E5DD4C24FB3}" destId="{F512F7C2-9F7B-4CF8-95F7-71EFFBAC437B}" srcOrd="5" destOrd="0" presId="urn:microsoft.com/office/officeart/2005/8/layout/hierarchy6"/>
-    <dgm:cxn modelId="{C87CBC9C-861D-4160-8A69-C86166C0E753}" type="presParOf" srcId="{F512F7C2-9F7B-4CF8-95F7-71EFFBAC437B}" destId="{49174A57-718D-4A22-B9C8-45A5FCA206EB}" srcOrd="0" destOrd="0" presId="urn:microsoft.com/office/officeart/2005/8/layout/hierarchy6"/>
-    <dgm:cxn modelId="{8E305FA2-CF94-423D-B66D-F9C29876881A}" type="presParOf" srcId="{F512F7C2-9F7B-4CF8-95F7-71EFFBAC437B}" destId="{FDD54890-CB79-4339-9EB8-DA51454FA3DC}" srcOrd="1" destOrd="0" presId="urn:microsoft.com/office/officeart/2005/8/layout/hierarchy6"/>
-    <dgm:cxn modelId="{2CC0D947-C2CF-483D-94E7-B0183122901C}" type="presParOf" srcId="{FDD54890-CB79-4339-9EB8-DA51454FA3DC}" destId="{FBD84F1A-7BCE-41F6-8AD4-E7C3999B11B9}" srcOrd="0" destOrd="0" presId="urn:microsoft.com/office/officeart/2005/8/layout/hierarchy6"/>
-    <dgm:cxn modelId="{3CD3F4BA-BCBA-4E9E-BD7D-CA4D90B52FE5}" type="presParOf" srcId="{FDD54890-CB79-4339-9EB8-DA51454FA3DC}" destId="{58688D13-1D74-4CE0-B758-A2CF9166450F}" srcOrd="1" destOrd="0" presId="urn:microsoft.com/office/officeart/2005/8/layout/hierarchy6"/>
-    <dgm:cxn modelId="{D5548E39-4D43-4688-ABDA-C003C33B89F2}" type="presParOf" srcId="{58688D13-1D74-4CE0-B758-A2CF9166450F}" destId="{9553F8FE-C611-4E90-875F-103909AA5E4F}" srcOrd="0" destOrd="0" presId="urn:microsoft.com/office/officeart/2005/8/layout/hierarchy6"/>
-    <dgm:cxn modelId="{C923858C-EBB8-48E6-B546-6C795B7266F4}" type="presParOf" srcId="{58688D13-1D74-4CE0-B758-A2CF9166450F}" destId="{C5793E6A-619B-44F4-8893-1EBE40D6F470}" srcOrd="1" destOrd="0" presId="urn:microsoft.com/office/officeart/2005/8/layout/hierarchy6"/>
-    <dgm:cxn modelId="{5708245F-F9F9-4CF0-81C4-8154DC032B98}" type="presParOf" srcId="{FDD54890-CB79-4339-9EB8-DA51454FA3DC}" destId="{5DE14177-A088-41F5-A19F-176B3CB150B0}" srcOrd="2" destOrd="0" presId="urn:microsoft.com/office/officeart/2005/8/layout/hierarchy6"/>
-    <dgm:cxn modelId="{2CF6C8BB-5E73-4353-B477-CBBD4C6BEC78}" type="presParOf" srcId="{FDD54890-CB79-4339-9EB8-DA51454FA3DC}" destId="{AC6A630F-3AB8-46BB-A5E4-1A54F2353F51}" srcOrd="3" destOrd="0" presId="urn:microsoft.com/office/officeart/2005/8/layout/hierarchy6"/>
-    <dgm:cxn modelId="{65C2D3FD-4023-4F0B-AC9E-E9EF2763DE28}" type="presParOf" srcId="{AC6A630F-3AB8-46BB-A5E4-1A54F2353F51}" destId="{F48EEEDF-7BDD-4B9A-9ABD-26C8F63C8CF7}" srcOrd="0" destOrd="0" presId="urn:microsoft.com/office/officeart/2005/8/layout/hierarchy6"/>
-    <dgm:cxn modelId="{BFB71FE5-CE0D-47E4-B507-438ED3076CBE}" type="presParOf" srcId="{AC6A630F-3AB8-46BB-A5E4-1A54F2353F51}" destId="{885E9098-C4F8-41A4-A62A-6E3848A6BFF2}" srcOrd="1" destOrd="0" presId="urn:microsoft.com/office/officeart/2005/8/layout/hierarchy6"/>
-    <dgm:cxn modelId="{6ED62882-837D-4B2D-ABFB-776F84DE1D55}" type="presParOf" srcId="{5CF2B8E7-A0FA-40E9-8768-1E7C8C222D97}" destId="{F553C64B-9330-4B7D-9F40-86FDC006AD6F}" srcOrd="1" destOrd="0" presId="urn:microsoft.com/office/officeart/2005/8/layout/hierarchy6"/>
-    <dgm:cxn modelId="{C1774C80-9431-44E0-9CC3-E58E30105349}" type="presParOf" srcId="{F553C64B-9330-4B7D-9F40-86FDC006AD6F}" destId="{17480CDE-12F2-482B-9085-724F937332B2}" srcOrd="0" destOrd="0" presId="urn:microsoft.com/office/officeart/2005/8/layout/hierarchy6"/>
-    <dgm:cxn modelId="{A5344E79-3FBD-4E95-8C03-247D513425C4}" type="presParOf" srcId="{17480CDE-12F2-482B-9085-724F937332B2}" destId="{1092348B-D00D-4AA3-86D3-3E3787B60A18}" srcOrd="0" destOrd="0" presId="urn:microsoft.com/office/officeart/2005/8/layout/hierarchy6"/>
-    <dgm:cxn modelId="{D6A22928-E487-442A-A9A9-9AA6BAFF2209}" type="presParOf" srcId="{17480CDE-12F2-482B-9085-724F937332B2}" destId="{B245CDD2-E96B-4E4D-B900-A499D2C769EF}" srcOrd="1" destOrd="0" presId="urn:microsoft.com/office/officeart/2005/8/layout/hierarchy6"/>
-    <dgm:cxn modelId="{16621551-8EDE-47C3-B2ED-A275E7662696}" type="presParOf" srcId="{F553C64B-9330-4B7D-9F40-86FDC006AD6F}" destId="{945BB5BF-5C86-4584-B0BC-2ED499CB1B91}" srcOrd="1" destOrd="0" presId="urn:microsoft.com/office/officeart/2005/8/layout/hierarchy6"/>
-    <dgm:cxn modelId="{25B64900-EABA-4449-A737-A83424328EED}" type="presParOf" srcId="{945BB5BF-5C86-4584-B0BC-2ED499CB1B91}" destId="{334C3D1A-0339-48D9-9D51-3309D32B34B4}" srcOrd="0" destOrd="0" presId="urn:microsoft.com/office/officeart/2005/8/layout/hierarchy6"/>
-    <dgm:cxn modelId="{E4D23E8F-7FFE-4EAA-8C4A-09BD1CCDAD06}" type="presParOf" srcId="{F553C64B-9330-4B7D-9F40-86FDC006AD6F}" destId="{896E5FDF-FA86-485E-B361-972D12BD557D}" srcOrd="2" destOrd="0" presId="urn:microsoft.com/office/officeart/2005/8/layout/hierarchy6"/>
-    <dgm:cxn modelId="{D2EE9C26-5F55-4D74-8596-8123950D6538}" type="presParOf" srcId="{896E5FDF-FA86-485E-B361-972D12BD557D}" destId="{36369107-3B37-4139-AA81-F401E0D698A0}" srcOrd="0" destOrd="0" presId="urn:microsoft.com/office/officeart/2005/8/layout/hierarchy6"/>
-    <dgm:cxn modelId="{3E659EA1-EDBC-4F3B-BFE9-61522E48CCF6}" type="presParOf" srcId="{896E5FDF-FA86-485E-B361-972D12BD557D}" destId="{EF1BD615-F7B7-466A-B0AD-4835079A42BC}" srcOrd="1" destOrd="0" presId="urn:microsoft.com/office/officeart/2005/8/layout/hierarchy6"/>
-    <dgm:cxn modelId="{D35D7921-CA85-40A0-88BA-74649B5EF1C5}" type="presParOf" srcId="{F553C64B-9330-4B7D-9F40-86FDC006AD6F}" destId="{249780F4-4A77-468C-8DBB-A0B742E7A40A}" srcOrd="3" destOrd="0" presId="urn:microsoft.com/office/officeart/2005/8/layout/hierarchy6"/>
-    <dgm:cxn modelId="{BE5A80D9-934D-42C3-8D06-27DFE878348C}" type="presParOf" srcId="{249780F4-4A77-468C-8DBB-A0B742E7A40A}" destId="{5798C0CE-2860-4A62-AF89-3FB13E23D7C6}" srcOrd="0" destOrd="0" presId="urn:microsoft.com/office/officeart/2005/8/layout/hierarchy6"/>
-    <dgm:cxn modelId="{CB787FFD-73FB-4DDB-B7F0-6E40CB928D62}" type="presParOf" srcId="{F553C64B-9330-4B7D-9F40-86FDC006AD6F}" destId="{85BC3825-8325-4E56-89EB-509348447234}" srcOrd="4" destOrd="0" presId="urn:microsoft.com/office/officeart/2005/8/layout/hierarchy6"/>
-    <dgm:cxn modelId="{65DEFC48-3E35-4989-BE53-BB143C2B066E}" type="presParOf" srcId="{85BC3825-8325-4E56-89EB-509348447234}" destId="{89A34BDB-9012-4FE3-8ACB-FD0C0953C0BC}" srcOrd="0" destOrd="0" presId="urn:microsoft.com/office/officeart/2005/8/layout/hierarchy6"/>
-    <dgm:cxn modelId="{CAF8E64B-BC04-4FE1-A8C0-9119CA689E59}" type="presParOf" srcId="{85BC3825-8325-4E56-89EB-509348447234}" destId="{B8838BEB-FF64-49F2-B005-2F470F227E93}" srcOrd="1" destOrd="0" presId="urn:microsoft.com/office/officeart/2005/8/layout/hierarchy6"/>
+    <dgm:cxn modelId="{367CF8A4-6667-46B8-8A69-4EE132B76B4D}" type="presOf" srcId="{49BAA495-5322-44D1-B401-1C0C05D0B540}" destId="{E754C1CF-B47A-46AC-B34D-988C6B05804A}" srcOrd="0" destOrd="0" presId="urn:microsoft.com/office/officeart/2009/3/layout/HorizontalOrganizationChart"/>
+    <dgm:cxn modelId="{D050C1A5-0E94-4352-B632-69BE118A7CDE}" type="presOf" srcId="{5D5A2A56-4B00-44DC-890F-84823B3A0095}" destId="{71B2C8E4-D8BA-4755-99B2-280EE1529B9B}" srcOrd="0" destOrd="0" presId="urn:microsoft.com/office/officeart/2009/3/layout/HorizontalOrganizationChart"/>
+    <dgm:cxn modelId="{EA8CA6A7-E409-4A78-A778-C2B7562640D3}" type="presOf" srcId="{EE433BB4-21EC-49AA-959B-666A8FD992DF}" destId="{25B3A28D-3E76-45EF-BBB4-603874806EB3}" srcOrd="0" destOrd="0" presId="urn:microsoft.com/office/officeart/2009/3/layout/HorizontalOrganizationChart"/>
+    <dgm:cxn modelId="{34070EAE-7131-43BF-B948-8207BEC09063}" type="presOf" srcId="{DA69F6BF-53BF-48CD-B84E-4E8D8B48CF7C}" destId="{C9712550-ADAF-4BDD-A998-10789B4CE559}" srcOrd="0" destOrd="0" presId="urn:microsoft.com/office/officeart/2009/3/layout/HorizontalOrganizationChart"/>
+    <dgm:cxn modelId="{2B3369B2-06B5-4089-A983-32D11B6F8F0F}" type="presOf" srcId="{C34F01CB-767D-487B-89F6-1B9FA972AD26}" destId="{2B38C7BC-C4BD-4C63-BC89-EF44C883B06C}" srcOrd="0" destOrd="0" presId="urn:microsoft.com/office/officeart/2009/3/layout/HorizontalOrganizationChart"/>
+    <dgm:cxn modelId="{3CA5D3B2-C56A-4332-A6C7-F6750D4D3BF1}" type="presOf" srcId="{38801AEF-6F33-48A2-9DCC-734F9B004F4B}" destId="{4F92BCA7-1AA6-460B-ACB7-24585056D38B}" srcOrd="0" destOrd="0" presId="urn:microsoft.com/office/officeart/2009/3/layout/HorizontalOrganizationChart"/>
+    <dgm:cxn modelId="{4E4961BD-6F97-42E9-90C6-6066C841561B}" type="presOf" srcId="{49BAA495-5322-44D1-B401-1C0C05D0B540}" destId="{59D3444D-25A8-411E-B081-56AD3777C139}" srcOrd="1" destOrd="0" presId="urn:microsoft.com/office/officeart/2009/3/layout/HorizontalOrganizationChart"/>
+    <dgm:cxn modelId="{57932AC7-DB17-478D-BFE5-8B78226E38ED}" type="presOf" srcId="{8C1EA4C8-3BF5-4847-9127-6F97ED1A21CA}" destId="{CC5F667F-46C4-4485-9E59-D9148B74D5DF}" srcOrd="0" destOrd="0" presId="urn:microsoft.com/office/officeart/2009/3/layout/HorizontalOrganizationChart"/>
+    <dgm:cxn modelId="{502BE3CC-E049-4355-B622-3B873257ACE9}" type="presOf" srcId="{AAA62FC6-C794-4B8E-B70F-1274FC548079}" destId="{996EC0B0-3559-49D5-9D30-E4084309EC17}" srcOrd="0" destOrd="0" presId="urn:microsoft.com/office/officeart/2009/3/layout/HorizontalOrganizationChart"/>
+    <dgm:cxn modelId="{3FE95DCD-6C23-408C-9607-1FE2FBDF299B}" type="presOf" srcId="{8C1EA4C8-3BF5-4847-9127-6F97ED1A21CA}" destId="{6B22A3CB-C553-4C09-968B-A0A5F9040757}" srcOrd="1" destOrd="0" presId="urn:microsoft.com/office/officeart/2009/3/layout/HorizontalOrganizationChart"/>
+    <dgm:cxn modelId="{B95113DE-AE61-4752-90DC-D19C86187604}" type="presOf" srcId="{DA69F6BF-53BF-48CD-B84E-4E8D8B48CF7C}" destId="{C2A1B97D-5765-4447-B667-3A16097661B0}" srcOrd="1" destOrd="0" presId="urn:microsoft.com/office/officeart/2009/3/layout/HorizontalOrganizationChart"/>
+    <dgm:cxn modelId="{74D389E1-AE4A-4DD6-8AF6-C68D3CB3DB8E}" type="presOf" srcId="{F2F36402-86DF-4634-BD17-6F4660156FCF}" destId="{ECA990E3-ECE6-45A2-A6AC-8E1A2BF52521}" srcOrd="0" destOrd="0" presId="urn:microsoft.com/office/officeart/2009/3/layout/HorizontalOrganizationChart"/>
+    <dgm:cxn modelId="{516A92EE-49B5-474D-9B77-B2FC15F2D6D2}" type="presOf" srcId="{72EDD16E-CD51-4A39-83D8-3A1B2B793F34}" destId="{D11BCA3D-E8E4-4A9F-99E6-657FAA0DACAC}" srcOrd="0" destOrd="0" presId="urn:microsoft.com/office/officeart/2009/3/layout/HorizontalOrganizationChart"/>
+    <dgm:cxn modelId="{106039F0-ED7E-442A-B10F-1EE3481B7CB1}" type="presOf" srcId="{ECAE0264-9370-4E66-95CF-1C4DC379EBF0}" destId="{18276181-F7F8-4ECE-A596-542AB0037F10}" srcOrd="0" destOrd="0" presId="urn:microsoft.com/office/officeart/2009/3/layout/HorizontalOrganizationChart"/>
+    <dgm:cxn modelId="{A030B0FC-E3DA-410A-B40E-775DA7A7AF36}" type="presOf" srcId="{FFC7F1F6-C264-4823-B11A-D8053E10EA88}" destId="{B76624C1-603D-4EDD-9069-BB681AE190C8}" srcOrd="1" destOrd="0" presId="urn:microsoft.com/office/officeart/2009/3/layout/HorizontalOrganizationChart"/>
+    <dgm:cxn modelId="{CE12375F-397F-43BD-A853-E5C599598643}" type="presParOf" srcId="{BE88CA59-F283-49C6-88A0-706331CB4CFC}" destId="{B105D189-175B-478C-9514-50BB5D5A8F53}" srcOrd="0" destOrd="0" presId="urn:microsoft.com/office/officeart/2009/3/layout/HorizontalOrganizationChart"/>
+    <dgm:cxn modelId="{FD8167BC-6617-4AF5-AB8D-CD2FB354C7BA}" type="presParOf" srcId="{B105D189-175B-478C-9514-50BB5D5A8F53}" destId="{3196F2E6-4EAA-42E5-84FC-31DDB0FC5853}" srcOrd="0" destOrd="0" presId="urn:microsoft.com/office/officeart/2009/3/layout/HorizontalOrganizationChart"/>
+    <dgm:cxn modelId="{40564713-01A2-4489-904E-DBC682BE39A5}" type="presParOf" srcId="{3196F2E6-4EAA-42E5-84FC-31DDB0FC5853}" destId="{CC5F667F-46C4-4485-9E59-D9148B74D5DF}" srcOrd="0" destOrd="0" presId="urn:microsoft.com/office/officeart/2009/3/layout/HorizontalOrganizationChart"/>
+    <dgm:cxn modelId="{1297B4BE-A67A-47F5-908E-197AFFC2B39E}" type="presParOf" srcId="{3196F2E6-4EAA-42E5-84FC-31DDB0FC5853}" destId="{6B22A3CB-C553-4C09-968B-A0A5F9040757}" srcOrd="1" destOrd="0" presId="urn:microsoft.com/office/officeart/2009/3/layout/HorizontalOrganizationChart"/>
+    <dgm:cxn modelId="{3BC56FE3-3651-41E3-B008-DCFE192EEE16}" type="presParOf" srcId="{B105D189-175B-478C-9514-50BB5D5A8F53}" destId="{0E3062B3-6E7B-47C3-AC04-D9C989CC3487}" srcOrd="1" destOrd="0" presId="urn:microsoft.com/office/officeart/2009/3/layout/HorizontalOrganizationChart"/>
+    <dgm:cxn modelId="{7E5F33B5-1929-435C-9AB2-6E0D47ACCF57}" type="presParOf" srcId="{0E3062B3-6E7B-47C3-AC04-D9C989CC3487}" destId="{B8AE675E-2477-4933-A374-5C21C3EBE81E}" srcOrd="0" destOrd="0" presId="urn:microsoft.com/office/officeart/2009/3/layout/HorizontalOrganizationChart"/>
+    <dgm:cxn modelId="{3F0D6F53-9B93-4850-BEFB-98B5C03DF836}" type="presParOf" srcId="{0E3062B3-6E7B-47C3-AC04-D9C989CC3487}" destId="{FEDF2834-5090-41CC-B3E4-014FEC14C416}" srcOrd="1" destOrd="0" presId="urn:microsoft.com/office/officeart/2009/3/layout/HorizontalOrganizationChart"/>
+    <dgm:cxn modelId="{0A149104-68A5-47D0-A19B-5A99D444CAA5}" type="presParOf" srcId="{FEDF2834-5090-41CC-B3E4-014FEC14C416}" destId="{C8D5E8D7-9B22-4647-8951-DF34D3B69AC9}" srcOrd="0" destOrd="0" presId="urn:microsoft.com/office/officeart/2009/3/layout/HorizontalOrganizationChart"/>
+    <dgm:cxn modelId="{D8E4D235-A883-4775-92A4-881974D1CAB9}" type="presParOf" srcId="{C8D5E8D7-9B22-4647-8951-DF34D3B69AC9}" destId="{E438104F-CDF6-4E1B-A2DC-6F172DCE0763}" srcOrd="0" destOrd="0" presId="urn:microsoft.com/office/officeart/2009/3/layout/HorizontalOrganizationChart"/>
+    <dgm:cxn modelId="{1F13177F-2926-4CC0-9FA0-5B21052C335A}" type="presParOf" srcId="{C8D5E8D7-9B22-4647-8951-DF34D3B69AC9}" destId="{56282B8C-B09A-449A-B254-0C3CFAB0083D}" srcOrd="1" destOrd="0" presId="urn:microsoft.com/office/officeart/2009/3/layout/HorizontalOrganizationChart"/>
+    <dgm:cxn modelId="{3C86DE74-BB4C-4D30-95B1-B7E653EA4875}" type="presParOf" srcId="{FEDF2834-5090-41CC-B3E4-014FEC14C416}" destId="{A4B33880-E6F6-4985-A28F-E498262F0FDF}" srcOrd="1" destOrd="0" presId="urn:microsoft.com/office/officeart/2009/3/layout/HorizontalOrganizationChart"/>
+    <dgm:cxn modelId="{141164E1-BBDD-42FA-AE84-729DBA648E4D}" type="presParOf" srcId="{FEDF2834-5090-41CC-B3E4-014FEC14C416}" destId="{526649D7-BBA3-468F-A37B-B3EF11E97204}" srcOrd="2" destOrd="0" presId="urn:microsoft.com/office/officeart/2009/3/layout/HorizontalOrganizationChart"/>
+    <dgm:cxn modelId="{435F6DEF-977C-447C-80E5-FEAADE1F14C7}" type="presParOf" srcId="{0E3062B3-6E7B-47C3-AC04-D9C989CC3487}" destId="{5C8521FA-5AA5-4A65-9A8F-23ADA0606DBD}" srcOrd="2" destOrd="0" presId="urn:microsoft.com/office/officeart/2009/3/layout/HorizontalOrganizationChart"/>
+    <dgm:cxn modelId="{939832EB-3509-400D-9B0E-99BCCB6783F8}" type="presParOf" srcId="{0E3062B3-6E7B-47C3-AC04-D9C989CC3487}" destId="{199E163F-28CA-4B01-9784-7EF063915791}" srcOrd="3" destOrd="0" presId="urn:microsoft.com/office/officeart/2009/3/layout/HorizontalOrganizationChart"/>
+    <dgm:cxn modelId="{18B40E05-6EAE-4136-9915-830739908E02}" type="presParOf" srcId="{199E163F-28CA-4B01-9784-7EF063915791}" destId="{DA8D4021-C052-4714-856F-3AD00CEF49DB}" srcOrd="0" destOrd="0" presId="urn:microsoft.com/office/officeart/2009/3/layout/HorizontalOrganizationChart"/>
+    <dgm:cxn modelId="{398F0C4D-A499-4F64-9D68-4C29D7A34711}" type="presParOf" srcId="{DA8D4021-C052-4714-856F-3AD00CEF49DB}" destId="{ECA990E3-ECE6-45A2-A6AC-8E1A2BF52521}" srcOrd="0" destOrd="0" presId="urn:microsoft.com/office/officeart/2009/3/layout/HorizontalOrganizationChart"/>
+    <dgm:cxn modelId="{C0B11AB6-8B39-438B-8999-9EA8DAEE5F04}" type="presParOf" srcId="{DA8D4021-C052-4714-856F-3AD00CEF49DB}" destId="{30EAB668-E5C7-49B5-A0BC-6059BC3A10DA}" srcOrd="1" destOrd="0" presId="urn:microsoft.com/office/officeart/2009/3/layout/HorizontalOrganizationChart"/>
+    <dgm:cxn modelId="{CED337AF-CFD6-4492-AE07-1E4BE7BFE44F}" type="presParOf" srcId="{199E163F-28CA-4B01-9784-7EF063915791}" destId="{CA39EE9B-D328-46AC-A257-6B1EFDF30621}" srcOrd="1" destOrd="0" presId="urn:microsoft.com/office/officeart/2009/3/layout/HorizontalOrganizationChart"/>
+    <dgm:cxn modelId="{DBD4D6EE-D92E-4331-829B-C06A38552807}" type="presParOf" srcId="{199E163F-28CA-4B01-9784-7EF063915791}" destId="{2F25C566-F984-4F45-9C10-90DA17CA3234}" srcOrd="2" destOrd="0" presId="urn:microsoft.com/office/officeart/2009/3/layout/HorizontalOrganizationChart"/>
+    <dgm:cxn modelId="{6FD96C92-C139-4FC6-85C9-AC7E93F9E546}" type="presParOf" srcId="{0E3062B3-6E7B-47C3-AC04-D9C989CC3487}" destId="{18276181-F7F8-4ECE-A596-542AB0037F10}" srcOrd="4" destOrd="0" presId="urn:microsoft.com/office/officeart/2009/3/layout/HorizontalOrganizationChart"/>
+    <dgm:cxn modelId="{6726F15A-5FF9-490E-BD4B-BD74A09CB3AE}" type="presParOf" srcId="{0E3062B3-6E7B-47C3-AC04-D9C989CC3487}" destId="{6B47B904-ED54-4666-BDC3-ADFA07F993DD}" srcOrd="5" destOrd="0" presId="urn:microsoft.com/office/officeart/2009/3/layout/HorizontalOrganizationChart"/>
+    <dgm:cxn modelId="{D57FF14F-26D1-4827-BBA1-171C8C19D4EA}" type="presParOf" srcId="{6B47B904-ED54-4666-BDC3-ADFA07F993DD}" destId="{DD0E88CD-877F-4C2C-B11A-586B68E45049}" srcOrd="0" destOrd="0" presId="urn:microsoft.com/office/officeart/2009/3/layout/HorizontalOrganizationChart"/>
+    <dgm:cxn modelId="{856C5020-E70E-4559-BA82-D64032969CA3}" type="presParOf" srcId="{DD0E88CD-877F-4C2C-B11A-586B68E45049}" destId="{71B2C8E4-D8BA-4755-99B2-280EE1529B9B}" srcOrd="0" destOrd="0" presId="urn:microsoft.com/office/officeart/2009/3/layout/HorizontalOrganizationChart"/>
+    <dgm:cxn modelId="{B81A4F42-36D7-4D8F-9C81-7A3C114D3990}" type="presParOf" srcId="{DD0E88CD-877F-4C2C-B11A-586B68E45049}" destId="{E26D3C35-EE00-42A9-AF33-BC5BE53074E0}" srcOrd="1" destOrd="0" presId="urn:microsoft.com/office/officeart/2009/3/layout/HorizontalOrganizationChart"/>
+    <dgm:cxn modelId="{AD0049B8-19E3-4F44-836A-D610B0E391C0}" type="presParOf" srcId="{6B47B904-ED54-4666-BDC3-ADFA07F993DD}" destId="{8E3D3C59-8776-498C-989A-1FF0E785A749}" srcOrd="1" destOrd="0" presId="urn:microsoft.com/office/officeart/2009/3/layout/HorizontalOrganizationChart"/>
+    <dgm:cxn modelId="{D69B64EB-4ABA-4C94-B53C-BC1A6CE24E49}" type="presParOf" srcId="{6B47B904-ED54-4666-BDC3-ADFA07F993DD}" destId="{0FEC267D-1547-40C6-8F43-3588499A59AA}" srcOrd="2" destOrd="0" presId="urn:microsoft.com/office/officeart/2009/3/layout/HorizontalOrganizationChart"/>
+    <dgm:cxn modelId="{344FC7AF-6FD3-4E21-8420-14CF812B8FFC}" type="presParOf" srcId="{B105D189-175B-478C-9514-50BB5D5A8F53}" destId="{BED86670-4188-4324-A5DC-2B2B436F59DC}" srcOrd="2" destOrd="0" presId="urn:microsoft.com/office/officeart/2009/3/layout/HorizontalOrganizationChart"/>
+    <dgm:cxn modelId="{1E85CFC0-756B-4ABA-964D-D1D95BF889C2}" type="presParOf" srcId="{BE88CA59-F283-49C6-88A0-706331CB4CFC}" destId="{6E12F131-7FF3-4408-91A6-539B121FCB48}" srcOrd="1" destOrd="0" presId="urn:microsoft.com/office/officeart/2009/3/layout/HorizontalOrganizationChart"/>
+    <dgm:cxn modelId="{5CE28824-F1DB-4F21-9586-8D5FB18FBA77}" type="presParOf" srcId="{6E12F131-7FF3-4408-91A6-539B121FCB48}" destId="{ED085B69-C57C-4CB4-8930-4FFA3E0BF3E8}" srcOrd="0" destOrd="0" presId="urn:microsoft.com/office/officeart/2009/3/layout/HorizontalOrganizationChart"/>
+    <dgm:cxn modelId="{0D250D8F-E9BB-4372-A07A-694B32081A44}" type="presParOf" srcId="{ED085B69-C57C-4CB4-8930-4FFA3E0BF3E8}" destId="{767D0E11-98D2-4C98-B3C0-0B8146BDCAB2}" srcOrd="0" destOrd="0" presId="urn:microsoft.com/office/officeart/2009/3/layout/HorizontalOrganizationChart"/>
+    <dgm:cxn modelId="{86BD28BE-F87A-40F5-8179-DABFC9B32AC6}" type="presParOf" srcId="{ED085B69-C57C-4CB4-8930-4FFA3E0BF3E8}" destId="{B76624C1-603D-4EDD-9069-BB681AE190C8}" srcOrd="1" destOrd="0" presId="urn:microsoft.com/office/officeart/2009/3/layout/HorizontalOrganizationChart"/>
+    <dgm:cxn modelId="{F65BCAB5-C1C6-4603-AACC-800AC8E6EA8C}" type="presParOf" srcId="{6E12F131-7FF3-4408-91A6-539B121FCB48}" destId="{9FCC0D99-193B-4F30-BD37-9FB00DC289CB}" srcOrd="1" destOrd="0" presId="urn:microsoft.com/office/officeart/2009/3/layout/HorizontalOrganizationChart"/>
+    <dgm:cxn modelId="{79751F41-491E-4E16-A626-95758B3D2411}" type="presParOf" srcId="{9FCC0D99-193B-4F30-BD37-9FB00DC289CB}" destId="{8F5D83FB-8BC2-458C-8BDF-2329321BD7C1}" srcOrd="0" destOrd="0" presId="urn:microsoft.com/office/officeart/2009/3/layout/HorizontalOrganizationChart"/>
+    <dgm:cxn modelId="{2A19D40B-5965-47AE-A9D6-0EFF5F459A9D}" type="presParOf" srcId="{9FCC0D99-193B-4F30-BD37-9FB00DC289CB}" destId="{8B5FBE1E-424B-43BF-A958-AA40566DA846}" srcOrd="1" destOrd="0" presId="urn:microsoft.com/office/officeart/2009/3/layout/HorizontalOrganizationChart"/>
+    <dgm:cxn modelId="{D1B7D0F0-6316-4DC8-A676-7A6F71C0BEE1}" type="presParOf" srcId="{8B5FBE1E-424B-43BF-A958-AA40566DA846}" destId="{B09A048E-9FEF-4A9E-B853-149FC0148F47}" srcOrd="0" destOrd="0" presId="urn:microsoft.com/office/officeart/2009/3/layout/HorizontalOrganizationChart"/>
+    <dgm:cxn modelId="{4C0CB772-7812-4674-96AB-A17D56E6C154}" type="presParOf" srcId="{B09A048E-9FEF-4A9E-B853-149FC0148F47}" destId="{4F92BCA7-1AA6-460B-ACB7-24585056D38B}" srcOrd="0" destOrd="0" presId="urn:microsoft.com/office/officeart/2009/3/layout/HorizontalOrganizationChart"/>
+    <dgm:cxn modelId="{0C24C167-94A7-4C39-B08E-CD75A3D22DDE}" type="presParOf" srcId="{B09A048E-9FEF-4A9E-B853-149FC0148F47}" destId="{ECD0DAF5-9678-494D-BB99-D4D7371FF3BE}" srcOrd="1" destOrd="0" presId="urn:microsoft.com/office/officeart/2009/3/layout/HorizontalOrganizationChart"/>
+    <dgm:cxn modelId="{4DB0CF8C-F442-40AC-9735-4C68C5A65DBE}" type="presParOf" srcId="{8B5FBE1E-424B-43BF-A958-AA40566DA846}" destId="{F7C234C6-39B3-4BC9-A071-9E0C264A0269}" srcOrd="1" destOrd="0" presId="urn:microsoft.com/office/officeart/2009/3/layout/HorizontalOrganizationChart"/>
+    <dgm:cxn modelId="{81E254D1-52D7-4261-8263-C83714842F5D}" type="presParOf" srcId="{8B5FBE1E-424B-43BF-A958-AA40566DA846}" destId="{D8F89ABC-1DDE-4652-8616-435C80D29D41}" srcOrd="2" destOrd="0" presId="urn:microsoft.com/office/officeart/2009/3/layout/HorizontalOrganizationChart"/>
+    <dgm:cxn modelId="{BDD13F9F-5C26-41DD-AF71-F7CAE9F5420C}" type="presParOf" srcId="{9FCC0D99-193B-4F30-BD37-9FB00DC289CB}" destId="{F5F04472-873C-4212-B0F3-A86AD994C260}" srcOrd="2" destOrd="0" presId="urn:microsoft.com/office/officeart/2009/3/layout/HorizontalOrganizationChart"/>
+    <dgm:cxn modelId="{724E7870-DDCF-4C20-A18B-B7B80EF522C6}" type="presParOf" srcId="{9FCC0D99-193B-4F30-BD37-9FB00DC289CB}" destId="{4DC134CF-D784-4205-BE0F-F8A9E89F3DD2}" srcOrd="3" destOrd="0" presId="urn:microsoft.com/office/officeart/2009/3/layout/HorizontalOrganizationChart"/>
+    <dgm:cxn modelId="{7119C6EA-BE84-4EA9-981D-88F287455552}" type="presParOf" srcId="{4DC134CF-D784-4205-BE0F-F8A9E89F3DD2}" destId="{6B384054-B7AD-46C4-966F-206EC914023B}" srcOrd="0" destOrd="0" presId="urn:microsoft.com/office/officeart/2009/3/layout/HorizontalOrganizationChart"/>
+    <dgm:cxn modelId="{A914A37F-8888-443A-9E9D-0730517BC4BF}" type="presParOf" srcId="{6B384054-B7AD-46C4-966F-206EC914023B}" destId="{E754C1CF-B47A-46AC-B34D-988C6B05804A}" srcOrd="0" destOrd="0" presId="urn:microsoft.com/office/officeart/2009/3/layout/HorizontalOrganizationChart"/>
+    <dgm:cxn modelId="{FC107834-4328-4021-8C00-6185E343AA80}" type="presParOf" srcId="{6B384054-B7AD-46C4-966F-206EC914023B}" destId="{59D3444D-25A8-411E-B081-56AD3777C139}" srcOrd="1" destOrd="0" presId="urn:microsoft.com/office/officeart/2009/3/layout/HorizontalOrganizationChart"/>
+    <dgm:cxn modelId="{72666268-C701-4BF9-8BF2-193D66E2C3E6}" type="presParOf" srcId="{4DC134CF-D784-4205-BE0F-F8A9E89F3DD2}" destId="{3CF9DFDB-7EC4-4750-8F10-35D4B3987DFE}" srcOrd="1" destOrd="0" presId="urn:microsoft.com/office/officeart/2009/3/layout/HorizontalOrganizationChart"/>
+    <dgm:cxn modelId="{0DF8828F-ED3C-4036-9F9D-1C57D82D8D62}" type="presParOf" srcId="{4DC134CF-D784-4205-BE0F-F8A9E89F3DD2}" destId="{FD09D617-F279-4316-9923-399D109FE34F}" srcOrd="2" destOrd="0" presId="urn:microsoft.com/office/officeart/2009/3/layout/HorizontalOrganizationChart"/>
+    <dgm:cxn modelId="{061E10D0-F89C-4673-A7C9-F4A3BEE01472}" type="presParOf" srcId="{9FCC0D99-193B-4F30-BD37-9FB00DC289CB}" destId="{2B38C7BC-C4BD-4C63-BC89-EF44C883B06C}" srcOrd="4" destOrd="0" presId="urn:microsoft.com/office/officeart/2009/3/layout/HorizontalOrganizationChart"/>
+    <dgm:cxn modelId="{472D5FC9-4BAB-40DB-8D97-CD4D99A3BC95}" type="presParOf" srcId="{9FCC0D99-193B-4F30-BD37-9FB00DC289CB}" destId="{6460E88F-C6AF-4F16-8453-46238360D063}" srcOrd="5" destOrd="0" presId="urn:microsoft.com/office/officeart/2009/3/layout/HorizontalOrganizationChart"/>
+    <dgm:cxn modelId="{978954F1-5749-4F42-A61B-63A2454A69E0}" type="presParOf" srcId="{6460E88F-C6AF-4F16-8453-46238360D063}" destId="{1AD75FD1-A4AA-4754-8AC9-F2CF7C506289}" srcOrd="0" destOrd="0" presId="urn:microsoft.com/office/officeart/2009/3/layout/HorizontalOrganizationChart"/>
+    <dgm:cxn modelId="{4FF6CB99-48F0-4F90-9395-00DE6EBAFEC3}" type="presParOf" srcId="{1AD75FD1-A4AA-4754-8AC9-F2CF7C506289}" destId="{A0372DE6-F9A6-4643-907F-EBE01B0496BC}" srcOrd="0" destOrd="0" presId="urn:microsoft.com/office/officeart/2009/3/layout/HorizontalOrganizationChart"/>
+    <dgm:cxn modelId="{10BC9032-85F9-4A76-AE66-7D4708F0E2EF}" type="presParOf" srcId="{1AD75FD1-A4AA-4754-8AC9-F2CF7C506289}" destId="{F23E10CD-B2D1-4FB5-93A0-B45C6D7FD9E5}" srcOrd="1" destOrd="0" presId="urn:microsoft.com/office/officeart/2009/3/layout/HorizontalOrganizationChart"/>
+    <dgm:cxn modelId="{835D8D26-1F04-421B-BA16-00A04B220407}" type="presParOf" srcId="{6460E88F-C6AF-4F16-8453-46238360D063}" destId="{0D616A06-1E0A-41AC-AEBB-0ED03562FC6F}" srcOrd="1" destOrd="0" presId="urn:microsoft.com/office/officeart/2009/3/layout/HorizontalOrganizationChart"/>
+    <dgm:cxn modelId="{949C82BF-3659-40B2-A20C-0D0C3445FEBB}" type="presParOf" srcId="{6460E88F-C6AF-4F16-8453-46238360D063}" destId="{419E5C5A-2B90-4A07-8B34-87ABFFE66383}" srcOrd="2" destOrd="0" presId="urn:microsoft.com/office/officeart/2009/3/layout/HorizontalOrganizationChart"/>
+    <dgm:cxn modelId="{9CE96269-5271-4FFF-9960-7A6D14D6BE3E}" type="presParOf" srcId="{6E12F131-7FF3-4408-91A6-539B121FCB48}" destId="{E8517169-1647-4D2B-97D9-CA4CCA733F7E}" srcOrd="2" destOrd="0" presId="urn:microsoft.com/office/officeart/2009/3/layout/HorizontalOrganizationChart"/>
+    <dgm:cxn modelId="{9B0D7903-509E-4650-86A0-D5942B454018}" type="presParOf" srcId="{BE88CA59-F283-49C6-88A0-706331CB4CFC}" destId="{B6B15F08-C58C-4DFC-98FF-683E0455C834}" srcOrd="2" destOrd="0" presId="urn:microsoft.com/office/officeart/2009/3/layout/HorizontalOrganizationChart"/>
+    <dgm:cxn modelId="{12BA6ED8-1D0B-4D16-9E58-CFC50E0ADCE2}" type="presParOf" srcId="{B6B15F08-C58C-4DFC-98FF-683E0455C834}" destId="{1BC975AA-54A0-4B86-AA70-77910D7E2248}" srcOrd="0" destOrd="0" presId="urn:microsoft.com/office/officeart/2009/3/layout/HorizontalOrganizationChart"/>
+    <dgm:cxn modelId="{5C925810-7295-46AD-BFE8-744133D09CBC}" type="presParOf" srcId="{1BC975AA-54A0-4B86-AA70-77910D7E2248}" destId="{0A51261F-82A1-49BB-A3D7-8E16343F06A9}" srcOrd="0" destOrd="0" presId="urn:microsoft.com/office/officeart/2009/3/layout/HorizontalOrganizationChart"/>
+    <dgm:cxn modelId="{E1B1D744-DC70-4950-9E76-8C3D680A9A64}" type="presParOf" srcId="{1BC975AA-54A0-4B86-AA70-77910D7E2248}" destId="{67234294-63D2-4C6D-89C2-55741B2828C3}" srcOrd="1" destOrd="0" presId="urn:microsoft.com/office/officeart/2009/3/layout/HorizontalOrganizationChart"/>
+    <dgm:cxn modelId="{BD298EDD-1700-4A9C-BE44-2DD251FBF417}" type="presParOf" srcId="{B6B15F08-C58C-4DFC-98FF-683E0455C834}" destId="{663C5BB1-26DF-44CC-8938-C265C94AC922}" srcOrd="1" destOrd="0" presId="urn:microsoft.com/office/officeart/2009/3/layout/HorizontalOrganizationChart"/>
+    <dgm:cxn modelId="{94D32539-9F7B-4A4A-906F-579F5BDDBA93}" type="presParOf" srcId="{663C5BB1-26DF-44CC-8938-C265C94AC922}" destId="{BC1EDE3E-C16D-49C5-AE56-36176E4CAE93}" srcOrd="0" destOrd="0" presId="urn:microsoft.com/office/officeart/2009/3/layout/HorizontalOrganizationChart"/>
+    <dgm:cxn modelId="{F58188EB-C89C-4623-A69E-685D5BE8F807}" type="presParOf" srcId="{663C5BB1-26DF-44CC-8938-C265C94AC922}" destId="{ED4C8DD9-7997-4A48-B3A6-DEF4E0123528}" srcOrd="1" destOrd="0" presId="urn:microsoft.com/office/officeart/2009/3/layout/HorizontalOrganizationChart"/>
+    <dgm:cxn modelId="{C9FC36AD-DF67-412A-A7A1-B2661508BEBB}" type="presParOf" srcId="{ED4C8DD9-7997-4A48-B3A6-DEF4E0123528}" destId="{22CE20B4-4143-41DA-BE00-776D4673E262}" srcOrd="0" destOrd="0" presId="urn:microsoft.com/office/officeart/2009/3/layout/HorizontalOrganizationChart"/>
+    <dgm:cxn modelId="{2886E057-E2CD-4B95-8B7D-28D591394691}" type="presParOf" srcId="{22CE20B4-4143-41DA-BE00-776D4673E262}" destId="{C9712550-ADAF-4BDD-A998-10789B4CE559}" srcOrd="0" destOrd="0" presId="urn:microsoft.com/office/officeart/2009/3/layout/HorizontalOrganizationChart"/>
+    <dgm:cxn modelId="{E77AA3F9-5789-484E-8B9C-F67E1D663C8C}" type="presParOf" srcId="{22CE20B4-4143-41DA-BE00-776D4673E262}" destId="{C2A1B97D-5765-4447-B667-3A16097661B0}" srcOrd="1" destOrd="0" presId="urn:microsoft.com/office/officeart/2009/3/layout/HorizontalOrganizationChart"/>
+    <dgm:cxn modelId="{44CF6A8D-B32B-4B34-9A49-6CFF900FB758}" type="presParOf" srcId="{ED4C8DD9-7997-4A48-B3A6-DEF4E0123528}" destId="{A2D8ED0A-AA90-47A6-B991-EF95B3D2B724}" srcOrd="1" destOrd="0" presId="urn:microsoft.com/office/officeart/2009/3/layout/HorizontalOrganizationChart"/>
+    <dgm:cxn modelId="{9D58E6D7-1942-4C0D-9281-370A472B0373}" type="presParOf" srcId="{ED4C8DD9-7997-4A48-B3A6-DEF4E0123528}" destId="{5275DC89-30C4-499C-AA31-C02068E9B75A}" srcOrd="2" destOrd="0" presId="urn:microsoft.com/office/officeart/2009/3/layout/HorizontalOrganizationChart"/>
+    <dgm:cxn modelId="{DE308B5F-AE07-4DEE-8ADE-3CC817013B04}" type="presParOf" srcId="{663C5BB1-26DF-44CC-8938-C265C94AC922}" destId="{298720A2-B912-47DF-9433-5794953030F1}" srcOrd="2" destOrd="0" presId="urn:microsoft.com/office/officeart/2009/3/layout/HorizontalOrganizationChart"/>
+    <dgm:cxn modelId="{02895BE3-FEA6-49C6-A6D5-B69B490D7A9E}" type="presParOf" srcId="{663C5BB1-26DF-44CC-8938-C265C94AC922}" destId="{8A9247C6-29C0-44F3-9489-71E0A9342FFD}" srcOrd="3" destOrd="0" presId="urn:microsoft.com/office/officeart/2009/3/layout/HorizontalOrganizationChart"/>
+    <dgm:cxn modelId="{60FA59C6-97A2-47A5-82BD-AF71B57FED7D}" type="presParOf" srcId="{8A9247C6-29C0-44F3-9489-71E0A9342FFD}" destId="{5BBD3BF1-CE3B-4FAA-87F9-A3F9F6090440}" srcOrd="0" destOrd="0" presId="urn:microsoft.com/office/officeart/2009/3/layout/HorizontalOrganizationChart"/>
+    <dgm:cxn modelId="{7082A426-A8F8-4C42-85FA-17A4B54AF24A}" type="presParOf" srcId="{5BBD3BF1-CE3B-4FAA-87F9-A3F9F6090440}" destId="{996EC0B0-3559-49D5-9D30-E4084309EC17}" srcOrd="0" destOrd="0" presId="urn:microsoft.com/office/officeart/2009/3/layout/HorizontalOrganizationChart"/>
+    <dgm:cxn modelId="{015E991C-A467-4BBE-9080-906E54B33A19}" type="presParOf" srcId="{5BBD3BF1-CE3B-4FAA-87F9-A3F9F6090440}" destId="{3D41B5D4-EA88-4096-9821-FF0B979CB4B0}" srcOrd="1" destOrd="0" presId="urn:microsoft.com/office/officeart/2009/3/layout/HorizontalOrganizationChart"/>
+    <dgm:cxn modelId="{C25055A6-A398-4484-9F0E-972B19A7DC86}" type="presParOf" srcId="{8A9247C6-29C0-44F3-9489-71E0A9342FFD}" destId="{2BB2D3D8-EB78-4AD0-9711-F8043D81E668}" srcOrd="1" destOrd="0" presId="urn:microsoft.com/office/officeart/2009/3/layout/HorizontalOrganizationChart"/>
+    <dgm:cxn modelId="{C244352D-22D2-46CF-BAA2-0AE611FEDD15}" type="presParOf" srcId="{8A9247C6-29C0-44F3-9489-71E0A9342FFD}" destId="{330BD01B-1E89-473F-A79F-99DC7C7738BB}" srcOrd="2" destOrd="0" presId="urn:microsoft.com/office/officeart/2009/3/layout/HorizontalOrganizationChart"/>
+    <dgm:cxn modelId="{D92A70CC-1040-4DB0-B5C7-2E055C171588}" type="presParOf" srcId="{663C5BB1-26DF-44CC-8938-C265C94AC922}" destId="{D11BCA3D-E8E4-4A9F-99E6-657FAA0DACAC}" srcOrd="4" destOrd="0" presId="urn:microsoft.com/office/officeart/2009/3/layout/HorizontalOrganizationChart"/>
+    <dgm:cxn modelId="{4AE4FC04-7517-4ACB-BC0C-B75D1F74AEA3}" type="presParOf" srcId="{663C5BB1-26DF-44CC-8938-C265C94AC922}" destId="{7BEBA304-05A7-4033-993F-0D3FDE15C5AD}" srcOrd="5" destOrd="0" presId="urn:microsoft.com/office/officeart/2009/3/layout/HorizontalOrganizationChart"/>
+    <dgm:cxn modelId="{8AAB62EB-E934-424A-927D-A56978153920}" type="presParOf" srcId="{7BEBA304-05A7-4033-993F-0D3FDE15C5AD}" destId="{5D7D1909-CF5E-444E-9C26-9D319127A483}" srcOrd="0" destOrd="0" presId="urn:microsoft.com/office/officeart/2009/3/layout/HorizontalOrganizationChart"/>
+    <dgm:cxn modelId="{996ECF86-93EA-4A01-B196-869218F35433}" type="presParOf" srcId="{5D7D1909-CF5E-444E-9C26-9D319127A483}" destId="{648B4374-2A8F-4A1A-83E2-B36159AA0F45}" srcOrd="0" destOrd="0" presId="urn:microsoft.com/office/officeart/2009/3/layout/HorizontalOrganizationChart"/>
+    <dgm:cxn modelId="{B08CB24A-149F-4E40-B12A-6153ED5CA9A5}" type="presParOf" srcId="{5D7D1909-CF5E-444E-9C26-9D319127A483}" destId="{4FD0594D-0D1D-4027-AF3C-6F75BC337EB7}" srcOrd="1" destOrd="0" presId="urn:microsoft.com/office/officeart/2009/3/layout/HorizontalOrganizationChart"/>
+    <dgm:cxn modelId="{5374410A-1BF3-47E4-9657-16D44718813E}" type="presParOf" srcId="{7BEBA304-05A7-4033-993F-0D3FDE15C5AD}" destId="{AD0A9406-E96B-4B9F-8DFB-F5824DA09351}" srcOrd="1" destOrd="0" presId="urn:microsoft.com/office/officeart/2009/3/layout/HorizontalOrganizationChart"/>
+    <dgm:cxn modelId="{B4D7D159-D796-4016-BF5B-C573B7629EA0}" type="presParOf" srcId="{7BEBA304-05A7-4033-993F-0D3FDE15C5AD}" destId="{B2535500-963E-4D97-B8F6-A4777A37CCAF}" srcOrd="2" destOrd="0" presId="urn:microsoft.com/office/officeart/2009/3/layout/HorizontalOrganizationChart"/>
+    <dgm:cxn modelId="{8B77ACC7-5746-4CE5-B9D2-33D4092360CE}" type="presParOf" srcId="{663C5BB1-26DF-44CC-8938-C265C94AC922}" destId="{25B3A28D-3E76-45EF-BBB4-603874806EB3}" srcOrd="6" destOrd="0" presId="urn:microsoft.com/office/officeart/2009/3/layout/HorizontalOrganizationChart"/>
+    <dgm:cxn modelId="{460F9979-05DB-49AD-9B67-21F7D6739C5C}" type="presParOf" srcId="{663C5BB1-26DF-44CC-8938-C265C94AC922}" destId="{EC5E4716-9852-4C2B-90B1-2D6149EA9471}" srcOrd="7" destOrd="0" presId="urn:microsoft.com/office/officeart/2009/3/layout/HorizontalOrganizationChart"/>
+    <dgm:cxn modelId="{83A7F7C6-9124-4139-8771-1A4CCA59707D}" type="presParOf" srcId="{EC5E4716-9852-4C2B-90B1-2D6149EA9471}" destId="{FBA2F082-51DF-4E9E-96ED-1D0BA20B5E66}" srcOrd="0" destOrd="0" presId="urn:microsoft.com/office/officeart/2009/3/layout/HorizontalOrganizationChart"/>
+    <dgm:cxn modelId="{C60ADC4D-F974-4BCD-A828-20997B2F4068}" type="presParOf" srcId="{FBA2F082-51DF-4E9E-96ED-1D0BA20B5E66}" destId="{B38C1C00-20D9-4695-9442-28AC8C8A5541}" srcOrd="0" destOrd="0" presId="urn:microsoft.com/office/officeart/2009/3/layout/HorizontalOrganizationChart"/>
+    <dgm:cxn modelId="{925441CC-4D79-409B-A508-72B906AB4AC3}" type="presParOf" srcId="{FBA2F082-51DF-4E9E-96ED-1D0BA20B5E66}" destId="{FCF5A8E2-3B85-46CF-A1DC-677054317C09}" srcOrd="1" destOrd="0" presId="urn:microsoft.com/office/officeart/2009/3/layout/HorizontalOrganizationChart"/>
+    <dgm:cxn modelId="{DCC17963-9A83-482C-BFC0-F8BF084811DB}" type="presParOf" srcId="{EC5E4716-9852-4C2B-90B1-2D6149EA9471}" destId="{8FADFA65-044F-4048-BB5B-99B210BC353E}" srcOrd="1" destOrd="0" presId="urn:microsoft.com/office/officeart/2009/3/layout/HorizontalOrganizationChart"/>
+    <dgm:cxn modelId="{6645D2AE-15E5-427A-AC8A-15833F3E0657}" type="presParOf" srcId="{EC5E4716-9852-4C2B-90B1-2D6149EA9471}" destId="{F67EAD0D-3E83-41C5-934C-E6BC2B6C7BD6}" srcOrd="2" destOrd="0" presId="urn:microsoft.com/office/officeart/2009/3/layout/HorizontalOrganizationChart"/>
+    <dgm:cxn modelId="{0AA93F2D-B0FA-4966-9D24-CDA5352137D8}" type="presParOf" srcId="{B6B15F08-C58C-4DFC-98FF-683E0455C834}" destId="{986E8D13-7AF3-41F2-B9D5-48A4F1996CE2}" srcOrd="2" destOrd="0" presId="urn:microsoft.com/office/officeart/2009/3/layout/HorizontalOrganizationChart"/>
   </dgm:cxnLst>
   <dgm:bg/>
   <dgm:whole/>
@@ -7960,40 +8330,60 @@
       <dsp:cNvGrpSpPr/>
     </dsp:nvGrpSpPr>
     <dsp:grpSpPr/>
-    <dsp:sp modelId="{89A34BDB-9012-4FE3-8ACB-FD0C0953C0BC}">
+    <dsp:sp modelId="{25B3A28D-3E76-45EF-BBB4-603874806EB3}">
       <dsp:nvSpPr>
         <dsp:cNvPr id="0" name=""/>
         <dsp:cNvSpPr/>
       </dsp:nvSpPr>
       <dsp:spPr>
         <a:xfrm>
-          <a:off x="0" y="2691320"/>
-          <a:ext cx="10253932" cy="633861"/>
+          <a:off x="2733986" y="4431807"/>
+          <a:ext cx="1657446" cy="845741"/>
         </a:xfrm>
-        <a:prstGeom prst="roundRect">
-          <a:avLst>
-            <a:gd name="adj" fmla="val 10000"/>
-          </a:avLst>
-        </a:prstGeom>
-        <a:solidFill>
-          <a:schemeClr val="accent1">
-            <a:tint val="40000"/>
-            <a:hueOff val="0"/>
-            <a:satOff val="0"/>
-            <a:lumOff val="0"/>
-            <a:alphaOff val="0"/>
-          </a:schemeClr>
-        </a:solidFill>
-        <a:ln>
-          <a:noFill/>
+        <a:custGeom>
+          <a:avLst/>
+          <a:gdLst/>
+          <a:ahLst/>
+          <a:cxnLst/>
+          <a:rect l="0" t="0" r="0" b="0"/>
+          <a:pathLst>
+            <a:path>
+              <a:moveTo>
+                <a:pt x="0" y="0"/>
+              </a:moveTo>
+              <a:lnTo>
+                <a:pt x="1526323" y="0"/>
+              </a:lnTo>
+              <a:lnTo>
+                <a:pt x="1526323" y="845741"/>
+              </a:lnTo>
+              <a:lnTo>
+                <a:pt x="1657446" y="845741"/>
+              </a:lnTo>
+            </a:path>
+          </a:pathLst>
+        </a:custGeom>
+        <a:noFill/>
+        <a:ln w="12700" cap="flat" cmpd="sng" algn="ctr">
+          <a:solidFill>
+            <a:schemeClr val="accent1">
+              <a:shade val="60000"/>
+              <a:hueOff val="0"/>
+              <a:satOff val="0"/>
+              <a:lumOff val="0"/>
+              <a:alphaOff val="0"/>
+            </a:schemeClr>
+          </a:solidFill>
+          <a:prstDash val="solid"/>
+          <a:miter lim="800000"/>
         </a:ln>
         <a:effectLst/>
       </dsp:spPr>
       <dsp:style>
-        <a:lnRef idx="0">
+        <a:lnRef idx="2">
           <a:scrgbClr r="0" g="0" b="0"/>
         </a:lnRef>
-        <a:fillRef idx="1">
+        <a:fillRef idx="0">
           <a:scrgbClr r="0" g="0" b="0"/>
         </a:fillRef>
         <a:effectRef idx="0">
@@ -8001,70 +8391,61 @@
         </a:effectRef>
         <a:fontRef idx="minor"/>
       </dsp:style>
-      <dsp:txBody>
-        <a:bodyPr spcFirstLastPara="0" vert="horz" wrap="square" lIns="163576" tIns="163576" rIns="163576" bIns="163576" numCol="1" spcCol="1270" anchor="ctr" anchorCtr="0">
-          <a:noAutofit/>
-        </a:bodyPr>
-        <a:lstStyle/>
-        <a:p>
-          <a:pPr marL="0" lvl="0" indent="0" algn="ctr" defTabSz="1022350">
-            <a:lnSpc>
-              <a:spcPct val="90000"/>
-            </a:lnSpc>
-            <a:spcBef>
-              <a:spcPct val="0"/>
-            </a:spcBef>
-            <a:spcAft>
-              <a:spcPct val="35000"/>
-            </a:spcAft>
-            <a:buNone/>
-          </a:pPr>
-          <a:r>
-            <a:rPr lang="en-US" sz="2300" kern="1200" dirty="0"/>
-            <a:t>Actual Physics</a:t>
-          </a:r>
-          <a:endParaRPr lang="en-DK" sz="2300" kern="1200" dirty="0"/>
-        </a:p>
-      </dsp:txBody>
-      <dsp:txXfrm>
-        <a:off x="0" y="2691320"/>
-        <a:ext cx="3076179" cy="633861"/>
-      </dsp:txXfrm>
     </dsp:sp>
-    <dsp:sp modelId="{36369107-3B37-4139-AA81-F401E0D698A0}">
+    <dsp:sp modelId="{D11BCA3D-E8E4-4A9F-99E6-657FAA0DACAC}">
       <dsp:nvSpPr>
         <dsp:cNvPr id="0" name=""/>
         <dsp:cNvSpPr/>
       </dsp:nvSpPr>
       <dsp:spPr>
         <a:xfrm>
-          <a:off x="0" y="1951815"/>
-          <a:ext cx="10253932" cy="633861"/>
+          <a:off x="2733986" y="4431807"/>
+          <a:ext cx="1657446" cy="281913"/>
         </a:xfrm>
-        <a:prstGeom prst="roundRect">
-          <a:avLst>
-            <a:gd name="adj" fmla="val 10000"/>
-          </a:avLst>
-        </a:prstGeom>
-        <a:solidFill>
-          <a:schemeClr val="accent1">
-            <a:tint val="40000"/>
-            <a:hueOff val="0"/>
-            <a:satOff val="0"/>
-            <a:lumOff val="0"/>
-            <a:alphaOff val="0"/>
-          </a:schemeClr>
-        </a:solidFill>
-        <a:ln>
-          <a:noFill/>
+        <a:custGeom>
+          <a:avLst/>
+          <a:gdLst/>
+          <a:ahLst/>
+          <a:cxnLst/>
+          <a:rect l="0" t="0" r="0" b="0"/>
+          <a:pathLst>
+            <a:path>
+              <a:moveTo>
+                <a:pt x="0" y="0"/>
+              </a:moveTo>
+              <a:lnTo>
+                <a:pt x="1526323" y="0"/>
+              </a:lnTo>
+              <a:lnTo>
+                <a:pt x="1526323" y="281913"/>
+              </a:lnTo>
+              <a:lnTo>
+                <a:pt x="1657446" y="281913"/>
+              </a:lnTo>
+            </a:path>
+          </a:pathLst>
+        </a:custGeom>
+        <a:noFill/>
+        <a:ln w="12700" cap="flat" cmpd="sng" algn="ctr">
+          <a:solidFill>
+            <a:schemeClr val="accent1">
+              <a:shade val="60000"/>
+              <a:hueOff val="0"/>
+              <a:satOff val="0"/>
+              <a:lumOff val="0"/>
+              <a:alphaOff val="0"/>
+            </a:schemeClr>
+          </a:solidFill>
+          <a:prstDash val="solid"/>
+          <a:miter lim="800000"/>
         </a:ln>
         <a:effectLst/>
       </dsp:spPr>
       <dsp:style>
-        <a:lnRef idx="0">
+        <a:lnRef idx="2">
           <a:scrgbClr r="0" g="0" b="0"/>
         </a:lnRef>
-        <a:fillRef idx="1">
+        <a:fillRef idx="0">
           <a:scrgbClr r="0" g="0" b="0"/>
         </a:fillRef>
         <a:effectRef idx="0">
@@ -8072,70 +8453,61 @@
         </a:effectRef>
         <a:fontRef idx="minor"/>
       </dsp:style>
-      <dsp:txBody>
-        <a:bodyPr spcFirstLastPara="0" vert="horz" wrap="square" lIns="163576" tIns="163576" rIns="163576" bIns="163576" numCol="1" spcCol="1270" anchor="ctr" anchorCtr="0">
-          <a:noAutofit/>
-        </a:bodyPr>
-        <a:lstStyle/>
-        <a:p>
-          <a:pPr marL="0" lvl="0" indent="0" algn="ctr" defTabSz="1022350">
-            <a:lnSpc>
-              <a:spcPct val="90000"/>
-            </a:lnSpc>
-            <a:spcBef>
-              <a:spcPct val="0"/>
-            </a:spcBef>
-            <a:spcAft>
-              <a:spcPct val="35000"/>
-            </a:spcAft>
-            <a:buNone/>
-          </a:pPr>
-          <a:r>
-            <a:rPr lang="en-US" sz="2300" kern="1200" dirty="0"/>
-            <a:t>Parent Classes</a:t>
-          </a:r>
-          <a:endParaRPr lang="en-DK" sz="2300" kern="1200" dirty="0"/>
-        </a:p>
-      </dsp:txBody>
-      <dsp:txXfrm>
-        <a:off x="0" y="1951815"/>
-        <a:ext cx="3076179" cy="633861"/>
-      </dsp:txXfrm>
     </dsp:sp>
-    <dsp:sp modelId="{1092348B-D00D-4AA3-86D3-3E3787B60A18}">
+    <dsp:sp modelId="{298720A2-B912-47DF-9433-5794953030F1}">
       <dsp:nvSpPr>
         <dsp:cNvPr id="0" name=""/>
         <dsp:cNvSpPr/>
       </dsp:nvSpPr>
       <dsp:spPr>
         <a:xfrm>
-          <a:off x="0" y="1212311"/>
-          <a:ext cx="10253932" cy="633861"/>
+          <a:off x="2733986" y="4149893"/>
+          <a:ext cx="1657446" cy="281913"/>
         </a:xfrm>
-        <a:prstGeom prst="roundRect">
-          <a:avLst>
-            <a:gd name="adj" fmla="val 10000"/>
-          </a:avLst>
-        </a:prstGeom>
-        <a:solidFill>
-          <a:schemeClr val="accent1">
-            <a:tint val="40000"/>
-            <a:hueOff val="0"/>
-            <a:satOff val="0"/>
-            <a:lumOff val="0"/>
-            <a:alphaOff val="0"/>
-          </a:schemeClr>
-        </a:solidFill>
-        <a:ln>
-          <a:noFill/>
+        <a:custGeom>
+          <a:avLst/>
+          <a:gdLst/>
+          <a:ahLst/>
+          <a:cxnLst/>
+          <a:rect l="0" t="0" r="0" b="0"/>
+          <a:pathLst>
+            <a:path>
+              <a:moveTo>
+                <a:pt x="0" y="281913"/>
+              </a:moveTo>
+              <a:lnTo>
+                <a:pt x="1526323" y="281913"/>
+              </a:lnTo>
+              <a:lnTo>
+                <a:pt x="1526323" y="0"/>
+              </a:lnTo>
+              <a:lnTo>
+                <a:pt x="1657446" y="0"/>
+              </a:lnTo>
+            </a:path>
+          </a:pathLst>
+        </a:custGeom>
+        <a:noFill/>
+        <a:ln w="12700" cap="flat" cmpd="sng" algn="ctr">
+          <a:solidFill>
+            <a:schemeClr val="accent1">
+              <a:shade val="60000"/>
+              <a:hueOff val="0"/>
+              <a:satOff val="0"/>
+              <a:lumOff val="0"/>
+              <a:alphaOff val="0"/>
+            </a:schemeClr>
+          </a:solidFill>
+          <a:prstDash val="solid"/>
+          <a:miter lim="800000"/>
         </a:ln>
         <a:effectLst/>
       </dsp:spPr>
       <dsp:style>
-        <a:lnRef idx="0">
+        <a:lnRef idx="2">
           <a:scrgbClr r="0" g="0" b="0"/>
         </a:lnRef>
-        <a:fillRef idx="1">
+        <a:fillRef idx="0">
           <a:scrgbClr r="0" g="0" b="0"/>
         </a:fillRef>
         <a:effectRef idx="0">
@@ -8143,50 +8515,441 @@
         </a:effectRef>
         <a:fontRef idx="minor"/>
       </dsp:style>
-      <dsp:txBody>
-        <a:bodyPr spcFirstLastPara="0" vert="horz" wrap="square" lIns="163576" tIns="163576" rIns="163576" bIns="163576" numCol="1" spcCol="1270" anchor="ctr" anchorCtr="0">
-          <a:noAutofit/>
-        </a:bodyPr>
-        <a:lstStyle/>
-        <a:p>
-          <a:pPr marL="0" lvl="0" indent="0" algn="ctr" defTabSz="1022350">
-            <a:lnSpc>
-              <a:spcPct val="90000"/>
-            </a:lnSpc>
-            <a:spcBef>
-              <a:spcPct val="0"/>
-            </a:spcBef>
-            <a:spcAft>
-              <a:spcPct val="35000"/>
-            </a:spcAft>
-            <a:buNone/>
-          </a:pPr>
-          <a:r>
-            <a:rPr lang="en-US" sz="2300" kern="1200" dirty="0"/>
-            <a:t>Module</a:t>
-          </a:r>
-          <a:endParaRPr lang="en-DK" sz="2300" kern="1200" dirty="0"/>
-        </a:p>
-      </dsp:txBody>
-      <dsp:txXfrm>
-        <a:off x="0" y="1212311"/>
-        <a:ext cx="3076179" cy="633861"/>
-      </dsp:txXfrm>
     </dsp:sp>
-    <dsp:sp modelId="{0EE8EA4D-5036-491D-A0AA-D4BCE5C2D3F6}">
+    <dsp:sp modelId="{BC1EDE3E-C16D-49C5-AE56-36176E4CAE93}">
       <dsp:nvSpPr>
         <dsp:cNvPr id="0" name=""/>
         <dsp:cNvSpPr/>
       </dsp:nvSpPr>
       <dsp:spPr>
         <a:xfrm>
-          <a:off x="6423859" y="1265132"/>
-          <a:ext cx="792326" cy="528217"/>
+          <a:off x="2733986" y="3586066"/>
+          <a:ext cx="1657446" cy="845741"/>
+        </a:xfrm>
+        <a:custGeom>
+          <a:avLst/>
+          <a:gdLst/>
+          <a:ahLst/>
+          <a:cxnLst/>
+          <a:rect l="0" t="0" r="0" b="0"/>
+          <a:pathLst>
+            <a:path>
+              <a:moveTo>
+                <a:pt x="0" y="845741"/>
+              </a:moveTo>
+              <a:lnTo>
+                <a:pt x="1526323" y="845741"/>
+              </a:lnTo>
+              <a:lnTo>
+                <a:pt x="1526323" y="0"/>
+              </a:lnTo>
+              <a:lnTo>
+                <a:pt x="1657446" y="0"/>
+              </a:lnTo>
+            </a:path>
+          </a:pathLst>
+        </a:custGeom>
+        <a:noFill/>
+        <a:ln w="12700" cap="flat" cmpd="sng" algn="ctr">
+          <a:solidFill>
+            <a:schemeClr val="accent1">
+              <a:shade val="60000"/>
+              <a:hueOff val="0"/>
+              <a:satOff val="0"/>
+              <a:lumOff val="0"/>
+              <a:alphaOff val="0"/>
+            </a:schemeClr>
+          </a:solidFill>
+          <a:prstDash val="solid"/>
+          <a:miter lim="800000"/>
+        </a:ln>
+        <a:effectLst/>
+      </dsp:spPr>
+      <dsp:style>
+        <a:lnRef idx="2">
+          <a:scrgbClr r="0" g="0" b="0"/>
+        </a:lnRef>
+        <a:fillRef idx="0">
+          <a:scrgbClr r="0" g="0" b="0"/>
+        </a:fillRef>
+        <a:effectRef idx="0">
+          <a:scrgbClr r="0" g="0" b="0"/>
+        </a:effectRef>
+        <a:fontRef idx="minor"/>
+      </dsp:style>
+    </dsp:sp>
+    <dsp:sp modelId="{2B38C7BC-C4BD-4C63-BC89-EF44C883B06C}">
+      <dsp:nvSpPr>
+        <dsp:cNvPr id="0" name=""/>
+        <dsp:cNvSpPr/>
+      </dsp:nvSpPr>
+      <dsp:spPr>
+        <a:xfrm>
+          <a:off x="2733986" y="2458411"/>
+          <a:ext cx="1657446" cy="563827"/>
+        </a:xfrm>
+        <a:custGeom>
+          <a:avLst/>
+          <a:gdLst/>
+          <a:ahLst/>
+          <a:cxnLst/>
+          <a:rect l="0" t="0" r="0" b="0"/>
+          <a:pathLst>
+            <a:path>
+              <a:moveTo>
+                <a:pt x="0" y="0"/>
+              </a:moveTo>
+              <a:lnTo>
+                <a:pt x="1526323" y="0"/>
+              </a:lnTo>
+              <a:lnTo>
+                <a:pt x="1526323" y="563827"/>
+              </a:lnTo>
+              <a:lnTo>
+                <a:pt x="1657446" y="563827"/>
+              </a:lnTo>
+            </a:path>
+          </a:pathLst>
+        </a:custGeom>
+        <a:noFill/>
+        <a:ln w="12700" cap="flat" cmpd="sng" algn="ctr">
+          <a:solidFill>
+            <a:schemeClr val="accent1">
+              <a:shade val="60000"/>
+              <a:hueOff val="0"/>
+              <a:satOff val="0"/>
+              <a:lumOff val="0"/>
+              <a:alphaOff val="0"/>
+            </a:schemeClr>
+          </a:solidFill>
+          <a:prstDash val="solid"/>
+          <a:miter lim="800000"/>
+        </a:ln>
+        <a:effectLst/>
+      </dsp:spPr>
+      <dsp:style>
+        <a:lnRef idx="2">
+          <a:scrgbClr r="0" g="0" b="0"/>
+        </a:lnRef>
+        <a:fillRef idx="0">
+          <a:scrgbClr r="0" g="0" b="0"/>
+        </a:fillRef>
+        <a:effectRef idx="0">
+          <a:scrgbClr r="0" g="0" b="0"/>
+        </a:effectRef>
+        <a:fontRef idx="minor"/>
+      </dsp:style>
+    </dsp:sp>
+    <dsp:sp modelId="{F5F04472-873C-4212-B0F3-A86AD994C260}">
+      <dsp:nvSpPr>
+        <dsp:cNvPr id="0" name=""/>
+        <dsp:cNvSpPr/>
+      </dsp:nvSpPr>
+      <dsp:spPr>
+        <a:xfrm>
+          <a:off x="2733986" y="2412691"/>
+          <a:ext cx="1657446" cy="91440"/>
+        </a:xfrm>
+        <a:custGeom>
+          <a:avLst/>
+          <a:gdLst/>
+          <a:ahLst/>
+          <a:cxnLst/>
+          <a:rect l="0" t="0" r="0" b="0"/>
+          <a:pathLst>
+            <a:path>
+              <a:moveTo>
+                <a:pt x="0" y="45720"/>
+              </a:moveTo>
+              <a:lnTo>
+                <a:pt x="1657446" y="45720"/>
+              </a:lnTo>
+            </a:path>
+          </a:pathLst>
+        </a:custGeom>
+        <a:noFill/>
+        <a:ln w="12700" cap="flat" cmpd="sng" algn="ctr">
+          <a:solidFill>
+            <a:schemeClr val="accent1">
+              <a:shade val="60000"/>
+              <a:hueOff val="0"/>
+              <a:satOff val="0"/>
+              <a:lumOff val="0"/>
+              <a:alphaOff val="0"/>
+            </a:schemeClr>
+          </a:solidFill>
+          <a:prstDash val="solid"/>
+          <a:miter lim="800000"/>
+        </a:ln>
+        <a:effectLst/>
+      </dsp:spPr>
+      <dsp:style>
+        <a:lnRef idx="2">
+          <a:scrgbClr r="0" g="0" b="0"/>
+        </a:lnRef>
+        <a:fillRef idx="0">
+          <a:scrgbClr r="0" g="0" b="0"/>
+        </a:fillRef>
+        <a:effectRef idx="0">
+          <a:scrgbClr r="0" g="0" b="0"/>
+        </a:effectRef>
+        <a:fontRef idx="minor"/>
+      </dsp:style>
+    </dsp:sp>
+    <dsp:sp modelId="{8F5D83FB-8BC2-458C-8BDF-2329321BD7C1}">
+      <dsp:nvSpPr>
+        <dsp:cNvPr id="0" name=""/>
+        <dsp:cNvSpPr/>
+      </dsp:nvSpPr>
+      <dsp:spPr>
+        <a:xfrm>
+          <a:off x="2733986" y="1894583"/>
+          <a:ext cx="1657446" cy="563827"/>
+        </a:xfrm>
+        <a:custGeom>
+          <a:avLst/>
+          <a:gdLst/>
+          <a:ahLst/>
+          <a:cxnLst/>
+          <a:rect l="0" t="0" r="0" b="0"/>
+          <a:pathLst>
+            <a:path>
+              <a:moveTo>
+                <a:pt x="0" y="563827"/>
+              </a:moveTo>
+              <a:lnTo>
+                <a:pt x="1526323" y="563827"/>
+              </a:lnTo>
+              <a:lnTo>
+                <a:pt x="1526323" y="0"/>
+              </a:lnTo>
+              <a:lnTo>
+                <a:pt x="1657446" y="0"/>
+              </a:lnTo>
+            </a:path>
+          </a:pathLst>
+        </a:custGeom>
+        <a:noFill/>
+        <a:ln w="12700" cap="flat" cmpd="sng" algn="ctr">
+          <a:solidFill>
+            <a:schemeClr val="accent1">
+              <a:shade val="60000"/>
+              <a:hueOff val="0"/>
+              <a:satOff val="0"/>
+              <a:lumOff val="0"/>
+              <a:alphaOff val="0"/>
+            </a:schemeClr>
+          </a:solidFill>
+          <a:prstDash val="solid"/>
+          <a:miter lim="800000"/>
+        </a:ln>
+        <a:effectLst/>
+      </dsp:spPr>
+      <dsp:style>
+        <a:lnRef idx="2">
+          <a:scrgbClr r="0" g="0" b="0"/>
+        </a:lnRef>
+        <a:fillRef idx="0">
+          <a:scrgbClr r="0" g="0" b="0"/>
+        </a:fillRef>
+        <a:effectRef idx="0">
+          <a:scrgbClr r="0" g="0" b="0"/>
+        </a:effectRef>
+        <a:fontRef idx="minor"/>
+      </dsp:style>
+    </dsp:sp>
+    <dsp:sp modelId="{18276181-F7F8-4ECE-A596-542AB0037F10}">
+      <dsp:nvSpPr>
+        <dsp:cNvPr id="0" name=""/>
+        <dsp:cNvSpPr/>
+      </dsp:nvSpPr>
+      <dsp:spPr>
+        <a:xfrm>
+          <a:off x="2733986" y="766928"/>
+          <a:ext cx="1657446" cy="563827"/>
+        </a:xfrm>
+        <a:custGeom>
+          <a:avLst/>
+          <a:gdLst/>
+          <a:ahLst/>
+          <a:cxnLst/>
+          <a:rect l="0" t="0" r="0" b="0"/>
+          <a:pathLst>
+            <a:path>
+              <a:moveTo>
+                <a:pt x="0" y="0"/>
+              </a:moveTo>
+              <a:lnTo>
+                <a:pt x="1526323" y="0"/>
+              </a:lnTo>
+              <a:lnTo>
+                <a:pt x="1526323" y="563827"/>
+              </a:lnTo>
+              <a:lnTo>
+                <a:pt x="1657446" y="563827"/>
+              </a:lnTo>
+            </a:path>
+          </a:pathLst>
+        </a:custGeom>
+        <a:noFill/>
+        <a:ln w="12700" cap="flat" cmpd="sng" algn="ctr">
+          <a:solidFill>
+            <a:schemeClr val="accent1">
+              <a:shade val="60000"/>
+              <a:hueOff val="0"/>
+              <a:satOff val="0"/>
+              <a:lumOff val="0"/>
+              <a:alphaOff val="0"/>
+            </a:schemeClr>
+          </a:solidFill>
+          <a:prstDash val="solid"/>
+          <a:miter lim="800000"/>
+        </a:ln>
+        <a:effectLst/>
+      </dsp:spPr>
+      <dsp:style>
+        <a:lnRef idx="2">
+          <a:scrgbClr r="0" g="0" b="0"/>
+        </a:lnRef>
+        <a:fillRef idx="0">
+          <a:scrgbClr r="0" g="0" b="0"/>
+        </a:fillRef>
+        <a:effectRef idx="0">
+          <a:scrgbClr r="0" g="0" b="0"/>
+        </a:effectRef>
+        <a:fontRef idx="minor"/>
+      </dsp:style>
+    </dsp:sp>
+    <dsp:sp modelId="{5C8521FA-5AA5-4A65-9A8F-23ADA0606DBD}">
+      <dsp:nvSpPr>
+        <dsp:cNvPr id="0" name=""/>
+        <dsp:cNvSpPr/>
+      </dsp:nvSpPr>
+      <dsp:spPr>
+        <a:xfrm>
+          <a:off x="2733986" y="721208"/>
+          <a:ext cx="1657446" cy="91440"/>
+        </a:xfrm>
+        <a:custGeom>
+          <a:avLst/>
+          <a:gdLst/>
+          <a:ahLst/>
+          <a:cxnLst/>
+          <a:rect l="0" t="0" r="0" b="0"/>
+          <a:pathLst>
+            <a:path>
+              <a:moveTo>
+                <a:pt x="0" y="45720"/>
+              </a:moveTo>
+              <a:lnTo>
+                <a:pt x="1657446" y="45720"/>
+              </a:lnTo>
+            </a:path>
+          </a:pathLst>
+        </a:custGeom>
+        <a:noFill/>
+        <a:ln w="12700" cap="flat" cmpd="sng" algn="ctr">
+          <a:solidFill>
+            <a:schemeClr val="accent1">
+              <a:shade val="60000"/>
+              <a:hueOff val="0"/>
+              <a:satOff val="0"/>
+              <a:lumOff val="0"/>
+              <a:alphaOff val="0"/>
+            </a:schemeClr>
+          </a:solidFill>
+          <a:prstDash val="solid"/>
+          <a:miter lim="800000"/>
+        </a:ln>
+        <a:effectLst/>
+      </dsp:spPr>
+      <dsp:style>
+        <a:lnRef idx="2">
+          <a:scrgbClr r="0" g="0" b="0"/>
+        </a:lnRef>
+        <a:fillRef idx="0">
+          <a:scrgbClr r="0" g="0" b="0"/>
+        </a:fillRef>
+        <a:effectRef idx="0">
+          <a:scrgbClr r="0" g="0" b="0"/>
+        </a:effectRef>
+        <a:fontRef idx="minor"/>
+      </dsp:style>
+    </dsp:sp>
+    <dsp:sp modelId="{B8AE675E-2477-4933-A374-5C21C3EBE81E}">
+      <dsp:nvSpPr>
+        <dsp:cNvPr id="0" name=""/>
+        <dsp:cNvSpPr/>
+      </dsp:nvSpPr>
+      <dsp:spPr>
+        <a:xfrm>
+          <a:off x="2733986" y="203100"/>
+          <a:ext cx="1657446" cy="563827"/>
+        </a:xfrm>
+        <a:custGeom>
+          <a:avLst/>
+          <a:gdLst/>
+          <a:ahLst/>
+          <a:cxnLst/>
+          <a:rect l="0" t="0" r="0" b="0"/>
+          <a:pathLst>
+            <a:path>
+              <a:moveTo>
+                <a:pt x="0" y="563827"/>
+              </a:moveTo>
+              <a:lnTo>
+                <a:pt x="1526323" y="563827"/>
+              </a:lnTo>
+              <a:lnTo>
+                <a:pt x="1526323" y="0"/>
+              </a:lnTo>
+              <a:lnTo>
+                <a:pt x="1657446" y="0"/>
+              </a:lnTo>
+            </a:path>
+          </a:pathLst>
+        </a:custGeom>
+        <a:noFill/>
+        <a:ln w="12700" cap="flat" cmpd="sng" algn="ctr">
+          <a:solidFill>
+            <a:schemeClr val="accent1">
+              <a:shade val="60000"/>
+              <a:hueOff val="0"/>
+              <a:satOff val="0"/>
+              <a:lumOff val="0"/>
+              <a:alphaOff val="0"/>
+            </a:schemeClr>
+          </a:solidFill>
+          <a:prstDash val="solid"/>
+          <a:miter lim="800000"/>
+        </a:ln>
+        <a:effectLst/>
+      </dsp:spPr>
+      <dsp:style>
+        <a:lnRef idx="2">
+          <a:scrgbClr r="0" g="0" b="0"/>
+        </a:lnRef>
+        <a:fillRef idx="0">
+          <a:scrgbClr r="0" g="0" b="0"/>
+        </a:fillRef>
+        <a:effectRef idx="0">
+          <a:scrgbClr r="0" g="0" b="0"/>
+        </a:effectRef>
+        <a:fontRef idx="minor"/>
+      </dsp:style>
+    </dsp:sp>
+    <dsp:sp modelId="{CC5F667F-46C4-4485-9E59-D9148B74D5DF}">
+      <dsp:nvSpPr>
+        <dsp:cNvPr id="0" name=""/>
+        <dsp:cNvSpPr/>
+      </dsp:nvSpPr>
+      <dsp:spPr>
+        <a:xfrm>
+          <a:off x="0" y="327157"/>
+          <a:ext cx="2733986" cy="879541"/>
         </a:xfrm>
         <a:prstGeom prst="roundRect">
-          <a:avLst>
-            <a:gd name="adj" fmla="val 10000"/>
-          </a:avLst>
+          <a:avLst/>
         </a:prstGeom>
         <a:solidFill>
           <a:schemeClr val="accent1">
@@ -8225,12 +8988,12 @@
         </a:fontRef>
       </dsp:style>
       <dsp:txBody>
-        <a:bodyPr spcFirstLastPara="0" vert="horz" wrap="square" lIns="38100" tIns="38100" rIns="38100" bIns="38100" numCol="1" spcCol="1270" anchor="ctr" anchorCtr="0">
+        <a:bodyPr spcFirstLastPara="0" vert="horz" wrap="square" lIns="10160" tIns="10160" rIns="10160" bIns="10160" numCol="1" spcCol="1270" anchor="ctr" anchorCtr="0">
           <a:noAutofit/>
         </a:bodyPr>
         <a:lstStyle/>
         <a:p>
-          <a:pPr marL="0" lvl="0" indent="0" algn="ctr" defTabSz="444500">
+          <a:pPr marL="0" lvl="0" indent="0" algn="ctr" defTabSz="711200">
             <a:lnSpc>
               <a:spcPct val="90000"/>
             </a:lnSpc>
@@ -8243,93 +9006,29 @@
             <a:buNone/>
           </a:pPr>
           <a:r>
-            <a:rPr lang="en-US" sz="1000" kern="1200" dirty="0"/>
-            <a:t>Quantum Device Simulations</a:t>
+            <a:rPr lang="en-US" sz="1600" kern="1200" dirty="0"/>
+            <a:t>Device</a:t>
           </a:r>
-          <a:endParaRPr lang="en-DK" sz="1000" kern="1200" dirty="0"/>
+          <a:endParaRPr lang="en-DK" sz="1600" kern="1200" dirty="0"/>
         </a:p>
       </dsp:txBody>
       <dsp:txXfrm>
-        <a:off x="6439330" y="1280603"/>
-        <a:ext cx="761384" cy="497275"/>
+        <a:off x="42936" y="370093"/>
+        <a:ext cx="2648114" cy="793669"/>
       </dsp:txXfrm>
     </dsp:sp>
-    <dsp:sp modelId="{F6B7A69A-8B6D-4C16-8921-C3523FE4D227}">
+    <dsp:sp modelId="{E438104F-CDF6-4E1B-A2DC-6F172DCE0763}">
       <dsp:nvSpPr>
         <dsp:cNvPr id="0" name=""/>
         <dsp:cNvSpPr/>
       </dsp:nvSpPr>
       <dsp:spPr>
         <a:xfrm>
-          <a:off x="4502467" y="1793350"/>
-          <a:ext cx="2317555" cy="211287"/>
-        </a:xfrm>
-        <a:custGeom>
-          <a:avLst/>
-          <a:gdLst/>
-          <a:ahLst/>
-          <a:cxnLst/>
-          <a:rect l="0" t="0" r="0" b="0"/>
-          <a:pathLst>
-            <a:path>
-              <a:moveTo>
-                <a:pt x="2317555" y="0"/>
-              </a:moveTo>
-              <a:lnTo>
-                <a:pt x="2317555" y="105643"/>
-              </a:lnTo>
-              <a:lnTo>
-                <a:pt x="0" y="105643"/>
-              </a:lnTo>
-              <a:lnTo>
-                <a:pt x="0" y="211287"/>
-              </a:lnTo>
-            </a:path>
-          </a:pathLst>
-        </a:custGeom>
-        <a:noFill/>
-        <a:ln w="12700" cap="flat" cmpd="sng" algn="ctr">
-          <a:solidFill>
-            <a:schemeClr val="accent1">
-              <a:shade val="60000"/>
-              <a:hueOff val="0"/>
-              <a:satOff val="0"/>
-              <a:lumOff val="0"/>
-              <a:alphaOff val="0"/>
-            </a:schemeClr>
-          </a:solidFill>
-          <a:prstDash val="solid"/>
-          <a:miter lim="800000"/>
-        </a:ln>
-        <a:effectLst/>
-      </dsp:spPr>
-      <dsp:style>
-        <a:lnRef idx="2">
-          <a:scrgbClr r="0" g="0" b="0"/>
-        </a:lnRef>
-        <a:fillRef idx="0">
-          <a:scrgbClr r="0" g="0" b="0"/>
-        </a:fillRef>
-        <a:effectRef idx="0">
-          <a:scrgbClr r="0" g="0" b="0"/>
-        </a:effectRef>
-        <a:fontRef idx="minor"/>
-      </dsp:style>
-    </dsp:sp>
-    <dsp:sp modelId="{59AEF846-7826-4BA9-B5C5-E2FDA3940C85}">
-      <dsp:nvSpPr>
-        <dsp:cNvPr id="0" name=""/>
-        <dsp:cNvSpPr/>
-      </dsp:nvSpPr>
-      <dsp:spPr>
-        <a:xfrm>
-          <a:off x="4106304" y="2004637"/>
-          <a:ext cx="792326" cy="528217"/>
+          <a:off x="4391433" y="3138"/>
+          <a:ext cx="2733986" cy="399924"/>
         </a:xfrm>
         <a:prstGeom prst="roundRect">
-          <a:avLst>
-            <a:gd name="adj" fmla="val 10000"/>
-          </a:avLst>
+          <a:avLst/>
         </a:prstGeom>
         <a:solidFill>
           <a:schemeClr val="accent1">
@@ -8368,12 +9067,12 @@
         </a:fontRef>
       </dsp:style>
       <dsp:txBody>
-        <a:bodyPr spcFirstLastPara="0" vert="horz" wrap="square" lIns="38100" tIns="38100" rIns="38100" bIns="38100" numCol="1" spcCol="1270" anchor="ctr" anchorCtr="0">
+        <a:bodyPr spcFirstLastPara="0" vert="horz" wrap="square" lIns="10160" tIns="10160" rIns="10160" bIns="10160" numCol="1" spcCol="1270" anchor="ctr" anchorCtr="0">
           <a:noAutofit/>
         </a:bodyPr>
         <a:lstStyle/>
         <a:p>
-          <a:pPr marL="0" lvl="0" indent="0" algn="ctr" defTabSz="444500">
+          <a:pPr marL="0" lvl="0" indent="0" algn="ctr" defTabSz="711200">
             <a:lnSpc>
               <a:spcPct val="90000"/>
             </a:lnSpc>
@@ -8386,93 +9085,29 @@
             <a:buNone/>
           </a:pPr>
           <a:r>
-            <a:rPr lang="en-US" sz="1000" kern="1200" dirty="0"/>
-            <a:t>Device</a:t>
+            <a:rPr lang="en-US" sz="1600" kern="1200" dirty="0"/>
+            <a:t>Transmon + Qubit</a:t>
           </a:r>
-          <a:endParaRPr lang="en-DK" sz="1000" kern="1200" dirty="0"/>
+          <a:endParaRPr lang="en-DK" sz="1600" kern="1200" dirty="0"/>
         </a:p>
       </dsp:txBody>
       <dsp:txXfrm>
-        <a:off x="4121775" y="2020108"/>
-        <a:ext cx="761384" cy="497275"/>
+        <a:off x="4410956" y="22661"/>
+        <a:ext cx="2694940" cy="360878"/>
       </dsp:txXfrm>
     </dsp:sp>
-    <dsp:sp modelId="{F4D51FCC-5DE7-49B1-9B92-EE4808B9DD3A}">
+    <dsp:sp modelId="{ECA990E3-ECE6-45A2-A6AC-8E1A2BF52521}">
       <dsp:nvSpPr>
         <dsp:cNvPr id="0" name=""/>
         <dsp:cNvSpPr/>
       </dsp:nvSpPr>
       <dsp:spPr>
         <a:xfrm>
-          <a:off x="3472443" y="2532855"/>
-          <a:ext cx="1030024" cy="211287"/>
-        </a:xfrm>
-        <a:custGeom>
-          <a:avLst/>
-          <a:gdLst/>
-          <a:ahLst/>
-          <a:cxnLst/>
-          <a:rect l="0" t="0" r="0" b="0"/>
-          <a:pathLst>
-            <a:path>
-              <a:moveTo>
-                <a:pt x="1030024" y="0"/>
-              </a:moveTo>
-              <a:lnTo>
-                <a:pt x="1030024" y="105643"/>
-              </a:lnTo>
-              <a:lnTo>
-                <a:pt x="0" y="105643"/>
-              </a:lnTo>
-              <a:lnTo>
-                <a:pt x="0" y="211287"/>
-              </a:lnTo>
-            </a:path>
-          </a:pathLst>
-        </a:custGeom>
-        <a:noFill/>
-        <a:ln w="12700" cap="flat" cmpd="sng" algn="ctr">
-          <a:solidFill>
-            <a:schemeClr val="accent1">
-              <a:shade val="80000"/>
-              <a:hueOff val="0"/>
-              <a:satOff val="0"/>
-              <a:lumOff val="0"/>
-              <a:alphaOff val="0"/>
-            </a:schemeClr>
-          </a:solidFill>
-          <a:prstDash val="solid"/>
-          <a:miter lim="800000"/>
-        </a:ln>
-        <a:effectLst/>
-      </dsp:spPr>
-      <dsp:style>
-        <a:lnRef idx="2">
-          <a:scrgbClr r="0" g="0" b="0"/>
-        </a:lnRef>
-        <a:fillRef idx="0">
-          <a:scrgbClr r="0" g="0" b="0"/>
-        </a:fillRef>
-        <a:effectRef idx="0">
-          <a:scrgbClr r="0" g="0" b="0"/>
-        </a:effectRef>
-        <a:fontRef idx="minor"/>
-      </dsp:style>
-    </dsp:sp>
-    <dsp:sp modelId="{01588D25-5D64-48CE-A8B7-2913BB5673DD}">
-      <dsp:nvSpPr>
-        <dsp:cNvPr id="0" name=""/>
-        <dsp:cNvSpPr/>
-      </dsp:nvSpPr>
-      <dsp:spPr>
-        <a:xfrm>
-          <a:off x="3076279" y="2744142"/>
-          <a:ext cx="792326" cy="528217"/>
+          <a:off x="4391433" y="566966"/>
+          <a:ext cx="2733986" cy="399924"/>
         </a:xfrm>
         <a:prstGeom prst="roundRect">
-          <a:avLst>
-            <a:gd name="adj" fmla="val 10000"/>
-          </a:avLst>
+          <a:avLst/>
         </a:prstGeom>
         <a:solidFill>
           <a:schemeClr val="accent1">
@@ -8511,12 +9146,12 @@
         </a:fontRef>
       </dsp:style>
       <dsp:txBody>
-        <a:bodyPr spcFirstLastPara="0" vert="horz" wrap="square" lIns="38100" tIns="38100" rIns="38100" bIns="38100" numCol="1" spcCol="1270" anchor="ctr" anchorCtr="0">
+        <a:bodyPr spcFirstLastPara="0" vert="horz" wrap="square" lIns="10160" tIns="10160" rIns="10160" bIns="10160" numCol="1" spcCol="1270" anchor="ctr" anchorCtr="0">
           <a:noAutofit/>
         </a:bodyPr>
         <a:lstStyle/>
         <a:p>
-          <a:pPr marL="0" lvl="0" indent="0" algn="ctr" defTabSz="444500">
+          <a:pPr marL="0" lvl="0" indent="0" algn="ctr" defTabSz="711200">
             <a:lnSpc>
               <a:spcPct val="90000"/>
             </a:lnSpc>
@@ -8529,87 +9164,29 @@
             <a:buNone/>
           </a:pPr>
           <a:r>
-            <a:rPr lang="en-US" sz="1000" kern="1200" dirty="0" err="1"/>
-            <a:t>Transmon</a:t>
+            <a:rPr lang="en-US" sz="1600" kern="1200" dirty="0"/>
+            <a:t>Resonator</a:t>
           </a:r>
-          <a:endParaRPr lang="en-DK" sz="1000" kern="1200" dirty="0"/>
+          <a:endParaRPr lang="en-DK" sz="1600" kern="1200" dirty="0"/>
         </a:p>
       </dsp:txBody>
       <dsp:txXfrm>
-        <a:off x="3091750" y="2759613"/>
-        <a:ext cx="761384" cy="497275"/>
+        <a:off x="4410956" y="586489"/>
+        <a:ext cx="2694940" cy="360878"/>
       </dsp:txXfrm>
     </dsp:sp>
-    <dsp:sp modelId="{A206A46E-4944-45A3-B9CD-A0FF110D2C53}">
+    <dsp:sp modelId="{71B2C8E4-D8BA-4755-99B2-280EE1529B9B}">
       <dsp:nvSpPr>
         <dsp:cNvPr id="0" name=""/>
         <dsp:cNvSpPr/>
       </dsp:nvSpPr>
       <dsp:spPr>
         <a:xfrm>
-          <a:off x="4456747" y="2532855"/>
-          <a:ext cx="91440" cy="211287"/>
-        </a:xfrm>
-        <a:custGeom>
-          <a:avLst/>
-          <a:gdLst/>
-          <a:ahLst/>
-          <a:cxnLst/>
-          <a:rect l="0" t="0" r="0" b="0"/>
-          <a:pathLst>
-            <a:path>
-              <a:moveTo>
-                <a:pt x="45720" y="0"/>
-              </a:moveTo>
-              <a:lnTo>
-                <a:pt x="45720" y="211287"/>
-              </a:lnTo>
-            </a:path>
-          </a:pathLst>
-        </a:custGeom>
-        <a:noFill/>
-        <a:ln w="12700" cap="flat" cmpd="sng" algn="ctr">
-          <a:solidFill>
-            <a:schemeClr val="accent1">
-              <a:shade val="80000"/>
-              <a:hueOff val="0"/>
-              <a:satOff val="0"/>
-              <a:lumOff val="0"/>
-              <a:alphaOff val="0"/>
-            </a:schemeClr>
-          </a:solidFill>
-          <a:prstDash val="solid"/>
-          <a:miter lim="800000"/>
-        </a:ln>
-        <a:effectLst/>
-      </dsp:spPr>
-      <dsp:style>
-        <a:lnRef idx="2">
-          <a:scrgbClr r="0" g="0" b="0"/>
-        </a:lnRef>
-        <a:fillRef idx="0">
-          <a:scrgbClr r="0" g="0" b="0"/>
-        </a:fillRef>
-        <a:effectRef idx="0">
-          <a:scrgbClr r="0" g="0" b="0"/>
-        </a:effectRef>
-        <a:fontRef idx="minor"/>
-      </dsp:style>
-    </dsp:sp>
-    <dsp:sp modelId="{ACD2C89B-9C5D-460A-8B27-B76F40E8A865}">
-      <dsp:nvSpPr>
-        <dsp:cNvPr id="0" name=""/>
-        <dsp:cNvSpPr/>
-      </dsp:nvSpPr>
-      <dsp:spPr>
-        <a:xfrm>
-          <a:off x="4106304" y="2744142"/>
-          <a:ext cx="792326" cy="528217"/>
+          <a:off x="4391433" y="1130793"/>
+          <a:ext cx="2733986" cy="399924"/>
         </a:xfrm>
         <a:prstGeom prst="roundRect">
-          <a:avLst>
-            <a:gd name="adj" fmla="val 10000"/>
-          </a:avLst>
+          <a:avLst/>
         </a:prstGeom>
         <a:solidFill>
           <a:schemeClr val="accent1">
@@ -8648,12 +9225,12 @@
         </a:fontRef>
       </dsp:style>
       <dsp:txBody>
-        <a:bodyPr spcFirstLastPara="0" vert="horz" wrap="square" lIns="38100" tIns="38100" rIns="38100" bIns="38100" numCol="1" spcCol="1270" anchor="ctr" anchorCtr="0">
+        <a:bodyPr spcFirstLastPara="0" vert="horz" wrap="square" lIns="10160" tIns="10160" rIns="10160" bIns="10160" numCol="1" spcCol="1270" anchor="ctr" anchorCtr="0">
           <a:noAutofit/>
         </a:bodyPr>
         <a:lstStyle/>
         <a:p>
-          <a:pPr marL="0" lvl="0" indent="0" algn="ctr" defTabSz="444500">
+          <a:pPr marL="0" lvl="0" indent="0" algn="ctr" defTabSz="711200">
             <a:lnSpc>
               <a:spcPct val="90000"/>
             </a:lnSpc>
@@ -8666,101 +9243,32 @@
             <a:buNone/>
           </a:pPr>
           <a:r>
-            <a:rPr lang="en-US" sz="1000" kern="1200"/>
-            <a:t>Resonator</a:t>
+            <a:rPr lang="en-US" sz="1600" kern="1200" dirty="0"/>
+            <a:t>Pulses</a:t>
           </a:r>
-          <a:endParaRPr lang="en-DK" sz="1000" kern="1200"/>
+          <a:endParaRPr lang="en-DK" sz="1600" kern="1200" dirty="0"/>
         </a:p>
       </dsp:txBody>
       <dsp:txXfrm>
-        <a:off x="4121775" y="2759613"/>
-        <a:ext cx="761384" cy="497275"/>
+        <a:off x="4410956" y="1150316"/>
+        <a:ext cx="2694940" cy="360878"/>
       </dsp:txXfrm>
     </dsp:sp>
-    <dsp:sp modelId="{D789E02D-40A2-4193-86F5-C8C750EF33C5}">
+    <dsp:sp modelId="{767D0E11-98D2-4C98-B3C0-0B8146BDCAB2}">
       <dsp:nvSpPr>
         <dsp:cNvPr id="0" name=""/>
         <dsp:cNvSpPr/>
       </dsp:nvSpPr>
       <dsp:spPr>
         <a:xfrm>
-          <a:off x="4502467" y="2532855"/>
-          <a:ext cx="1052946" cy="223161"/>
-        </a:xfrm>
-        <a:custGeom>
-          <a:avLst/>
-          <a:gdLst/>
-          <a:ahLst/>
-          <a:cxnLst/>
-          <a:rect l="0" t="0" r="0" b="0"/>
-          <a:pathLst>
-            <a:path>
-              <a:moveTo>
-                <a:pt x="0" y="0"/>
-              </a:moveTo>
-              <a:lnTo>
-                <a:pt x="0" y="111580"/>
-              </a:lnTo>
-              <a:lnTo>
-                <a:pt x="1052946" y="111580"/>
-              </a:lnTo>
-              <a:lnTo>
-                <a:pt x="1052946" y="223161"/>
-              </a:lnTo>
-            </a:path>
-          </a:pathLst>
-        </a:custGeom>
-        <a:noFill/>
-        <a:ln w="12700" cap="flat" cmpd="sng" algn="ctr">
-          <a:solidFill>
-            <a:schemeClr val="accent1">
-              <a:shade val="80000"/>
-              <a:hueOff val="0"/>
-              <a:satOff val="0"/>
-              <a:lumOff val="0"/>
-              <a:alphaOff val="0"/>
-            </a:schemeClr>
-          </a:solidFill>
-          <a:prstDash val="solid"/>
-          <a:miter lim="800000"/>
-        </a:ln>
-        <a:effectLst/>
-      </dsp:spPr>
-      <dsp:style>
-        <a:lnRef idx="2">
-          <a:scrgbClr r="0" g="0" b="0"/>
-        </a:lnRef>
-        <a:fillRef idx="0">
-          <a:scrgbClr r="0" g="0" b="0"/>
-        </a:fillRef>
-        <a:effectRef idx="0">
-          <a:scrgbClr r="0" g="0" b="0"/>
-        </a:effectRef>
-        <a:fontRef idx="minor"/>
-      </dsp:style>
-    </dsp:sp>
-    <dsp:sp modelId="{AC03C92E-A60B-4C95-B337-37108B33C1A7}">
-      <dsp:nvSpPr>
-        <dsp:cNvPr id="0" name=""/>
-        <dsp:cNvSpPr/>
-      </dsp:nvSpPr>
-      <dsp:spPr>
-        <a:xfrm>
-          <a:off x="5159250" y="2756016"/>
-          <a:ext cx="792326" cy="528217"/>
+          <a:off x="0" y="2018640"/>
+          <a:ext cx="2733986" cy="879541"/>
         </a:xfrm>
         <a:prstGeom prst="roundRect">
-          <a:avLst>
-            <a:gd name="adj" fmla="val 10000"/>
-          </a:avLst>
+          <a:avLst/>
         </a:prstGeom>
         <a:solidFill>
-          <a:schemeClr val="accent1">
-            <a:hueOff val="0"/>
-            <a:satOff val="0"/>
-            <a:lumOff val="0"/>
-            <a:alphaOff val="0"/>
-          </a:schemeClr>
+          <a:schemeClr val="accent2"/>
         </a:solidFill>
         <a:ln w="12700" cap="flat" cmpd="sng" algn="ctr">
           <a:solidFill>
@@ -8791,12 +9299,12 @@
         </a:fontRef>
       </dsp:style>
       <dsp:txBody>
-        <a:bodyPr spcFirstLastPara="0" vert="horz" wrap="square" lIns="38100" tIns="38100" rIns="38100" bIns="38100" numCol="1" spcCol="1270" anchor="ctr" anchorCtr="0">
+        <a:bodyPr spcFirstLastPara="0" vert="horz" wrap="square" lIns="10160" tIns="10160" rIns="10160" bIns="10160" numCol="1" spcCol="1270" anchor="ctr" anchorCtr="0">
           <a:noAutofit/>
         </a:bodyPr>
         <a:lstStyle/>
         <a:p>
-          <a:pPr marL="0" lvl="0" indent="0" algn="ctr" defTabSz="444500">
+          <a:pPr marL="0" lvl="0" indent="0" algn="ctr" defTabSz="711200">
             <a:lnSpc>
               <a:spcPct val="90000"/>
             </a:lnSpc>
@@ -8809,101 +9317,32 @@
             <a:buNone/>
           </a:pPr>
           <a:r>
-            <a:rPr lang="en-US" sz="1000" kern="1200"/>
-            <a:t>Pulses</a:t>
+            <a:rPr lang="en-US" sz="1600" kern="1200" dirty="0"/>
+            <a:t>System</a:t>
           </a:r>
-          <a:endParaRPr lang="en-DK" sz="1000" kern="1200"/>
+          <a:endParaRPr lang="en-DK" sz="1600" kern="1200" dirty="0"/>
         </a:p>
       </dsp:txBody>
       <dsp:txXfrm>
-        <a:off x="5174721" y="2771487"/>
-        <a:ext cx="761384" cy="497275"/>
+        <a:off x="42936" y="2061576"/>
+        <a:ext cx="2648114" cy="793669"/>
       </dsp:txXfrm>
     </dsp:sp>
-    <dsp:sp modelId="{E40632ED-E683-4752-9734-5A883FE3A15E}">
+    <dsp:sp modelId="{4F92BCA7-1AA6-460B-ACB7-24585056D38B}">
       <dsp:nvSpPr>
         <dsp:cNvPr id="0" name=""/>
         <dsp:cNvSpPr/>
       </dsp:nvSpPr>
       <dsp:spPr>
         <a:xfrm>
-          <a:off x="6820022" y="1793350"/>
-          <a:ext cx="257506" cy="211287"/>
-        </a:xfrm>
-        <a:custGeom>
-          <a:avLst/>
-          <a:gdLst/>
-          <a:ahLst/>
-          <a:cxnLst/>
-          <a:rect l="0" t="0" r="0" b="0"/>
-          <a:pathLst>
-            <a:path>
-              <a:moveTo>
-                <a:pt x="0" y="0"/>
-              </a:moveTo>
-              <a:lnTo>
-                <a:pt x="0" y="105643"/>
-              </a:lnTo>
-              <a:lnTo>
-                <a:pt x="257506" y="105643"/>
-              </a:lnTo>
-              <a:lnTo>
-                <a:pt x="257506" y="211287"/>
-              </a:lnTo>
-            </a:path>
-          </a:pathLst>
-        </a:custGeom>
-        <a:noFill/>
-        <a:ln w="12700" cap="flat" cmpd="sng" algn="ctr">
-          <a:solidFill>
-            <a:schemeClr val="accent1">
-              <a:shade val="60000"/>
-              <a:hueOff val="0"/>
-              <a:satOff val="0"/>
-              <a:lumOff val="0"/>
-              <a:alphaOff val="0"/>
-            </a:schemeClr>
-          </a:solidFill>
-          <a:prstDash val="solid"/>
-          <a:miter lim="800000"/>
-        </a:ln>
-        <a:effectLst/>
-      </dsp:spPr>
-      <dsp:style>
-        <a:lnRef idx="2">
-          <a:scrgbClr r="0" g="0" b="0"/>
-        </a:lnRef>
-        <a:fillRef idx="0">
-          <a:scrgbClr r="0" g="0" b="0"/>
-        </a:fillRef>
-        <a:effectRef idx="0">
-          <a:scrgbClr r="0" g="0" b="0"/>
-        </a:effectRef>
-        <a:fontRef idx="minor"/>
-      </dsp:style>
-    </dsp:sp>
-    <dsp:sp modelId="{84586D6D-4863-4642-93F7-632AD100BC45}">
-      <dsp:nvSpPr>
-        <dsp:cNvPr id="0" name=""/>
-        <dsp:cNvSpPr/>
-      </dsp:nvSpPr>
-      <dsp:spPr>
-        <a:xfrm>
-          <a:off x="6681365" y="2004637"/>
-          <a:ext cx="792326" cy="528217"/>
+          <a:off x="4391433" y="1694621"/>
+          <a:ext cx="2733986" cy="399924"/>
         </a:xfrm>
         <a:prstGeom prst="roundRect">
-          <a:avLst>
-            <a:gd name="adj" fmla="val 10000"/>
-          </a:avLst>
+          <a:avLst/>
         </a:prstGeom>
         <a:solidFill>
-          <a:schemeClr val="accent1">
-            <a:hueOff val="0"/>
-            <a:satOff val="0"/>
-            <a:lumOff val="0"/>
-            <a:alphaOff val="0"/>
-          </a:schemeClr>
+          <a:schemeClr val="accent2"/>
         </a:solidFill>
         <a:ln w="12700" cap="flat" cmpd="sng" algn="ctr">
           <a:solidFill>
@@ -8934,12 +9373,12 @@
         </a:fontRef>
       </dsp:style>
       <dsp:txBody>
-        <a:bodyPr spcFirstLastPara="0" vert="horz" wrap="square" lIns="38100" tIns="38100" rIns="38100" bIns="38100" numCol="1" spcCol="1270" anchor="ctr" anchorCtr="0">
+        <a:bodyPr spcFirstLastPara="0" vert="horz" wrap="square" lIns="10160" tIns="10160" rIns="10160" bIns="10160" numCol="1" spcCol="1270" anchor="ctr" anchorCtr="0">
           <a:noAutofit/>
         </a:bodyPr>
         <a:lstStyle/>
         <a:p>
-          <a:pPr marL="0" lvl="0" indent="0" algn="ctr" defTabSz="444500">
+          <a:pPr marL="0" lvl="0" indent="0" algn="ctr" defTabSz="711200">
             <a:lnSpc>
               <a:spcPct val="90000"/>
             </a:lnSpc>
@@ -8952,101 +9391,32 @@
             <a:buNone/>
           </a:pPr>
           <a:r>
-            <a:rPr lang="en-US" sz="1000" kern="1200" dirty="0"/>
-            <a:t>System</a:t>
+            <a:rPr lang="en-US" sz="1600" kern="1200" dirty="0"/>
+            <a:t>Resonator + Qubit</a:t>
           </a:r>
-          <a:endParaRPr lang="en-DK" sz="1000" kern="1200" dirty="0"/>
+          <a:endParaRPr lang="en-DK" sz="1600" kern="1200" dirty="0"/>
         </a:p>
       </dsp:txBody>
       <dsp:txXfrm>
-        <a:off x="6696836" y="2020108"/>
-        <a:ext cx="761384" cy="497275"/>
+        <a:off x="4410956" y="1714144"/>
+        <a:ext cx="2694940" cy="360878"/>
       </dsp:txXfrm>
     </dsp:sp>
-    <dsp:sp modelId="{7696CD6D-6EB2-41C8-A018-90B7AC259437}">
+    <dsp:sp modelId="{E754C1CF-B47A-46AC-B34D-988C6B05804A}">
       <dsp:nvSpPr>
         <dsp:cNvPr id="0" name=""/>
         <dsp:cNvSpPr/>
       </dsp:nvSpPr>
       <dsp:spPr>
         <a:xfrm>
-          <a:off x="6562516" y="2532855"/>
-          <a:ext cx="515012" cy="211287"/>
-        </a:xfrm>
-        <a:custGeom>
-          <a:avLst/>
-          <a:gdLst/>
-          <a:ahLst/>
-          <a:cxnLst/>
-          <a:rect l="0" t="0" r="0" b="0"/>
-          <a:pathLst>
-            <a:path>
-              <a:moveTo>
-                <a:pt x="515012" y="0"/>
-              </a:moveTo>
-              <a:lnTo>
-                <a:pt x="515012" y="105643"/>
-              </a:lnTo>
-              <a:lnTo>
-                <a:pt x="0" y="105643"/>
-              </a:lnTo>
-              <a:lnTo>
-                <a:pt x="0" y="211287"/>
-              </a:lnTo>
-            </a:path>
-          </a:pathLst>
-        </a:custGeom>
-        <a:noFill/>
-        <a:ln w="12700" cap="flat" cmpd="sng" algn="ctr">
-          <a:solidFill>
-            <a:schemeClr val="accent1">
-              <a:shade val="80000"/>
-              <a:hueOff val="0"/>
-              <a:satOff val="0"/>
-              <a:lumOff val="0"/>
-              <a:alphaOff val="0"/>
-            </a:schemeClr>
-          </a:solidFill>
-          <a:prstDash val="solid"/>
-          <a:miter lim="800000"/>
-        </a:ln>
-        <a:effectLst/>
-      </dsp:spPr>
-      <dsp:style>
-        <a:lnRef idx="2">
-          <a:scrgbClr r="0" g="0" b="0"/>
-        </a:lnRef>
-        <a:fillRef idx="0">
-          <a:scrgbClr r="0" g="0" b="0"/>
-        </a:fillRef>
-        <a:effectRef idx="0">
-          <a:scrgbClr r="0" g="0" b="0"/>
-        </a:effectRef>
-        <a:fontRef idx="minor"/>
-      </dsp:style>
-    </dsp:sp>
-    <dsp:sp modelId="{3B865202-3280-415E-80CD-3AF5708D8C2F}">
-      <dsp:nvSpPr>
-        <dsp:cNvPr id="0" name=""/>
-        <dsp:cNvSpPr/>
-      </dsp:nvSpPr>
-      <dsp:spPr>
-        <a:xfrm>
-          <a:off x="6166353" y="2744142"/>
-          <a:ext cx="792326" cy="528217"/>
+          <a:off x="4391433" y="2258449"/>
+          <a:ext cx="2733986" cy="399924"/>
         </a:xfrm>
         <a:prstGeom prst="roundRect">
-          <a:avLst>
-            <a:gd name="adj" fmla="val 10000"/>
-          </a:avLst>
+          <a:avLst/>
         </a:prstGeom>
         <a:solidFill>
-          <a:schemeClr val="accent1">
-            <a:hueOff val="0"/>
-            <a:satOff val="0"/>
-            <a:lumOff val="0"/>
-            <a:alphaOff val="0"/>
-          </a:schemeClr>
+          <a:schemeClr val="accent2"/>
         </a:solidFill>
         <a:ln w="12700" cap="flat" cmpd="sng" algn="ctr">
           <a:solidFill>
@@ -9077,12 +9447,12 @@
         </a:fontRef>
       </dsp:style>
       <dsp:txBody>
-        <a:bodyPr spcFirstLastPara="0" vert="horz" wrap="square" lIns="38100" tIns="38100" rIns="38100" bIns="38100" numCol="1" spcCol="1270" anchor="ctr" anchorCtr="0">
+        <a:bodyPr spcFirstLastPara="0" vert="horz" wrap="square" lIns="10160" tIns="10160" rIns="10160" bIns="10160" numCol="1" spcCol="1270" anchor="ctr" anchorCtr="0">
           <a:noAutofit/>
         </a:bodyPr>
         <a:lstStyle/>
         <a:p>
-          <a:pPr marL="0" lvl="0" indent="0" algn="ctr" defTabSz="444500">
+          <a:pPr marL="0" lvl="0" indent="0" algn="ctr" defTabSz="711200">
             <a:lnSpc>
               <a:spcPct val="90000"/>
             </a:lnSpc>
@@ -9095,101 +9465,32 @@
             <a:buNone/>
           </a:pPr>
           <a:r>
-            <a:rPr lang="en-US" sz="1000" kern="1200" dirty="0"/>
-            <a:t>Resonator + Qubit</a:t>
+            <a:rPr lang="en-US" sz="1600" kern="1200" dirty="0"/>
+            <a:t>Dispersive (res &amp; qubit)</a:t>
           </a:r>
-          <a:endParaRPr lang="en-DK" sz="1000" kern="1200" dirty="0"/>
+          <a:endParaRPr lang="en-DK" sz="1600" kern="1200" dirty="0"/>
         </a:p>
       </dsp:txBody>
       <dsp:txXfrm>
-        <a:off x="6181824" y="2759613"/>
-        <a:ext cx="761384" cy="497275"/>
+        <a:off x="4410956" y="2277972"/>
+        <a:ext cx="2694940" cy="360878"/>
       </dsp:txXfrm>
     </dsp:sp>
-    <dsp:sp modelId="{B6E253E3-477D-41DE-A55A-CA8702767238}">
+    <dsp:sp modelId="{A0372DE6-F9A6-4643-907F-EBE01B0496BC}">
       <dsp:nvSpPr>
         <dsp:cNvPr id="0" name=""/>
         <dsp:cNvSpPr/>
       </dsp:nvSpPr>
       <dsp:spPr>
         <a:xfrm>
-          <a:off x="7077528" y="2532855"/>
-          <a:ext cx="515012" cy="211287"/>
-        </a:xfrm>
-        <a:custGeom>
-          <a:avLst/>
-          <a:gdLst/>
-          <a:ahLst/>
-          <a:cxnLst/>
-          <a:rect l="0" t="0" r="0" b="0"/>
-          <a:pathLst>
-            <a:path>
-              <a:moveTo>
-                <a:pt x="0" y="0"/>
-              </a:moveTo>
-              <a:lnTo>
-                <a:pt x="0" y="105643"/>
-              </a:lnTo>
-              <a:lnTo>
-                <a:pt x="515012" y="105643"/>
-              </a:lnTo>
-              <a:lnTo>
-                <a:pt x="515012" y="211287"/>
-              </a:lnTo>
-            </a:path>
-          </a:pathLst>
-        </a:custGeom>
-        <a:noFill/>
-        <a:ln w="12700" cap="flat" cmpd="sng" algn="ctr">
-          <a:solidFill>
-            <a:schemeClr val="accent1">
-              <a:shade val="80000"/>
-              <a:hueOff val="0"/>
-              <a:satOff val="0"/>
-              <a:lumOff val="0"/>
-              <a:alphaOff val="0"/>
-            </a:schemeClr>
-          </a:solidFill>
-          <a:prstDash val="solid"/>
-          <a:miter lim="800000"/>
-        </a:ln>
-        <a:effectLst/>
-      </dsp:spPr>
-      <dsp:style>
-        <a:lnRef idx="2">
-          <a:scrgbClr r="0" g="0" b="0"/>
-        </a:lnRef>
-        <a:fillRef idx="0">
-          <a:scrgbClr r="0" g="0" b="0"/>
-        </a:fillRef>
-        <a:effectRef idx="0">
-          <a:scrgbClr r="0" g="0" b="0"/>
-        </a:effectRef>
-        <a:fontRef idx="minor"/>
-      </dsp:style>
-    </dsp:sp>
-    <dsp:sp modelId="{AB3B373D-5BDF-4087-9AF0-831C2D0BDBDB}">
-      <dsp:nvSpPr>
-        <dsp:cNvPr id="0" name=""/>
-        <dsp:cNvSpPr/>
-      </dsp:nvSpPr>
-      <dsp:spPr>
-        <a:xfrm>
-          <a:off x="7196377" y="2744142"/>
-          <a:ext cx="792326" cy="528217"/>
+          <a:off x="4391433" y="2822276"/>
+          <a:ext cx="2733986" cy="399924"/>
         </a:xfrm>
         <a:prstGeom prst="roundRect">
-          <a:avLst>
-            <a:gd name="adj" fmla="val 10000"/>
-          </a:avLst>
+          <a:avLst/>
         </a:prstGeom>
         <a:solidFill>
-          <a:schemeClr val="accent1">
-            <a:hueOff val="0"/>
-            <a:satOff val="0"/>
-            <a:lumOff val="0"/>
-            <a:alphaOff val="0"/>
-          </a:schemeClr>
+          <a:schemeClr val="accent2"/>
         </a:solidFill>
         <a:ln w="12700" cap="flat" cmpd="sng" algn="ctr">
           <a:solidFill>
@@ -9220,12 +9521,12 @@
         </a:fontRef>
       </dsp:style>
       <dsp:txBody>
-        <a:bodyPr spcFirstLastPara="0" vert="horz" wrap="square" lIns="38100" tIns="38100" rIns="38100" bIns="38100" numCol="1" spcCol="1270" anchor="ctr" anchorCtr="0">
+        <a:bodyPr spcFirstLastPara="0" vert="horz" wrap="square" lIns="10160" tIns="10160" rIns="10160" bIns="10160" numCol="1" spcCol="1270" anchor="ctr" anchorCtr="0">
           <a:noAutofit/>
         </a:bodyPr>
         <a:lstStyle/>
         <a:p>
-          <a:pPr marL="0" lvl="0" indent="0" algn="ctr" defTabSz="444500">
+          <a:pPr marL="0" lvl="0" indent="0" algn="ctr" defTabSz="711200">
             <a:lnSpc>
               <a:spcPct val="90000"/>
             </a:lnSpc>
@@ -9238,101 +9539,32 @@
             <a:buNone/>
           </a:pPr>
           <a:r>
-            <a:rPr lang="en-US" sz="1000" kern="1200"/>
-            <a:t>Resonator + Qubit (Dispersive)</a:t>
+            <a:rPr lang="en-US" sz="1600" kern="1200" dirty="0"/>
+            <a:t>Qubit System</a:t>
           </a:r>
-          <a:endParaRPr lang="en-DK" sz="1000" kern="1200"/>
+          <a:endParaRPr lang="en-DK" sz="1600" kern="1200" dirty="0"/>
         </a:p>
       </dsp:txBody>
       <dsp:txXfrm>
-        <a:off x="7211848" y="2759613"/>
-        <a:ext cx="761384" cy="497275"/>
+        <a:off x="4410956" y="2841799"/>
+        <a:ext cx="2694940" cy="360878"/>
       </dsp:txXfrm>
     </dsp:sp>
-    <dsp:sp modelId="{4AD105DE-8489-4228-8593-1C4AF6B9040B}">
+    <dsp:sp modelId="{0A51261F-82A1-49BB-A3D7-8E16343F06A9}">
       <dsp:nvSpPr>
         <dsp:cNvPr id="0" name=""/>
         <dsp:cNvSpPr/>
       </dsp:nvSpPr>
       <dsp:spPr>
         <a:xfrm>
-          <a:off x="6820022" y="1793350"/>
-          <a:ext cx="2317555" cy="211287"/>
-        </a:xfrm>
-        <a:custGeom>
-          <a:avLst/>
-          <a:gdLst/>
-          <a:ahLst/>
-          <a:cxnLst/>
-          <a:rect l="0" t="0" r="0" b="0"/>
-          <a:pathLst>
-            <a:path>
-              <a:moveTo>
-                <a:pt x="0" y="0"/>
-              </a:moveTo>
-              <a:lnTo>
-                <a:pt x="0" y="105643"/>
-              </a:lnTo>
-              <a:lnTo>
-                <a:pt x="2317555" y="105643"/>
-              </a:lnTo>
-              <a:lnTo>
-                <a:pt x="2317555" y="211287"/>
-              </a:lnTo>
-            </a:path>
-          </a:pathLst>
-        </a:custGeom>
-        <a:noFill/>
-        <a:ln w="12700" cap="flat" cmpd="sng" algn="ctr">
-          <a:solidFill>
-            <a:schemeClr val="accent1">
-              <a:shade val="60000"/>
-              <a:hueOff val="0"/>
-              <a:satOff val="0"/>
-              <a:lumOff val="0"/>
-              <a:alphaOff val="0"/>
-            </a:schemeClr>
-          </a:solidFill>
-          <a:prstDash val="solid"/>
-          <a:miter lim="800000"/>
-        </a:ln>
-        <a:effectLst/>
-      </dsp:spPr>
-      <dsp:style>
-        <a:lnRef idx="2">
-          <a:scrgbClr r="0" g="0" b="0"/>
-        </a:lnRef>
-        <a:fillRef idx="0">
-          <a:scrgbClr r="0" g="0" b="0"/>
-        </a:fillRef>
-        <a:effectRef idx="0">
-          <a:scrgbClr r="0" g="0" b="0"/>
-        </a:effectRef>
-        <a:fontRef idx="minor"/>
-      </dsp:style>
-    </dsp:sp>
-    <dsp:sp modelId="{49174A57-718D-4A22-B9C8-45A5FCA206EB}">
-      <dsp:nvSpPr>
-        <dsp:cNvPr id="0" name=""/>
-        <dsp:cNvSpPr/>
-      </dsp:nvSpPr>
-      <dsp:spPr>
-        <a:xfrm>
-          <a:off x="8741414" y="2004637"/>
-          <a:ext cx="792326" cy="528217"/>
+          <a:off x="0" y="3992037"/>
+          <a:ext cx="2733986" cy="879541"/>
         </a:xfrm>
         <a:prstGeom prst="roundRect">
-          <a:avLst>
-            <a:gd name="adj" fmla="val 10000"/>
-          </a:avLst>
+          <a:avLst/>
         </a:prstGeom>
         <a:solidFill>
-          <a:schemeClr val="accent1">
-            <a:hueOff val="0"/>
-            <a:satOff val="0"/>
-            <a:lumOff val="0"/>
-            <a:alphaOff val="0"/>
-          </a:schemeClr>
+          <a:schemeClr val="accent3"/>
         </a:solidFill>
         <a:ln w="12700" cap="flat" cmpd="sng" algn="ctr">
           <a:solidFill>
@@ -9363,12 +9595,12 @@
         </a:fontRef>
       </dsp:style>
       <dsp:txBody>
-        <a:bodyPr spcFirstLastPara="0" vert="horz" wrap="square" lIns="38100" tIns="38100" rIns="38100" bIns="38100" numCol="1" spcCol="1270" anchor="ctr" anchorCtr="0">
+        <a:bodyPr spcFirstLastPara="0" vert="horz" wrap="square" lIns="10160" tIns="10160" rIns="10160" bIns="10160" numCol="1" spcCol="1270" anchor="ctr" anchorCtr="0">
           <a:noAutofit/>
         </a:bodyPr>
         <a:lstStyle/>
         <a:p>
-          <a:pPr marL="0" lvl="0" indent="0" algn="ctr" defTabSz="444500">
+          <a:pPr marL="0" lvl="0" indent="0" algn="ctr" defTabSz="711200">
             <a:lnSpc>
               <a:spcPct val="90000"/>
             </a:lnSpc>
@@ -9381,101 +9613,32 @@
             <a:buNone/>
           </a:pPr>
           <a:r>
-            <a:rPr lang="en-US" sz="1000" kern="1200"/>
+            <a:rPr lang="en-US" sz="1600" kern="1200" dirty="0"/>
             <a:t>Experiment</a:t>
           </a:r>
-          <a:endParaRPr lang="en-DK" sz="1000" kern="1200"/>
+          <a:endParaRPr lang="en-DK" sz="1600" kern="1200" dirty="0"/>
         </a:p>
       </dsp:txBody>
       <dsp:txXfrm>
-        <a:off x="8756885" y="2020108"/>
-        <a:ext cx="761384" cy="497275"/>
+        <a:off x="42936" y="4034973"/>
+        <a:ext cx="2648114" cy="793669"/>
       </dsp:txXfrm>
     </dsp:sp>
-    <dsp:sp modelId="{FBD84F1A-7BCE-41F6-8AD4-E7C3999B11B9}">
+    <dsp:sp modelId="{C9712550-ADAF-4BDD-A998-10789B4CE559}">
       <dsp:nvSpPr>
         <dsp:cNvPr id="0" name=""/>
         <dsp:cNvSpPr/>
       </dsp:nvSpPr>
       <dsp:spPr>
         <a:xfrm>
-          <a:off x="8622565" y="2532855"/>
-          <a:ext cx="515012" cy="211287"/>
-        </a:xfrm>
-        <a:custGeom>
-          <a:avLst/>
-          <a:gdLst/>
-          <a:ahLst/>
-          <a:cxnLst/>
-          <a:rect l="0" t="0" r="0" b="0"/>
-          <a:pathLst>
-            <a:path>
-              <a:moveTo>
-                <a:pt x="515012" y="0"/>
-              </a:moveTo>
-              <a:lnTo>
-                <a:pt x="515012" y="105643"/>
-              </a:lnTo>
-              <a:lnTo>
-                <a:pt x="0" y="105643"/>
-              </a:lnTo>
-              <a:lnTo>
-                <a:pt x="0" y="211287"/>
-              </a:lnTo>
-            </a:path>
-          </a:pathLst>
-        </a:custGeom>
-        <a:noFill/>
-        <a:ln w="12700" cap="flat" cmpd="sng" algn="ctr">
-          <a:solidFill>
-            <a:schemeClr val="accent1">
-              <a:shade val="80000"/>
-              <a:hueOff val="0"/>
-              <a:satOff val="0"/>
-              <a:lumOff val="0"/>
-              <a:alphaOff val="0"/>
-            </a:schemeClr>
-          </a:solidFill>
-          <a:prstDash val="solid"/>
-          <a:miter lim="800000"/>
-        </a:ln>
-        <a:effectLst/>
-      </dsp:spPr>
-      <dsp:style>
-        <a:lnRef idx="2">
-          <a:scrgbClr r="0" g="0" b="0"/>
-        </a:lnRef>
-        <a:fillRef idx="0">
-          <a:scrgbClr r="0" g="0" b="0"/>
-        </a:fillRef>
-        <a:effectRef idx="0">
-          <a:scrgbClr r="0" g="0" b="0"/>
-        </a:effectRef>
-        <a:fontRef idx="minor"/>
-      </dsp:style>
-    </dsp:sp>
-    <dsp:sp modelId="{9553F8FE-C611-4E90-875F-103909AA5E4F}">
-      <dsp:nvSpPr>
-        <dsp:cNvPr id="0" name=""/>
-        <dsp:cNvSpPr/>
-      </dsp:nvSpPr>
-      <dsp:spPr>
-        <a:xfrm>
-          <a:off x="8226402" y="2744142"/>
-          <a:ext cx="792326" cy="528217"/>
+          <a:off x="4391433" y="3386104"/>
+          <a:ext cx="2733986" cy="399924"/>
         </a:xfrm>
         <a:prstGeom prst="roundRect">
-          <a:avLst>
-            <a:gd name="adj" fmla="val 10000"/>
-          </a:avLst>
+          <a:avLst/>
         </a:prstGeom>
         <a:solidFill>
-          <a:schemeClr val="accent1">
-            <a:hueOff val="0"/>
-            <a:satOff val="0"/>
-            <a:lumOff val="0"/>
-            <a:alphaOff val="0"/>
-          </a:schemeClr>
+          <a:schemeClr val="accent3"/>
         </a:solidFill>
         <a:ln w="12700" cap="flat" cmpd="sng" algn="ctr">
           <a:solidFill>
@@ -9506,12 +9669,12 @@
         </a:fontRef>
       </dsp:style>
       <dsp:txBody>
-        <a:bodyPr spcFirstLastPara="0" vert="horz" wrap="square" lIns="38100" tIns="38100" rIns="38100" bIns="38100" numCol="1" spcCol="1270" anchor="ctr" anchorCtr="0">
+        <a:bodyPr spcFirstLastPara="0" vert="horz" wrap="square" lIns="10160" tIns="10160" rIns="10160" bIns="10160" numCol="1" spcCol="1270" anchor="ctr" anchorCtr="0">
           <a:noAutofit/>
         </a:bodyPr>
         <a:lstStyle/>
         <a:p>
-          <a:pPr marL="0" lvl="0" indent="0" algn="ctr" defTabSz="444500">
+          <a:pPr marL="0" lvl="0" indent="0" algn="ctr" defTabSz="711200">
             <a:lnSpc>
               <a:spcPct val="90000"/>
             </a:lnSpc>
@@ -9524,101 +9687,32 @@
             <a:buNone/>
           </a:pPr>
           <a:r>
-            <a:rPr lang="en-US" sz="1000" kern="1200"/>
+            <a:rPr lang="en-US" sz="1600" kern="1200" dirty="0"/>
             <a:t>Unitary</a:t>
           </a:r>
-          <a:endParaRPr lang="en-DK" sz="1000" kern="1200"/>
+          <a:endParaRPr lang="en-DK" sz="1600" kern="1200" dirty="0"/>
         </a:p>
       </dsp:txBody>
       <dsp:txXfrm>
-        <a:off x="8241873" y="2759613"/>
-        <a:ext cx="761384" cy="497275"/>
+        <a:off x="4410956" y="3405627"/>
+        <a:ext cx="2694940" cy="360878"/>
       </dsp:txXfrm>
     </dsp:sp>
-    <dsp:sp modelId="{5DE14177-A088-41F5-A19F-176B3CB150B0}">
+    <dsp:sp modelId="{996EC0B0-3559-49D5-9D30-E4084309EC17}">
       <dsp:nvSpPr>
         <dsp:cNvPr id="0" name=""/>
         <dsp:cNvSpPr/>
       </dsp:nvSpPr>
       <dsp:spPr>
         <a:xfrm>
-          <a:off x="9137577" y="2532855"/>
-          <a:ext cx="515012" cy="211287"/>
-        </a:xfrm>
-        <a:custGeom>
-          <a:avLst/>
-          <a:gdLst/>
-          <a:ahLst/>
-          <a:cxnLst/>
-          <a:rect l="0" t="0" r="0" b="0"/>
-          <a:pathLst>
-            <a:path>
-              <a:moveTo>
-                <a:pt x="0" y="0"/>
-              </a:moveTo>
-              <a:lnTo>
-                <a:pt x="0" y="105643"/>
-              </a:lnTo>
-              <a:lnTo>
-                <a:pt x="515012" y="105643"/>
-              </a:lnTo>
-              <a:lnTo>
-                <a:pt x="515012" y="211287"/>
-              </a:lnTo>
-            </a:path>
-          </a:pathLst>
-        </a:custGeom>
-        <a:noFill/>
-        <a:ln w="12700" cap="flat" cmpd="sng" algn="ctr">
-          <a:solidFill>
-            <a:schemeClr val="accent1">
-              <a:shade val="80000"/>
-              <a:hueOff val="0"/>
-              <a:satOff val="0"/>
-              <a:lumOff val="0"/>
-              <a:alphaOff val="0"/>
-            </a:schemeClr>
-          </a:solidFill>
-          <a:prstDash val="solid"/>
-          <a:miter lim="800000"/>
-        </a:ln>
-        <a:effectLst/>
-      </dsp:spPr>
-      <dsp:style>
-        <a:lnRef idx="2">
-          <a:scrgbClr r="0" g="0" b="0"/>
-        </a:lnRef>
-        <a:fillRef idx="0">
-          <a:scrgbClr r="0" g="0" b="0"/>
-        </a:fillRef>
-        <a:effectRef idx="0">
-          <a:scrgbClr r="0" g="0" b="0"/>
-        </a:effectRef>
-        <a:fontRef idx="minor"/>
-      </dsp:style>
-    </dsp:sp>
-    <dsp:sp modelId="{F48EEEDF-7BDD-4B9A-9ABD-26C8F63C8CF7}">
-      <dsp:nvSpPr>
-        <dsp:cNvPr id="0" name=""/>
-        <dsp:cNvSpPr/>
-      </dsp:nvSpPr>
-      <dsp:spPr>
-        <a:xfrm>
-          <a:off x="9256426" y="2744142"/>
-          <a:ext cx="792326" cy="528217"/>
+          <a:off x="4391433" y="3949931"/>
+          <a:ext cx="2733986" cy="399924"/>
         </a:xfrm>
         <a:prstGeom prst="roundRect">
-          <a:avLst>
-            <a:gd name="adj" fmla="val 10000"/>
-          </a:avLst>
+          <a:avLst/>
         </a:prstGeom>
         <a:solidFill>
-          <a:schemeClr val="accent1">
-            <a:hueOff val="0"/>
-            <a:satOff val="0"/>
-            <a:lumOff val="0"/>
-            <a:alphaOff val="0"/>
-          </a:schemeClr>
+          <a:schemeClr val="accent3"/>
         </a:solidFill>
         <a:ln w="12700" cap="flat" cmpd="sng" algn="ctr">
           <a:solidFill>
@@ -9649,12 +9743,12 @@
         </a:fontRef>
       </dsp:style>
       <dsp:txBody>
-        <a:bodyPr spcFirstLastPara="0" vert="horz" wrap="square" lIns="38100" tIns="38100" rIns="38100" bIns="38100" numCol="1" spcCol="1270" anchor="ctr" anchorCtr="0">
+        <a:bodyPr spcFirstLastPara="0" vert="horz" wrap="square" lIns="10160" tIns="10160" rIns="10160" bIns="10160" numCol="1" spcCol="1270" anchor="ctr" anchorCtr="0">
           <a:noAutofit/>
         </a:bodyPr>
         <a:lstStyle/>
         <a:p>
-          <a:pPr marL="0" lvl="0" indent="0" algn="ctr" defTabSz="444500">
+          <a:pPr marL="0" lvl="0" indent="0" algn="ctr" defTabSz="711200">
             <a:lnSpc>
               <a:spcPct val="90000"/>
             </a:lnSpc>
@@ -9667,15 +9761,163 @@
             <a:buNone/>
           </a:pPr>
           <a:r>
-            <a:rPr lang="en-US" sz="1000" kern="1200" dirty="0"/>
+            <a:rPr lang="en-US" sz="1600" kern="1200" dirty="0"/>
             <a:t>Lindblad</a:t>
           </a:r>
-          <a:endParaRPr lang="en-DK" sz="1000" kern="1200" dirty="0"/>
+          <a:endParaRPr lang="en-DK" sz="1600" kern="1200" dirty="0"/>
         </a:p>
       </dsp:txBody>
       <dsp:txXfrm>
-        <a:off x="9271897" y="2759613"/>
-        <a:ext cx="761384" cy="497275"/>
+        <a:off x="4410956" y="3969454"/>
+        <a:ext cx="2694940" cy="360878"/>
+      </dsp:txXfrm>
+    </dsp:sp>
+    <dsp:sp modelId="{648B4374-2A8F-4A1A-83E2-B36159AA0F45}">
+      <dsp:nvSpPr>
+        <dsp:cNvPr id="0" name=""/>
+        <dsp:cNvSpPr/>
+      </dsp:nvSpPr>
+      <dsp:spPr>
+        <a:xfrm>
+          <a:off x="4391433" y="4513759"/>
+          <a:ext cx="2733986" cy="399924"/>
+        </a:xfrm>
+        <a:prstGeom prst="roundRect">
+          <a:avLst/>
+        </a:prstGeom>
+        <a:solidFill>
+          <a:schemeClr val="accent3"/>
+        </a:solidFill>
+        <a:ln w="12700" cap="flat" cmpd="sng" algn="ctr">
+          <a:solidFill>
+            <a:schemeClr val="lt1">
+              <a:hueOff val="0"/>
+              <a:satOff val="0"/>
+              <a:lumOff val="0"/>
+              <a:alphaOff val="0"/>
+            </a:schemeClr>
+          </a:solidFill>
+          <a:prstDash val="solid"/>
+          <a:miter lim="800000"/>
+        </a:ln>
+        <a:effectLst/>
+      </dsp:spPr>
+      <dsp:style>
+        <a:lnRef idx="2">
+          <a:scrgbClr r="0" g="0" b="0"/>
+        </a:lnRef>
+        <a:fillRef idx="1">
+          <a:scrgbClr r="0" g="0" b="0"/>
+        </a:fillRef>
+        <a:effectRef idx="0">
+          <a:scrgbClr r="0" g="0" b="0"/>
+        </a:effectRef>
+        <a:fontRef idx="minor">
+          <a:schemeClr val="lt1"/>
+        </a:fontRef>
+      </dsp:style>
+      <dsp:txBody>
+        <a:bodyPr spcFirstLastPara="0" vert="horz" wrap="square" lIns="10160" tIns="10160" rIns="10160" bIns="10160" numCol="1" spcCol="1270" anchor="ctr" anchorCtr="0">
+          <a:noAutofit/>
+        </a:bodyPr>
+        <a:lstStyle/>
+        <a:p>
+          <a:pPr marL="0" lvl="0" indent="0" algn="ctr" defTabSz="711200">
+            <a:lnSpc>
+              <a:spcPct val="90000"/>
+            </a:lnSpc>
+            <a:spcBef>
+              <a:spcPct val="0"/>
+            </a:spcBef>
+            <a:spcAft>
+              <a:spcPct val="35000"/>
+            </a:spcAft>
+            <a:buNone/>
+          </a:pPr>
+          <a:r>
+            <a:rPr lang="en-US" sz="1600" kern="1200" dirty="0"/>
+            <a:t>Monte Carlo</a:t>
+          </a:r>
+          <a:endParaRPr lang="en-DK" sz="1600" kern="1200" dirty="0"/>
+        </a:p>
+      </dsp:txBody>
+      <dsp:txXfrm>
+        <a:off x="4410956" y="4533282"/>
+        <a:ext cx="2694940" cy="360878"/>
+      </dsp:txXfrm>
+    </dsp:sp>
+    <dsp:sp modelId="{B38C1C00-20D9-4695-9442-28AC8C8A5541}">
+      <dsp:nvSpPr>
+        <dsp:cNvPr id="0" name=""/>
+        <dsp:cNvSpPr/>
+      </dsp:nvSpPr>
+      <dsp:spPr>
+        <a:xfrm>
+          <a:off x="4391433" y="5077586"/>
+          <a:ext cx="2733986" cy="399924"/>
+        </a:xfrm>
+        <a:prstGeom prst="roundRect">
+          <a:avLst/>
+        </a:prstGeom>
+        <a:solidFill>
+          <a:schemeClr val="accent3"/>
+        </a:solidFill>
+        <a:ln w="12700" cap="flat" cmpd="sng" algn="ctr">
+          <a:solidFill>
+            <a:schemeClr val="lt1">
+              <a:hueOff val="0"/>
+              <a:satOff val="0"/>
+              <a:lumOff val="0"/>
+              <a:alphaOff val="0"/>
+            </a:schemeClr>
+          </a:solidFill>
+          <a:prstDash val="solid"/>
+          <a:miter lim="800000"/>
+        </a:ln>
+        <a:effectLst/>
+      </dsp:spPr>
+      <dsp:style>
+        <a:lnRef idx="2">
+          <a:scrgbClr r="0" g="0" b="0"/>
+        </a:lnRef>
+        <a:fillRef idx="1">
+          <a:scrgbClr r="0" g="0" b="0"/>
+        </a:fillRef>
+        <a:effectRef idx="0">
+          <a:scrgbClr r="0" g="0" b="0"/>
+        </a:effectRef>
+        <a:fontRef idx="minor">
+          <a:schemeClr val="lt1"/>
+        </a:fontRef>
+      </dsp:style>
+      <dsp:txBody>
+        <a:bodyPr spcFirstLastPara="0" vert="horz" wrap="square" lIns="10160" tIns="10160" rIns="10160" bIns="10160" numCol="1" spcCol="1270" anchor="ctr" anchorCtr="0">
+          <a:noAutofit/>
+        </a:bodyPr>
+        <a:lstStyle/>
+        <a:p>
+          <a:pPr marL="0" lvl="0" indent="0" algn="ctr" defTabSz="711200">
+            <a:lnSpc>
+              <a:spcPct val="90000"/>
+            </a:lnSpc>
+            <a:spcBef>
+              <a:spcPct val="0"/>
+            </a:spcBef>
+            <a:spcAft>
+              <a:spcPct val="35000"/>
+            </a:spcAft>
+            <a:buNone/>
+          </a:pPr>
+          <a:r>
+            <a:rPr lang="en-US" sz="1600" kern="1200" dirty="0"/>
+            <a:t>Stochastic Master Equation</a:t>
+          </a:r>
+          <a:endParaRPr lang="en-DK" sz="1600" kern="1200" dirty="0"/>
+        </a:p>
+      </dsp:txBody>
+      <dsp:txXfrm>
+        <a:off x="4410956" y="5097109"/>
+        <a:ext cx="2694940" cy="360878"/>
       </dsp:txXfrm>
     </dsp:sp>
   </dsp:spTree>
@@ -9683,11 +9925,11 @@
 </file>
 
 <file path=ppt/diagrams/layout1.xml><?xml version="1.0" encoding="utf-8"?>
-<dgm:layoutDef xmlns:dgm="http://schemas.openxmlformats.org/drawingml/2006/diagram" xmlns:a="http://schemas.openxmlformats.org/drawingml/2006/main" uniqueId="urn:microsoft.com/office/officeart/2005/8/layout/hierarchy6">
+<dgm:layoutDef xmlns:dgm="http://schemas.openxmlformats.org/drawingml/2006/diagram" xmlns:a="http://schemas.openxmlformats.org/drawingml/2006/main" uniqueId="urn:microsoft.com/office/officeart/2009/3/layout/HorizontalOrganizationChart">
   <dgm:title val=""/>
   <dgm:desc val=""/>
   <dgm:catLst>
-    <dgm:cat type="hierarchy" pri="3000"/>
+    <dgm:cat type="hierarchy" pri="4300"/>
   </dgm:catLst>
   <dgm:sampData>
     <dgm:dataModel>
@@ -9696,19 +9938,10 @@
         <dgm:pt modelId="1">
           <dgm:prSet phldr="1"/>
         </dgm:pt>
-        <dgm:pt modelId="2">
-          <dgm:prSet phldr="1"/>
-        </dgm:pt>
-        <dgm:pt modelId="21">
-          <dgm:prSet phldr="1"/>
-        </dgm:pt>
-        <dgm:pt modelId="22">
+        <dgm:pt modelId="2" type="asst">
           <dgm:prSet phldr="1"/>
         </dgm:pt>
         <dgm:pt modelId="3">
-          <dgm:prSet phldr="1"/>
-        </dgm:pt>
-        <dgm:pt modelId="31">
           <dgm:prSet phldr="1"/>
         </dgm:pt>
         <dgm:pt modelId="4">
@@ -9717,20 +9950,13 @@
         <dgm:pt modelId="5">
           <dgm:prSet phldr="1"/>
         </dgm:pt>
-        <dgm:pt modelId="6">
-          <dgm:prSet phldr="1"/>
-        </dgm:pt>
       </dgm:ptLst>
       <dgm:cxnLst>
-        <dgm:cxn modelId="7" srcId="0" destId="1" srcOrd="0" destOrd="0"/>
-        <dgm:cxn modelId="8" srcId="1" destId="2" srcOrd="0" destOrd="0"/>
-        <dgm:cxn modelId="9" srcId="1" destId="3" srcOrd="1" destOrd="0"/>
-        <dgm:cxn modelId="23" srcId="2" destId="21" srcOrd="0" destOrd="0"/>
-        <dgm:cxn modelId="24" srcId="2" destId="22" srcOrd="1" destOrd="0"/>
-        <dgm:cxn modelId="33" srcId="3" destId="31" srcOrd="0" destOrd="0"/>
-        <dgm:cxn modelId="10" srcId="0" destId="4" srcOrd="1" destOrd="0"/>
-        <dgm:cxn modelId="11" srcId="0" destId="5" srcOrd="2" destOrd="0"/>
-        <dgm:cxn modelId="12" srcId="0" destId="6" srcOrd="3" destOrd="0"/>
+        <dgm:cxn modelId="5" srcId="0" destId="1" srcOrd="0" destOrd="0"/>
+        <dgm:cxn modelId="6" srcId="1" destId="2" srcOrd="0" destOrd="0"/>
+        <dgm:cxn modelId="7" srcId="1" destId="3" srcOrd="1" destOrd="0"/>
+        <dgm:cxn modelId="8" srcId="1" destId="4" srcOrd="2" destOrd="0"/>
+        <dgm:cxn modelId="9" srcId="1" destId="5" srcOrd="3" destOrd="0"/>
       </dgm:cxnLst>
       <dgm:bg/>
       <dgm:whole/>
@@ -9741,17 +9967,13 @@
       <dgm:ptLst>
         <dgm:pt modelId="0" type="doc"/>
         <dgm:pt modelId="1"/>
-        <dgm:pt modelId="11"/>
         <dgm:pt modelId="12"/>
-        <dgm:pt modelId="2"/>
-        <dgm:pt modelId="3"/>
+        <dgm:pt modelId="13"/>
       </dgm:ptLst>
       <dgm:cxnLst>
-        <dgm:cxn modelId="4" srcId="0" destId="1" srcOrd="0" destOrd="0"/>
-        <dgm:cxn modelId="13" srcId="1" destId="11" srcOrd="0" destOrd="0"/>
-        <dgm:cxn modelId="14" srcId="1" destId="12" srcOrd="1" destOrd="0"/>
-        <dgm:cxn modelId="5" srcId="0" destId="2" srcOrd="1" destOrd="0"/>
-        <dgm:cxn modelId="6" srcId="0" destId="3" srcOrd="2" destOrd="0"/>
+        <dgm:cxn modelId="2" srcId="0" destId="1" srcOrd="0" destOrd="0"/>
+        <dgm:cxn modelId="16" srcId="1" destId="12" srcOrd="1" destOrd="0"/>
+        <dgm:cxn modelId="17" srcId="1" destId="13" srcOrd="2" destOrd="0"/>
       </dgm:cxnLst>
       <dgm:bg/>
       <dgm:whole/>
@@ -9762,433 +9984,1126 @@
       <dgm:ptLst>
         <dgm:pt modelId="0" type="doc"/>
         <dgm:pt modelId="1"/>
-        <dgm:pt modelId="2"/>
-        <dgm:pt modelId="21"/>
-        <dgm:pt modelId="211"/>
-        <dgm:pt modelId="3"/>
-        <dgm:pt modelId="31"/>
-        <dgm:pt modelId="311"/>
-        <dgm:pt modelId="4"/>
-        <dgm:pt modelId="5"/>
-        <dgm:pt modelId="6"/>
-        <dgm:pt modelId="7"/>
+        <dgm:pt modelId="11" type="asst"/>
+        <dgm:pt modelId="12"/>
+        <dgm:pt modelId="13"/>
+        <dgm:pt modelId="14"/>
       </dgm:ptLst>
       <dgm:cxnLst>
-        <dgm:cxn modelId="8" srcId="0" destId="1" srcOrd="0" destOrd="0"/>
-        <dgm:cxn modelId="9" srcId="1" destId="2" srcOrd="0" destOrd="0"/>
-        <dgm:cxn modelId="10" srcId="1" destId="3" srcOrd="1" destOrd="0"/>
-        <dgm:cxn modelId="23" srcId="2" destId="21" srcOrd="0" destOrd="0"/>
-        <dgm:cxn modelId="24" srcId="21" destId="211" srcOrd="0" destOrd="0"/>
-        <dgm:cxn modelId="33" srcId="3" destId="31" srcOrd="0" destOrd="0"/>
-        <dgm:cxn modelId="34" srcId="31" destId="311" srcOrd="0" destOrd="0"/>
-        <dgm:cxn modelId="11" srcId="0" destId="4" srcOrd="1" destOrd="0"/>
-        <dgm:cxn modelId="12" srcId="0" destId="5" srcOrd="2" destOrd="0"/>
-        <dgm:cxn modelId="13" srcId="0" destId="6" srcOrd="3" destOrd="0"/>
-        <dgm:cxn modelId="14" srcId="0" destId="7" srcOrd="4" destOrd="0"/>
+        <dgm:cxn modelId="2" srcId="0" destId="1" srcOrd="0" destOrd="0"/>
+        <dgm:cxn modelId="15" srcId="1" destId="11" srcOrd="0" destOrd="0"/>
+        <dgm:cxn modelId="16" srcId="1" destId="12" srcOrd="1" destOrd="0"/>
+        <dgm:cxn modelId="17" srcId="1" destId="13" srcOrd="2" destOrd="0"/>
+        <dgm:cxn modelId="18" srcId="1" destId="14" srcOrd="2" destOrd="0"/>
       </dgm:cxnLst>
       <dgm:bg/>
       <dgm:whole/>
     </dgm:dataModel>
   </dgm:clrData>
-  <dgm:layoutNode name="mainComposite">
+  <dgm:layoutNode name="hierChild1">
     <dgm:varLst>
+      <dgm:orgChart val="1"/>
       <dgm:chPref val="1"/>
       <dgm:dir/>
       <dgm:animOne val="branch"/>
       <dgm:animLvl val="lvl"/>
-      <dgm:resizeHandles val="exact"/>
+      <dgm:resizeHandles/>
     </dgm:varLst>
-    <dgm:alg type="composite">
-      <dgm:param type="vertAlign" val="mid"/>
-      <dgm:param type="horzAlign" val="ctr"/>
-    </dgm:alg>
+    <dgm:choose name="Name0">
+      <dgm:if name="Name1" func="var" arg="dir" op="equ" val="norm">
+        <dgm:alg type="hierChild">
+          <dgm:param type="linDir" val="fromT"/>
+          <dgm:param type="chAlign" val="l"/>
+        </dgm:alg>
+      </dgm:if>
+      <dgm:else name="Name2">
+        <dgm:alg type="hierChild">
+          <dgm:param type="linDir" val="fromT"/>
+          <dgm:param type="chAlign" val="r"/>
+        </dgm:alg>
+      </dgm:else>
+    </dgm:choose>
     <dgm:shape xmlns:r="http://schemas.openxmlformats.org/officeDocument/2006/relationships" r:blip="">
       <dgm:adjLst/>
     </dgm:shape>
     <dgm:presOf/>
-    <dgm:choose name="Name0">
-      <dgm:if name="Name1" axis="ch" ptType="node" func="cnt" op="gte" val="2">
-        <dgm:choose name="Name2">
-          <dgm:if name="Name3" func="var" arg="dir" op="equ" val="norm">
-            <dgm:constrLst>
-              <dgm:constr type="l" for="ch" forName="hierFlow" refType="w" fact="0.3"/>
-              <dgm:constr type="t" for="ch" forName="hierFlow"/>
-              <dgm:constr type="r" for="ch" forName="hierFlow" refType="w" fact="0.98"/>
-              <dgm:constr type="b" for="ch" forName="hierFlow" refType="h" fact="0.98"/>
-              <dgm:constr type="l" for="ch" forName="bgShapesFlow"/>
-              <dgm:constr type="t" for="ch" forName="bgShapesFlow"/>
-              <dgm:constr type="r" for="ch" forName="bgShapesFlow" refType="w"/>
-              <dgm:constr type="b" for="ch" forName="bgShapesFlow" refType="h"/>
-              <dgm:constr type="w" for="des" forName="level1Shape" refType="w"/>
-              <dgm:constr type="h" for="des" forName="level1Shape" refType="w" refFor="des" refForName="level1Shape" fact="0.66667"/>
-              <dgm:constr type="w" for="des" forName="level2Shape" refType="w" refFor="des" refForName="level1Shape" op="equ"/>
-              <dgm:constr type="h" for="des" forName="level2Shape" refType="h" refFor="des" refForName="level1Shape" op="equ"/>
-              <dgm:constr type="sp" for="des" refType="h" refFor="des" refForName="level1Shape" op="equ" fact="0.4"/>
-              <dgm:constr type="sibSp" for="des" forName="hierChild1" refType="w" refFor="des" refForName="level1Shape" op="equ" fact="0.3"/>
-              <dgm:constr type="sibSp" for="des" forName="hierChild2" refType="sibSp" refFor="des" refForName="hierChild1" op="equ"/>
-              <dgm:constr type="sibSp" for="des" forName="hierChild3" refType="sibSp" refFor="des" refForName="hierChild1" op="equ"/>
-              <dgm:constr type="userA" for="des" refType="h" refFor="des" refForName="level1Shape" op="equ"/>
-              <dgm:constr type="userB" for="des" refType="sp" refFor="des" op="equ"/>
-              <dgm:constr type="h" for="des" forName="firstBuf" refType="h" refFor="des" refForName="level1Shape" fact="0.1"/>
-            </dgm:constrLst>
-          </dgm:if>
-          <dgm:else name="Name4">
-            <dgm:constrLst>
-              <dgm:constr type="l" for="ch" forName="hierFlow" refType="w" fact="0.02"/>
-              <dgm:constr type="t" for="ch" forName="hierFlow"/>
-              <dgm:constr type="r" for="ch" forName="hierFlow" refType="w" fact="0.7"/>
-              <dgm:constr type="b" for="ch" forName="hierFlow" refType="h" fact="0.98"/>
-              <dgm:constr type="l" for="ch" forName="bgShapesFlow"/>
-              <dgm:constr type="t" for="ch" forName="bgShapesFlow"/>
-              <dgm:constr type="r" for="ch" forName="bgShapesFlow" refType="w"/>
-              <dgm:constr type="b" for="ch" forName="bgShapesFlow" refType="h"/>
-              <dgm:constr type="w" for="des" forName="level1Shape" refType="w"/>
-              <dgm:constr type="h" for="des" forName="level1Shape" refType="w" refFor="des" refForName="level1Shape" fact="0.66667"/>
-              <dgm:constr type="w" for="des" forName="level2Shape" refType="w" refFor="des" refForName="level1Shape" op="equ"/>
-              <dgm:constr type="h" for="des" forName="level2Shape" refType="h" refFor="des" refForName="level1Shape" op="equ"/>
-              <dgm:constr type="sp" for="des" refType="h" refFor="des" refForName="level1Shape" op="equ" fact="0.4"/>
-              <dgm:constr type="sibSp" for="des" forName="hierChild1" refType="w" refFor="des" refForName="level1Shape" op="equ" fact="0.3"/>
-              <dgm:constr type="sibSp" for="des" forName="hierChild2" refType="sibSp" refFor="des" refForName="hierChild1" op="equ"/>
-              <dgm:constr type="sibSp" for="des" forName="hierChild3" refType="sibSp" refFor="des" refForName="hierChild1" op="equ"/>
-              <dgm:constr type="userA" for="des" refType="h" refFor="des" refForName="level1Shape" op="equ"/>
-              <dgm:constr type="userB" for="des" refType="sp" refFor="des" op="equ"/>
-              <dgm:constr type="h" for="des" forName="firstBuf" refType="h" refFor="des" refForName="level1Shape" fact="0.1"/>
-            </dgm:constrLst>
-          </dgm:else>
-        </dgm:choose>
-      </dgm:if>
-      <dgm:else name="Name5">
-        <dgm:constrLst>
-          <dgm:constr type="l" for="ch" forName="hierFlow"/>
-          <dgm:constr type="t" for="ch" forName="hierFlow"/>
-          <dgm:constr type="r" for="ch" forName="hierFlow" refType="w"/>
-          <dgm:constr type="b" for="ch" forName="hierFlow" refType="h"/>
-          <dgm:constr type="l" for="ch" forName="bgShapesFlow"/>
-          <dgm:constr type="t" for="ch" forName="bgShapesFlow"/>
-          <dgm:constr type="r" for="ch" forName="bgShapesFlow" refType="w"/>
-          <dgm:constr type="b" for="ch" forName="bgShapesFlow" refType="h"/>
-          <dgm:constr type="w" for="des" forName="level1Shape" refType="w"/>
-          <dgm:constr type="h" for="des" forName="level1Shape" refType="w" refFor="des" refForName="level1Shape" fact="0.66667"/>
-          <dgm:constr type="w" for="des" forName="level2Shape" refType="w" refFor="des" refForName="level1Shape" op="equ"/>
-          <dgm:constr type="h" for="des" forName="level2Shape" refType="h" refFor="des" refForName="level1Shape" op="equ"/>
-          <dgm:constr type="sp" for="des" refType="h" refFor="des" refForName="level1Shape" op="equ" fact="0.4"/>
-          <dgm:constr type="sibSp" for="des" forName="hierChild1" refType="w" refFor="des" refForName="level1Shape" op="equ" fact="0.3"/>
-          <dgm:constr type="sibSp" for="des" forName="hierChild2" refType="sibSp" refFor="des" refForName="hierChild1" op="equ"/>
-          <dgm:constr type="sibSp" for="des" forName="hierChild3" refType="sibSp" refFor="des" refForName="hierChild1" op="equ"/>
-          <dgm:constr type="userA" for="des" refType="h" refFor="des" refForName="level1Shape" op="equ"/>
-          <dgm:constr type="userB" for="des" refType="sp" refFor="des" op="equ"/>
-          <dgm:constr type="h" for="des" forName="firstBuf" refType="h" refFor="des" refForName="level1Shape" fact="0.1"/>
-        </dgm:constrLst>
-      </dgm:else>
-    </dgm:choose>
+    <dgm:constrLst>
+      <dgm:constr type="w" for="des" forName="rootComposite1" refType="w" fact="10"/>
+      <dgm:constr type="h" for="des" forName="rootComposite1" refType="w" refFor="des" refForName="rootComposite1" fact="0.305"/>
+      <dgm:constr type="w" for="des" forName="rootComposite" refType="w" fact="10"/>
+      <dgm:constr type="h" for="des" forName="rootComposite" refType="w" refFor="des" refForName="rootComposite1" fact="0.305"/>
+      <dgm:constr type="w" for="des" forName="rootComposite3" refType="w" fact="10"/>
+      <dgm:constr type="h" for="des" forName="rootComposite3" refType="w" refFor="des" refForName="rootComposite1" fact="0.305"/>
+      <dgm:constr type="primFontSz" for="des" ptType="node" op="equ"/>
+      <dgm:constr type="sp" for="des" op="equ"/>
+      <dgm:constr type="sp" for="des" forName="hierRoot1" refType="w" refFor="des" refForName="rootComposite1" fact="0.2"/>
+      <dgm:constr type="sp" for="des" forName="hierRoot2" refType="sp" refFor="des" refForName="hierRoot1"/>
+      <dgm:constr type="sp" for="des" forName="hierRoot3" refType="sp" refFor="des" refForName="hierRoot1"/>
+      <dgm:constr type="sibSp" refType="w" refFor="des" refForName="rootComposite1" fact="0.125"/>
+      <dgm:constr type="sibSp" for="des" forName="hierChild2" refType="sibSp"/>
+      <dgm:constr type="sibSp" for="des" forName="hierChild3" refType="sibSp"/>
+      <dgm:constr type="sibSp" for="des" forName="hierChild4" refType="sibSp"/>
+      <dgm:constr type="sibSp" for="des" forName="hierChild5" refType="sibSp"/>
+      <dgm:constr type="sibSp" for="des" forName="hierChild6" refType="sibSp"/>
+      <dgm:constr type="sibSp" for="des" forName="hierChild7" refType="sibSp"/>
+      <dgm:constr type="secSibSp" refType="w" refFor="des" refForName="rootComposite1" fact="0.125"/>
+      <dgm:constr type="secSibSp" for="des" forName="hierChild2" refType="secSibSp"/>
+      <dgm:constr type="secSibSp" for="des" forName="hierChild3" refType="secSibSp"/>
+      <dgm:constr type="secSibSp" for="des" forName="hierChild4" refType="secSibSp"/>
+      <dgm:constr type="secSibSp" for="des" forName="hierChild5" refType="secSibSp"/>
+      <dgm:constr type="secSibSp" for="des" forName="hierChild6" refType="secSibSp"/>
+      <dgm:constr type="secSibSp" for="des" forName="hierChild7" refType="secSibSp"/>
+    </dgm:constrLst>
     <dgm:ruleLst/>
-    <dgm:layoutNode name="hierFlow">
-      <dgm:alg type="lin">
-        <dgm:param type="linDir" val="fromT"/>
-        <dgm:param type="nodeVertAlign" val="t"/>
-        <dgm:param type="vertAlign" val="t"/>
-        <dgm:param type="nodeHorzAlign" val="ctr"/>
-        <dgm:param type="fallback" val="2D"/>
-      </dgm:alg>
-      <dgm:shape xmlns:r="http://schemas.openxmlformats.org/officeDocument/2006/relationships" r:blip="">
-        <dgm:adjLst/>
-      </dgm:shape>
-      <dgm:presOf/>
-      <dgm:constrLst/>
-      <dgm:ruleLst/>
-      <dgm:choose name="Name6">
-        <dgm:if name="Name7" axis="ch" ptType="node" func="cnt" op="gte" val="2">
-          <dgm:layoutNode name="firstBuf">
-            <dgm:alg type="sp"/>
+    <dgm:forEach name="Name3" axis="ch">
+      <dgm:forEach name="Name4" axis="self" ptType="node">
+        <dgm:layoutNode name="hierRoot1">
+          <dgm:varLst>
+            <dgm:hierBranch val="init"/>
+          </dgm:varLst>
+          <dgm:choose name="Name5">
+            <dgm:if name="Name6" func="var" arg="hierBranch" op="equ" val="l">
+              <dgm:choose name="Name7">
+                <dgm:if name="Name8" func="var" arg="dir" op="equ" val="norm">
+                  <dgm:alg type="hierRoot">
+                    <dgm:param type="hierAlign" val="lT"/>
+                  </dgm:alg>
+                  <dgm:constrLst>
+                    <dgm:constr type="alignOff" val="0.75"/>
+                  </dgm:constrLst>
+                </dgm:if>
+                <dgm:else name="Name9">
+                  <dgm:alg type="hierRoot">
+                    <dgm:param type="hierAlign" val="rT"/>
+                  </dgm:alg>
+                  <dgm:constrLst>
+                    <dgm:constr type="alignOff" val="0.75"/>
+                  </dgm:constrLst>
+                </dgm:else>
+              </dgm:choose>
+            </dgm:if>
+            <dgm:if name="Name10" func="var" arg="hierBranch" op="equ" val="r">
+              <dgm:choose name="Name11">
+                <dgm:if name="Name12" func="var" arg="dir" op="equ" val="norm">
+                  <dgm:alg type="hierRoot">
+                    <dgm:param type="hierAlign" val="lB"/>
+                  </dgm:alg>
+                  <dgm:constrLst>
+                    <dgm:constr type="alignOff" val="0.75"/>
+                  </dgm:constrLst>
+                </dgm:if>
+                <dgm:else name="Name13">
+                  <dgm:alg type="hierRoot">
+                    <dgm:param type="hierAlign" val="rB"/>
+                  </dgm:alg>
+                  <dgm:constrLst>
+                    <dgm:constr type="alignOff" val="0.75"/>
+                  </dgm:constrLst>
+                </dgm:else>
+              </dgm:choose>
+            </dgm:if>
+            <dgm:if name="Name14" func="var" arg="hierBranch" op="equ" val="hang">
+              <dgm:choose name="Name15">
+                <dgm:if name="Name16" func="var" arg="dir" op="equ" val="norm">
+                  <dgm:alg type="hierRoot">
+                    <dgm:param type="hierAlign" val="lCtrCh"/>
+                  </dgm:alg>
+                  <dgm:constrLst>
+                    <dgm:constr type="alignOff" val="0.65"/>
+                  </dgm:constrLst>
+                </dgm:if>
+                <dgm:else name="Name17">
+                  <dgm:alg type="hierRoot">
+                    <dgm:param type="hierAlign" val="rCtrCh"/>
+                  </dgm:alg>
+                  <dgm:constrLst>
+                    <dgm:constr type="alignOff" val="0.65"/>
+                  </dgm:constrLst>
+                </dgm:else>
+              </dgm:choose>
+            </dgm:if>
+            <dgm:else name="Name18">
+              <dgm:choose name="Name19">
+                <dgm:if name="Name20" func="var" arg="dir" op="equ" val="norm">
+                  <dgm:alg type="hierRoot">
+                    <dgm:param type="hierAlign" val="lCtrCh"/>
+                  </dgm:alg>
+                  <dgm:constrLst>
+                    <dgm:constr type="alignOff"/>
+                    <dgm:constr type="bendDist" for="des" ptType="parTrans" refType="sp" fact="0.5"/>
+                  </dgm:constrLst>
+                </dgm:if>
+                <dgm:else name="Name21">
+                  <dgm:alg type="hierRoot">
+                    <dgm:param type="hierAlign" val="rCtrCh"/>
+                  </dgm:alg>
+                  <dgm:constrLst>
+                    <dgm:constr type="alignOff"/>
+                    <dgm:constr type="bendDist" for="des" ptType="parTrans" refType="sp" fact="0.5"/>
+                  </dgm:constrLst>
+                </dgm:else>
+              </dgm:choose>
+            </dgm:else>
+          </dgm:choose>
+          <dgm:shape xmlns:r="http://schemas.openxmlformats.org/officeDocument/2006/relationships" r:blip="">
+            <dgm:adjLst/>
+          </dgm:shape>
+          <dgm:presOf/>
+          <dgm:ruleLst/>
+          <dgm:layoutNode name="rootComposite1">
+            <dgm:alg type="composite"/>
+            <dgm:shape xmlns:r="http://schemas.openxmlformats.org/officeDocument/2006/relationships" r:blip="">
+              <dgm:adjLst/>
+            </dgm:shape>
+            <dgm:presOf axis="self" ptType="node" cnt="1"/>
+            <dgm:choose name="Name22">
+              <dgm:if name="Name23" func="var" arg="hierBranch" op="equ" val="init">
+                <dgm:constrLst>
+                  <dgm:constr type="l" for="ch" forName="rootText1"/>
+                  <dgm:constr type="t" for="ch" forName="rootText1"/>
+                  <dgm:constr type="w" for="ch" forName="rootText1" refType="w"/>
+                  <dgm:constr type="h" for="ch" forName="rootText1" refType="h"/>
+                  <dgm:constr type="l" for="ch" forName="rootConnector1"/>
+                  <dgm:constr type="t" for="ch" forName="rootConnector1"/>
+                  <dgm:constr type="w" for="ch" forName="rootConnector1" refType="w" refFor="ch" refForName="rootText1" fact="0.2"/>
+                  <dgm:constr type="h" for="ch" forName="rootConnector1" refType="h" refFor="ch" refForName="rootText1"/>
+                </dgm:constrLst>
+              </dgm:if>
+              <dgm:if name="Name24" func="var" arg="hierBranch" op="equ" val="l">
+                <dgm:constrLst>
+                  <dgm:constr type="l" for="ch" forName="rootText1"/>
+                  <dgm:constr type="t" for="ch" forName="rootText1"/>
+                  <dgm:constr type="w" for="ch" forName="rootText1" refType="w"/>
+                  <dgm:constr type="h" for="ch" forName="rootText1" refType="h"/>
+                  <dgm:constr type="r" for="ch" forName="rootConnector1" refType="w"/>
+                  <dgm:constr type="t" for="ch" forName="rootConnector1"/>
+                  <dgm:constr type="w" for="ch" forName="rootConnector1" refType="w" refFor="ch" refForName="rootText1" fact="0.2"/>
+                  <dgm:constr type="h" for="ch" forName="rootConnector1" refType="h" refFor="ch" refForName="rootText1"/>
+                </dgm:constrLst>
+              </dgm:if>
+              <dgm:if name="Name25" func="var" arg="hierBranch" op="equ" val="r">
+                <dgm:constrLst>
+                  <dgm:constr type="l" for="ch" forName="rootText1"/>
+                  <dgm:constr type="t" for="ch" forName="rootText1"/>
+                  <dgm:constr type="w" for="ch" forName="rootText1" refType="w"/>
+                  <dgm:constr type="h" for="ch" forName="rootText1" refType="h"/>
+                  <dgm:constr type="l" for="ch" forName="rootConnector1"/>
+                  <dgm:constr type="t" for="ch" forName="rootConnector1"/>
+                  <dgm:constr type="w" for="ch" forName="rootConnector1" refType="w" refFor="ch" refForName="rootText1" fact="0.2"/>
+                  <dgm:constr type="h" for="ch" forName="rootConnector1" refType="h" refFor="ch" refForName="rootText1"/>
+                </dgm:constrLst>
+              </dgm:if>
+              <dgm:else name="Name26">
+                <dgm:constrLst>
+                  <dgm:constr type="l" for="ch" forName="rootText1"/>
+                  <dgm:constr type="t" for="ch" forName="rootText1"/>
+                  <dgm:constr type="w" for="ch" forName="rootText1" refType="w"/>
+                  <dgm:constr type="h" for="ch" forName="rootText1" refType="h"/>
+                  <dgm:constr type="r" for="ch" forName="rootConnector1" refType="w"/>
+                  <dgm:constr type="t" for="ch" forName="rootConnector1"/>
+                  <dgm:constr type="w" for="ch" forName="rootConnector1" refType="w" refFor="ch" refForName="rootText1" fact="0.2"/>
+                  <dgm:constr type="h" for="ch" forName="rootConnector1" refType="h" refFor="ch" refForName="rootText1"/>
+                </dgm:constrLst>
+              </dgm:else>
+            </dgm:choose>
+            <dgm:ruleLst/>
+            <dgm:layoutNode name="rootText1" styleLbl="node0">
+              <dgm:varLst>
+                <dgm:chPref val="3"/>
+              </dgm:varLst>
+              <dgm:alg type="tx"/>
+              <dgm:shape xmlns:r="http://schemas.openxmlformats.org/officeDocument/2006/relationships" type="rect" r:blip="">
+                <dgm:adjLst/>
+              </dgm:shape>
+              <dgm:presOf axis="self" ptType="node" cnt="1"/>
+              <dgm:constrLst>
+                <dgm:constr type="primFontSz" val="65"/>
+                <dgm:constr type="lMarg" refType="primFontSz" fact="0.05"/>
+                <dgm:constr type="rMarg" refType="primFontSz" fact="0.05"/>
+                <dgm:constr type="tMarg" refType="primFontSz" fact="0.05"/>
+                <dgm:constr type="bMarg" refType="primFontSz" fact="0.05"/>
+              </dgm:constrLst>
+              <dgm:ruleLst>
+                <dgm:rule type="primFontSz" val="5" fact="NaN" max="NaN"/>
+              </dgm:ruleLst>
+            </dgm:layoutNode>
+            <dgm:layoutNode name="rootConnector1" moveWith="rootText1">
+              <dgm:alg type="sp"/>
+              <dgm:shape xmlns:r="http://schemas.openxmlformats.org/officeDocument/2006/relationships" type="rect" r:blip="" hideGeom="1">
+                <dgm:adjLst/>
+              </dgm:shape>
+              <dgm:presOf axis="self" ptType="node" cnt="1"/>
+              <dgm:constrLst/>
+              <dgm:ruleLst/>
+            </dgm:layoutNode>
+          </dgm:layoutNode>
+          <dgm:layoutNode name="hierChild2">
+            <dgm:choose name="Name27">
+              <dgm:if name="Name28" func="var" arg="hierBranch" op="equ" val="l">
+                <dgm:choose name="Name29">
+                  <dgm:if name="Name30" func="var" arg="dir" op="equ" val="norm">
+                    <dgm:alg type="hierChild">
+                      <dgm:param type="chAlign" val="t"/>
+                      <dgm:param type="linDir" val="fromL"/>
+                    </dgm:alg>
+                  </dgm:if>
+                  <dgm:else name="Name31">
+                    <dgm:alg type="hierChild">
+                      <dgm:param type="chAlign" val="t"/>
+                      <dgm:param type="linDir" val="fromR"/>
+                    </dgm:alg>
+                  </dgm:else>
+                </dgm:choose>
+              </dgm:if>
+              <dgm:if name="Name32" func="var" arg="hierBranch" op="equ" val="r">
+                <dgm:choose name="Name33">
+                  <dgm:if name="Name34" func="var" arg="dir" op="equ" val="norm">
+                    <dgm:alg type="hierChild">
+                      <dgm:param type="chAlign" val="b"/>
+                      <dgm:param type="linDir" val="fromL"/>
+                    </dgm:alg>
+                  </dgm:if>
+                  <dgm:else name="Name35">
+                    <dgm:alg type="hierChild">
+                      <dgm:param type="chAlign" val="b"/>
+                      <dgm:param type="linDir" val="fromR"/>
+                    </dgm:alg>
+                  </dgm:else>
+                </dgm:choose>
+              </dgm:if>
+              <dgm:if name="Name36" func="var" arg="hierBranch" op="equ" val="hang">
+                <dgm:choose name="Name37">
+                  <dgm:if name="Name38" func="var" arg="dir" op="equ" val="norm">
+                    <dgm:alg type="hierChild">
+                      <dgm:param type="chAlign" val="l"/>
+                      <dgm:param type="linDir" val="fromT"/>
+                      <dgm:param type="secChAlign" val="t"/>
+                      <dgm:param type="secLinDir" val="fromL"/>
+                    </dgm:alg>
+                  </dgm:if>
+                  <dgm:else name="Name39">
+                    <dgm:alg type="hierChild">
+                      <dgm:param type="chAlign" val="r"/>
+                      <dgm:param type="linDir" val="fromT"/>
+                      <dgm:param type="secChAlign" val="t"/>
+                      <dgm:param type="secLinDir" val="fromR"/>
+                    </dgm:alg>
+                  </dgm:else>
+                </dgm:choose>
+              </dgm:if>
+              <dgm:else name="Name40">
+                <dgm:choose name="Name41">
+                  <dgm:if name="Name42" func="var" arg="dir" op="equ" val="norm">
+                    <dgm:alg type="hierChild">
+                      <dgm:param type="linDir" val="fromT"/>
+                      <dgm:param type="chAlign" val="l"/>
+                    </dgm:alg>
+                  </dgm:if>
+                  <dgm:else name="Name43">
+                    <dgm:alg type="hierChild">
+                      <dgm:param type="linDir" val="fromT"/>
+                      <dgm:param type="chAlign" val="r"/>
+                    </dgm:alg>
+                  </dgm:else>
+                </dgm:choose>
+              </dgm:else>
+            </dgm:choose>
             <dgm:shape xmlns:r="http://schemas.openxmlformats.org/officeDocument/2006/relationships" r:blip="">
               <dgm:adjLst/>
             </dgm:shape>
             <dgm:presOf/>
             <dgm:constrLst/>
             <dgm:ruleLst/>
-          </dgm:layoutNode>
-        </dgm:if>
-        <dgm:else name="Name8"/>
-      </dgm:choose>
-      <dgm:layoutNode name="hierChild1">
-        <dgm:varLst>
-          <dgm:chPref val="1"/>
-          <dgm:animOne val="branch"/>
-          <dgm:animLvl val="lvl"/>
-        </dgm:varLst>
-        <dgm:choose name="Name9">
-          <dgm:if name="Name10" func="var" arg="dir" op="equ" val="norm">
-            <dgm:alg type="hierChild">
-              <dgm:param type="linDir" val="fromL"/>
-              <dgm:param type="vertAlign" val="t"/>
-            </dgm:alg>
-          </dgm:if>
-          <dgm:else name="Name11">
-            <dgm:alg type="hierChild">
-              <dgm:param type="linDir" val="fromR"/>
-              <dgm:param type="vertAlign" val="t"/>
-            </dgm:alg>
-          </dgm:else>
-        </dgm:choose>
-        <dgm:shape xmlns:r="http://schemas.openxmlformats.org/officeDocument/2006/relationships" r:blip="">
-          <dgm:adjLst/>
-        </dgm:shape>
-        <dgm:presOf/>
-        <dgm:constrLst>
-          <dgm:constr type="primFontSz" for="des" ptType="node" op="equ"/>
-        </dgm:constrLst>
-        <dgm:ruleLst/>
-        <dgm:forEach name="Name12" axis="ch" cnt="3">
-          <dgm:forEach name="Name13" axis="self" ptType="node">
-            <dgm:layoutNode name="Name14">
-              <dgm:alg type="hierRoot"/>
-              <dgm:shape xmlns:r="http://schemas.openxmlformats.org/officeDocument/2006/relationships" r:blip="">
-                <dgm:adjLst/>
-              </dgm:shape>
-              <dgm:presOf/>
-              <dgm:constrLst/>
-              <dgm:ruleLst/>
-              <dgm:layoutNode name="level1Shape" styleLbl="node0">
+            <dgm:forEach name="rep2a" axis="ch" ptType="nonAsst">
+              <dgm:forEach name="Name44" axis="precedSib" ptType="parTrans" st="-1" cnt="1">
+                <dgm:choose name="Name45">
+                  <dgm:if name="Name46" func="var" arg="hierBranch" op="equ" val="hang">
+                    <dgm:layoutNode name="Name47">
+                      <dgm:choose name="Name48">
+                        <dgm:if name="Name49" func="var" arg="dir" op="equ" val="norm">
+                          <dgm:alg type="conn">
+                            <dgm:param type="connRout" val="bend"/>
+                            <dgm:param type="dim" val="1D"/>
+                            <dgm:param type="endSty" val="noArr"/>
+                            <dgm:param type="begPts" val="midR"/>
+                            <dgm:param type="endPts" val="bCtr tCtr"/>
+                          </dgm:alg>
+                        </dgm:if>
+                        <dgm:else name="Name50">
+                          <dgm:alg type="conn">
+                            <dgm:param type="connRout" val="bend"/>
+                            <dgm:param type="dim" val="1D"/>
+                            <dgm:param type="endSty" val="noArr"/>
+                            <dgm:param type="begPts" val="midL"/>
+                            <dgm:param type="endPts" val="bCtr tCtr"/>
+                          </dgm:alg>
+                        </dgm:else>
+                      </dgm:choose>
+                      <dgm:shape xmlns:r="http://schemas.openxmlformats.org/officeDocument/2006/relationships" type="conn" r:blip="" zOrderOff="-99999">
+                        <dgm:adjLst/>
+                      </dgm:shape>
+                      <dgm:presOf axis="self"/>
+                      <dgm:constrLst>
+                        <dgm:constr type="begPad"/>
+                        <dgm:constr type="endPad"/>
+                      </dgm:constrLst>
+                      <dgm:ruleLst/>
+                    </dgm:layoutNode>
+                  </dgm:if>
+                  <dgm:if name="Name51" func="var" arg="hierBranch" op="equ" val="l">
+                    <dgm:layoutNode name="Name52">
+                      <dgm:choose name="Name53">
+                        <dgm:if name="Name54" func="var" arg="dir" op="equ" val="norm">
+                          <dgm:alg type="conn">
+                            <dgm:param type="connRout" val="bend"/>
+                            <dgm:param type="dim" val="1D"/>
+                            <dgm:param type="endSty" val="noArr"/>
+                            <dgm:param type="begPts" val="midR"/>
+                            <dgm:param type="endPts" val="tCtr"/>
+                          </dgm:alg>
+                        </dgm:if>
+                        <dgm:else name="Name55">
+                          <dgm:alg type="conn">
+                            <dgm:param type="connRout" val="bend"/>
+                            <dgm:param type="dim" val="1D"/>
+                            <dgm:param type="endSty" val="noArr"/>
+                            <dgm:param type="begPts" val="midL"/>
+                            <dgm:param type="endPts" val="tCtr"/>
+                          </dgm:alg>
+                        </dgm:else>
+                      </dgm:choose>
+                      <dgm:shape xmlns:r="http://schemas.openxmlformats.org/officeDocument/2006/relationships" type="conn" r:blip="" zOrderOff="-99999">
+                        <dgm:adjLst/>
+                      </dgm:shape>
+                      <dgm:presOf axis="self"/>
+                      <dgm:constrLst>
+                        <dgm:constr type="begPad"/>
+                        <dgm:constr type="endPad"/>
+                      </dgm:constrLst>
+                      <dgm:ruleLst/>
+                    </dgm:layoutNode>
+                  </dgm:if>
+                  <dgm:if name="Name56" func="var" arg="hierBranch" op="equ" val="r">
+                    <dgm:layoutNode name="Name57">
+                      <dgm:choose name="Name58">
+                        <dgm:if name="Name59" func="var" arg="dir" op="equ" val="norm">
+                          <dgm:alg type="conn">
+                            <dgm:param type="connRout" val="bend"/>
+                            <dgm:param type="dim" val="1D"/>
+                            <dgm:param type="endSty" val="noArr"/>
+                            <dgm:param type="begPts" val="midR"/>
+                            <dgm:param type="endPts" val="bCtr"/>
+                          </dgm:alg>
+                        </dgm:if>
+                        <dgm:else name="Name60">
+                          <dgm:alg type="conn">
+                            <dgm:param type="connRout" val="bend"/>
+                            <dgm:param type="dim" val="1D"/>
+                            <dgm:param type="endSty" val="noArr"/>
+                            <dgm:param type="begPts" val="midL"/>
+                            <dgm:param type="endPts" val="bCtr"/>
+                          </dgm:alg>
+                        </dgm:else>
+                      </dgm:choose>
+                      <dgm:shape xmlns:r="http://schemas.openxmlformats.org/officeDocument/2006/relationships" type="conn" r:blip="" zOrderOff="-99999">
+                        <dgm:adjLst/>
+                      </dgm:shape>
+                      <dgm:presOf axis="self"/>
+                      <dgm:constrLst>
+                        <dgm:constr type="begPad"/>
+                        <dgm:constr type="endPad"/>
+                      </dgm:constrLst>
+                      <dgm:ruleLst/>
+                    </dgm:layoutNode>
+                  </dgm:if>
+                  <dgm:else name="Name61">
+                    <dgm:choose name="Name62">
+                      <dgm:if name="Name63" func="var" arg="dir" op="equ" val="norm">
+                        <dgm:layoutNode name="Name64">
+                          <dgm:alg type="conn">
+                            <dgm:param type="connRout" val="bend"/>
+                            <dgm:param type="dim" val="1D"/>
+                            <dgm:param type="endSty" val="noArr"/>
+                            <dgm:param type="begPts" val="midR"/>
+                            <dgm:param type="endPts" val="midL"/>
+                            <dgm:param type="bendPt" val="end"/>
+                          </dgm:alg>
+                          <dgm:shape xmlns:r="http://schemas.openxmlformats.org/officeDocument/2006/relationships" type="conn" r:blip="" zOrderOff="-99999">
+                            <dgm:adjLst/>
+                          </dgm:shape>
+                          <dgm:presOf axis="self"/>
+                          <dgm:constrLst>
+                            <dgm:constr type="begPad"/>
+                            <dgm:constr type="endPad"/>
+                          </dgm:constrLst>
+                          <dgm:ruleLst/>
+                        </dgm:layoutNode>
+                      </dgm:if>
+                      <dgm:else name="Name65">
+                        <dgm:layoutNode name="Name66">
+                          <dgm:alg type="conn">
+                            <dgm:param type="connRout" val="bend"/>
+                            <dgm:param type="dim" val="1D"/>
+                            <dgm:param type="endSty" val="noArr"/>
+                            <dgm:param type="begPts" val="midL"/>
+                            <dgm:param type="endPts" val="midR"/>
+                            <dgm:param type="bendPt" val="end"/>
+                          </dgm:alg>
+                          <dgm:shape xmlns:r="http://schemas.openxmlformats.org/officeDocument/2006/relationships" type="conn" r:blip="" zOrderOff="-99999">
+                            <dgm:adjLst/>
+                          </dgm:shape>
+                          <dgm:presOf axis="self"/>
+                          <dgm:constrLst>
+                            <dgm:constr type="begPad"/>
+                            <dgm:constr type="endPad"/>
+                          </dgm:constrLst>
+                          <dgm:ruleLst/>
+                        </dgm:layoutNode>
+                      </dgm:else>
+                    </dgm:choose>
+                  </dgm:else>
+                </dgm:choose>
+              </dgm:forEach>
+              <dgm:layoutNode name="hierRoot2">
                 <dgm:varLst>
-                  <dgm:chPref val="3"/>
+                  <dgm:hierBranch val="init"/>
                 </dgm:varLst>
-                <dgm:alg type="tx"/>
-                <dgm:shape xmlns:r="http://schemas.openxmlformats.org/officeDocument/2006/relationships" type="roundRect" r:blip="">
-                  <dgm:adjLst>
-                    <dgm:adj idx="1" val="0.1"/>
-                  </dgm:adjLst>
-                </dgm:shape>
-                <dgm:presOf axis="self"/>
-                <dgm:constrLst>
-                  <dgm:constr type="primFontSz" val="65"/>
-                  <dgm:constr type="tMarg" refType="primFontSz" fact="0.3"/>
-                  <dgm:constr type="bMarg" refType="primFontSz" fact="0.3"/>
-                  <dgm:constr type="lMarg" refType="primFontSz" fact="0.3"/>
-                  <dgm:constr type="rMarg" refType="primFontSz" fact="0.3"/>
-                </dgm:constrLst>
-                <dgm:ruleLst>
-                  <dgm:rule type="primFontSz" val="5" fact="NaN" max="NaN"/>
-                </dgm:ruleLst>
-              </dgm:layoutNode>
-              <dgm:layoutNode name="hierChild2">
-                <dgm:choose name="Name15">
-                  <dgm:if name="Name16" func="var" arg="dir" op="equ" val="norm">
-                    <dgm:alg type="hierChild">
-                      <dgm:param type="linDir" val="fromL"/>
-                    </dgm:alg>
+                <dgm:choose name="Name67">
+                  <dgm:if name="Name68" func="var" arg="hierBranch" op="equ" val="l">
+                    <dgm:choose name="Name69">
+                      <dgm:if name="Name70" func="var" arg="dir" op="equ" val="norm">
+                        <dgm:alg type="hierRoot">
+                          <dgm:param type="hierAlign" val="lT"/>
+                        </dgm:alg>
+                        <dgm:constrLst>
+                          <dgm:constr type="alignOff" val="0.75"/>
+                        </dgm:constrLst>
+                      </dgm:if>
+                      <dgm:else name="Name71">
+                        <dgm:alg type="hierRoot">
+                          <dgm:param type="hierAlign" val="rT"/>
+                        </dgm:alg>
+                        <dgm:constrLst>
+                          <dgm:constr type="alignOff" val="0.75"/>
+                        </dgm:constrLst>
+                      </dgm:else>
+                    </dgm:choose>
                   </dgm:if>
-                  <dgm:else name="Name17">
-                    <dgm:alg type="hierChild">
-                      <dgm:param type="linDir" val="fromR"/>
-                    </dgm:alg>
+                  <dgm:if name="Name72" func="var" arg="hierBranch" op="equ" val="r">
+                    <dgm:choose name="Name73">
+                      <dgm:if name="Name74" func="var" arg="dir" op="equ" val="norm">
+                        <dgm:alg type="hierRoot">
+                          <dgm:param type="hierAlign" val="lB"/>
+                        </dgm:alg>
+                        <dgm:constrLst>
+                          <dgm:constr type="alignOff" val="0.75"/>
+                        </dgm:constrLst>
+                      </dgm:if>
+                      <dgm:else name="Name75">
+                        <dgm:alg type="hierRoot">
+                          <dgm:param type="hierAlign" val="rB"/>
+                        </dgm:alg>
+                        <dgm:constrLst>
+                          <dgm:constr type="alignOff" val="0.75"/>
+                        </dgm:constrLst>
+                      </dgm:else>
+                    </dgm:choose>
+                  </dgm:if>
+                  <dgm:if name="Name76" func="var" arg="hierBranch" op="equ" val="hang">
+                    <dgm:choose name="Name77">
+                      <dgm:if name="Name78" func="var" arg="dir" op="equ" val="norm">
+                        <dgm:alg type="hierRoot">
+                          <dgm:param type="hierAlign" val="lCtrCh"/>
+                        </dgm:alg>
+                        <dgm:constrLst>
+                          <dgm:constr type="alignOff" val="0.65"/>
+                        </dgm:constrLst>
+                      </dgm:if>
+                      <dgm:else name="Name79">
+                        <dgm:alg type="hierRoot">
+                          <dgm:param type="hierAlign" val="rCtrCh"/>
+                        </dgm:alg>
+                        <dgm:constrLst>
+                          <dgm:constr type="alignOff" val="0.65"/>
+                        </dgm:constrLst>
+                      </dgm:else>
+                    </dgm:choose>
+                  </dgm:if>
+                  <dgm:else name="Name80">
+                    <dgm:choose name="Name81">
+                      <dgm:if name="Name82" func="var" arg="dir" op="equ" val="norm">
+                        <dgm:alg type="hierRoot">
+                          <dgm:param type="hierAlign" val="lCtrCh"/>
+                        </dgm:alg>
+                        <dgm:constrLst>
+                          <dgm:constr type="alignOff"/>
+                          <dgm:constr type="bendDist" for="des" ptType="parTrans" refType="sp" fact="0.5"/>
+                        </dgm:constrLst>
+                      </dgm:if>
+                      <dgm:else name="Name83">
+                        <dgm:alg type="hierRoot">
+                          <dgm:param type="hierAlign" val="rCtrCh"/>
+                        </dgm:alg>
+                        <dgm:constrLst>
+                          <dgm:constr type="alignOff"/>
+                          <dgm:constr type="bendDist" for="des" ptType="parTrans" refType="sp" fact="0.5"/>
+                        </dgm:constrLst>
+                      </dgm:else>
+                    </dgm:choose>
                   </dgm:else>
                 </dgm:choose>
                 <dgm:shape xmlns:r="http://schemas.openxmlformats.org/officeDocument/2006/relationships" r:blip="">
                   <dgm:adjLst/>
                 </dgm:shape>
                 <dgm:presOf/>
-                <dgm:constrLst/>
                 <dgm:ruleLst/>
-                <dgm:forEach name="repeat" axis="ch">
-                  <dgm:forEach name="Name18" axis="self" ptType="parTrans" cnt="1">
-                    <dgm:layoutNode name="Name19">
+                <dgm:layoutNode name="rootComposite">
+                  <dgm:alg type="composite"/>
+                  <dgm:shape xmlns:r="http://schemas.openxmlformats.org/officeDocument/2006/relationships" r:blip="">
+                    <dgm:adjLst/>
+                  </dgm:shape>
+                  <dgm:presOf axis="self" ptType="node" cnt="1"/>
+                  <dgm:choose name="Name84">
+                    <dgm:if name="Name85" func="var" arg="hierBranch" op="equ" val="init">
+                      <dgm:constrLst>
+                        <dgm:constr type="l" for="ch" forName="rootText"/>
+                        <dgm:constr type="t" for="ch" forName="rootText"/>
+                        <dgm:constr type="w" for="ch" forName="rootText" refType="w"/>
+                        <dgm:constr type="h" for="ch" forName="rootText" refType="h"/>
+                        <dgm:constr type="l" for="ch" forName="rootConnector"/>
+                        <dgm:constr type="t" for="ch" forName="rootConnector"/>
+                        <dgm:constr type="w" for="ch" forName="rootConnector" refType="w" refFor="ch" refForName="rootText" fact="0.2"/>
+                        <dgm:constr type="h" for="ch" forName="rootConnector" refType="h" refFor="ch" refForName="rootText"/>
+                      </dgm:constrLst>
+                    </dgm:if>
+                    <dgm:if name="Name86" func="var" arg="hierBranch" op="equ" val="l">
+                      <dgm:constrLst>
+                        <dgm:constr type="l" for="ch" forName="rootText"/>
+                        <dgm:constr type="t" for="ch" forName="rootText"/>
+                        <dgm:constr type="w" for="ch" forName="rootText" refType="w"/>
+                        <dgm:constr type="h" for="ch" forName="rootText" refType="h"/>
+                        <dgm:constr type="r" for="ch" forName="rootConnector" refType="w"/>
+                        <dgm:constr type="t" for="ch" forName="rootConnector"/>
+                        <dgm:constr type="w" for="ch" forName="rootConnector" refType="w" refFor="ch" refForName="rootText" fact="0.2"/>
+                        <dgm:constr type="h" for="ch" forName="rootConnector" refType="h" refFor="ch" refForName="rootText"/>
+                      </dgm:constrLst>
+                    </dgm:if>
+                    <dgm:if name="Name87" func="var" arg="hierBranch" op="equ" val="r">
+                      <dgm:constrLst>
+                        <dgm:constr type="l" for="ch" forName="rootText"/>
+                        <dgm:constr type="t" for="ch" forName="rootText"/>
+                        <dgm:constr type="w" for="ch" forName="rootText" refType="w"/>
+                        <dgm:constr type="h" for="ch" forName="rootText" refType="h"/>
+                        <dgm:constr type="l" for="ch" forName="rootConnector"/>
+                        <dgm:constr type="t" for="ch" forName="rootConnector"/>
+                        <dgm:constr type="w" for="ch" forName="rootConnector" refType="w" refFor="ch" refForName="rootText" fact="0.2"/>
+                        <dgm:constr type="h" for="ch" forName="rootConnector" refType="h" refFor="ch" refForName="rootText"/>
+                      </dgm:constrLst>
+                    </dgm:if>
+                    <dgm:else name="Name88">
+                      <dgm:constrLst>
+                        <dgm:constr type="l" for="ch" forName="rootText"/>
+                        <dgm:constr type="t" for="ch" forName="rootText"/>
+                        <dgm:constr type="w" for="ch" forName="rootText" refType="w"/>
+                        <dgm:constr type="h" for="ch" forName="rootText" refType="h"/>
+                        <dgm:constr type="r" for="ch" forName="rootConnector" refType="w"/>
+                        <dgm:constr type="t" for="ch" forName="rootConnector"/>
+                        <dgm:constr type="w" for="ch" forName="rootConnector" refType="w" refFor="ch" refForName="rootText" fact="0.2"/>
+                        <dgm:constr type="h" for="ch" forName="rootConnector" refType="h" refFor="ch" refForName="rootText"/>
+                      </dgm:constrLst>
+                    </dgm:else>
+                  </dgm:choose>
+                  <dgm:ruleLst/>
+                  <dgm:layoutNode name="rootText">
+                    <dgm:varLst>
+                      <dgm:chPref val="3"/>
+                    </dgm:varLst>
+                    <dgm:alg type="tx"/>
+                    <dgm:shape xmlns:r="http://schemas.openxmlformats.org/officeDocument/2006/relationships" type="rect" r:blip="">
+                      <dgm:adjLst/>
+                    </dgm:shape>
+                    <dgm:presOf axis="self" ptType="node" cnt="1"/>
+                    <dgm:constrLst>
+                      <dgm:constr type="primFontSz" val="65"/>
+                      <dgm:constr type="lMarg" refType="primFontSz" fact="0.05"/>
+                      <dgm:constr type="rMarg" refType="primFontSz" fact="0.05"/>
+                      <dgm:constr type="tMarg" refType="primFontSz" fact="0.05"/>
+                      <dgm:constr type="bMarg" refType="primFontSz" fact="0.05"/>
+                    </dgm:constrLst>
+                    <dgm:ruleLst>
+                      <dgm:rule type="primFontSz" val="5" fact="NaN" max="NaN"/>
+                    </dgm:ruleLst>
+                  </dgm:layoutNode>
+                  <dgm:layoutNode name="rootConnector" moveWith="rootText">
+                    <dgm:alg type="sp"/>
+                    <dgm:shape xmlns:r="http://schemas.openxmlformats.org/officeDocument/2006/relationships" type="rect" r:blip="" hideGeom="1">
+                      <dgm:adjLst/>
+                    </dgm:shape>
+                    <dgm:presOf axis="self" ptType="node" cnt="1"/>
+                    <dgm:constrLst/>
+                    <dgm:ruleLst/>
+                  </dgm:layoutNode>
+                </dgm:layoutNode>
+                <dgm:layoutNode name="hierChild4">
+                  <dgm:choose name="Name89">
+                    <dgm:if name="Name90" func="var" arg="hierBranch" op="equ" val="l">
+                      <dgm:choose name="Name91">
+                        <dgm:if name="Name92" func="var" arg="dir" op="equ" val="norm">
+                          <dgm:alg type="hierChild">
+                            <dgm:param type="chAlign" val="t"/>
+                            <dgm:param type="linDir" val="fromL"/>
+                          </dgm:alg>
+                        </dgm:if>
+                        <dgm:else name="Name93">
+                          <dgm:alg type="hierChild">
+                            <dgm:param type="chAlign" val="t"/>
+                            <dgm:param type="linDir" val="fromR"/>
+                          </dgm:alg>
+                        </dgm:else>
+                      </dgm:choose>
+                    </dgm:if>
+                    <dgm:if name="Name94" func="var" arg="hierBranch" op="equ" val="r">
+                      <dgm:choose name="Name95">
+                        <dgm:if name="Name96" func="var" arg="dir" op="equ" val="norm">
+                          <dgm:alg type="hierChild">
+                            <dgm:param type="chAlign" val="b"/>
+                            <dgm:param type="linDir" val="fromL"/>
+                          </dgm:alg>
+                        </dgm:if>
+                        <dgm:else name="Name97">
+                          <dgm:alg type="hierChild">
+                            <dgm:param type="chAlign" val="b"/>
+                            <dgm:param type="linDir" val="fromR"/>
+                          </dgm:alg>
+                        </dgm:else>
+                      </dgm:choose>
+                    </dgm:if>
+                    <dgm:if name="Name98" func="var" arg="hierBranch" op="equ" val="hang">
+                      <dgm:choose name="Name99">
+                        <dgm:if name="Name100" func="var" arg="dir" op="equ" val="norm">
+                          <dgm:alg type="hierChild">
+                            <dgm:param type="chAlign" val="l"/>
+                            <dgm:param type="linDir" val="fromT"/>
+                            <dgm:param type="secChAlign" val="t"/>
+                            <dgm:param type="secLinDir" val="fromL"/>
+                          </dgm:alg>
+                        </dgm:if>
+                        <dgm:else name="Name101">
+                          <dgm:alg type="hierChild">
+                            <dgm:param type="chAlign" val="r"/>
+                            <dgm:param type="linDir" val="fromT"/>
+                            <dgm:param type="secChAlign" val="t"/>
+                            <dgm:param type="secLinDir" val="fromR"/>
+                          </dgm:alg>
+                        </dgm:else>
+                      </dgm:choose>
+                    </dgm:if>
+                    <dgm:else name="Name102">
+                      <dgm:choose name="Name103">
+                        <dgm:if name="Name104" func="var" arg="dir" op="equ" val="norm">
+                          <dgm:alg type="hierChild">
+                            <dgm:param type="linDir" val="fromT"/>
+                            <dgm:param type="chAlign" val="l"/>
+                          </dgm:alg>
+                        </dgm:if>
+                        <dgm:else name="Name105">
+                          <dgm:alg type="hierChild">
+                            <dgm:param type="linDir" val="fromT"/>
+                            <dgm:param type="chAlign" val="r"/>
+                          </dgm:alg>
+                        </dgm:else>
+                      </dgm:choose>
+                    </dgm:else>
+                  </dgm:choose>
+                  <dgm:shape xmlns:r="http://schemas.openxmlformats.org/officeDocument/2006/relationships" r:blip="">
+                    <dgm:adjLst/>
+                  </dgm:shape>
+                  <dgm:presOf/>
+                  <dgm:constrLst/>
+                  <dgm:ruleLst/>
+                  <dgm:forEach name="Name106" ref="rep2a"/>
+                </dgm:layoutNode>
+                <dgm:layoutNode name="hierChild5">
+                  <dgm:choose name="Name107">
+                    <dgm:if name="Name108" func="var" arg="dir" op="equ" val="norm">
+                      <dgm:alg type="hierChild">
+                        <dgm:param type="chAlign" val="l"/>
+                        <dgm:param type="linDir" val="fromT"/>
+                        <dgm:param type="secChAlign" val="t"/>
+                        <dgm:param type="secLinDir" val="fromL"/>
+                      </dgm:alg>
+                    </dgm:if>
+                    <dgm:else name="Name109">
+                      <dgm:alg type="hierChild">
+                        <dgm:param type="chAlign" val="r"/>
+                        <dgm:param type="linDir" val="fromT"/>
+                        <dgm:param type="secChAlign" val="t"/>
+                        <dgm:param type="secLinDir" val="fromR"/>
+                      </dgm:alg>
+                    </dgm:else>
+                  </dgm:choose>
+                  <dgm:shape xmlns:r="http://schemas.openxmlformats.org/officeDocument/2006/relationships" r:blip="">
+                    <dgm:adjLst/>
+                  </dgm:shape>
+                  <dgm:presOf/>
+                  <dgm:constrLst/>
+                  <dgm:ruleLst/>
+                  <dgm:forEach name="Name110" ref="rep2b"/>
+                </dgm:layoutNode>
+              </dgm:layoutNode>
+            </dgm:forEach>
+          </dgm:layoutNode>
+          <dgm:layoutNode name="hierChild3">
+            <dgm:choose name="Name111">
+              <dgm:if name="Name112" func="var" arg="dir" op="equ" val="norm">
+                <dgm:alg type="hierChild">
+                  <dgm:param type="chAlign" val="l"/>
+                  <dgm:param type="linDir" val="fromT"/>
+                  <dgm:param type="secChAlign" val="t"/>
+                  <dgm:param type="secLinDir" val="fromL"/>
+                </dgm:alg>
+              </dgm:if>
+              <dgm:else name="Name113">
+                <dgm:alg type="hierChild">
+                  <dgm:param type="chAlign" val="r"/>
+                  <dgm:param type="linDir" val="fromT"/>
+                  <dgm:param type="secChAlign" val="t"/>
+                  <dgm:param type="secLinDir" val="fromR"/>
+                </dgm:alg>
+              </dgm:else>
+            </dgm:choose>
+            <dgm:shape xmlns:r="http://schemas.openxmlformats.org/officeDocument/2006/relationships" r:blip="">
+              <dgm:adjLst/>
+            </dgm:shape>
+            <dgm:presOf/>
+            <dgm:constrLst/>
+            <dgm:ruleLst/>
+            <dgm:forEach name="rep2b" axis="ch" ptType="asst">
+              <dgm:forEach name="Name114" axis="precedSib" ptType="parTrans" st="-1" cnt="1">
+                <dgm:layoutNode name="Name115">
+                  <dgm:choose name="Name116">
+                    <dgm:if name="Name117" func="var" arg="dir" op="equ" val="norm">
                       <dgm:alg type="conn">
+                        <dgm:param type="connRout" val="bend"/>
                         <dgm:param type="dim" val="1D"/>
                         <dgm:param type="endSty" val="noArr"/>
+                        <dgm:param type="begPts" val="midR"/>
+                        <dgm:param type="endPts" val="bCtr tCtr"/>
+                      </dgm:alg>
+                    </dgm:if>
+                    <dgm:else name="Name118">
+                      <dgm:alg type="conn">
                         <dgm:param type="connRout" val="bend"/>
-                        <dgm:param type="begPts" val="bCtr"/>
-                        <dgm:param type="endPts" val="tCtr"/>
+                        <dgm:param type="dim" val="1D"/>
+                        <dgm:param type="endSty" val="noArr"/>
+                        <dgm:param type="begPts" val="midL"/>
+                        <dgm:param type="endPts" val="bCtr tCtr"/>
                       </dgm:alg>
-                      <dgm:shape xmlns:r="http://schemas.openxmlformats.org/officeDocument/2006/relationships" type="conn" r:blip="">
-                        <dgm:adjLst/>
-                      </dgm:shape>
-                      <dgm:presOf axis="self"/>
-                      <dgm:constrLst>
-                        <dgm:constr type="w" val="1"/>
-                        <dgm:constr type="h" val="1"/>
-                        <dgm:constr type="begPad"/>
-                        <dgm:constr type="endPad"/>
-                      </dgm:constrLst>
-                      <dgm:ruleLst/>
-                    </dgm:layoutNode>
-                  </dgm:forEach>
-                  <dgm:forEach name="Name20" axis="self" ptType="node">
-                    <dgm:layoutNode name="Name21">
-                      <dgm:alg type="hierRoot"/>
-                      <dgm:shape xmlns:r="http://schemas.openxmlformats.org/officeDocument/2006/relationships" r:blip="">
-                        <dgm:adjLst/>
-                      </dgm:shape>
-                      <dgm:presOf/>
-                      <dgm:constrLst/>
-                      <dgm:ruleLst/>
-                      <dgm:layoutNode name="level2Shape">
-                        <dgm:alg type="tx"/>
-                        <dgm:shape xmlns:r="http://schemas.openxmlformats.org/officeDocument/2006/relationships" type="roundRect" r:blip="">
-                          <dgm:adjLst>
-                            <dgm:adj idx="1" val="0.1"/>
-                          </dgm:adjLst>
-                        </dgm:shape>
-                        <dgm:presOf axis="self"/>
+                    </dgm:else>
+                  </dgm:choose>
+                  <dgm:shape xmlns:r="http://schemas.openxmlformats.org/officeDocument/2006/relationships" type="conn" r:blip="" zOrderOff="-99999">
+                    <dgm:adjLst/>
+                  </dgm:shape>
+                  <dgm:presOf axis="self"/>
+                  <dgm:constrLst>
+                    <dgm:constr type="begPad"/>
+                    <dgm:constr type="endPad"/>
+                  </dgm:constrLst>
+                  <dgm:ruleLst/>
+                </dgm:layoutNode>
+              </dgm:forEach>
+              <dgm:layoutNode name="hierRoot3">
+                <dgm:varLst>
+                  <dgm:hierBranch val="init"/>
+                </dgm:varLst>
+                <dgm:choose name="Name119">
+                  <dgm:if name="Name120" func="var" arg="hierBranch" op="equ" val="l">
+                    <dgm:choose name="Name121">
+                      <dgm:if name="Name122" func="var" arg="dir" op="equ" val="norm">
+                        <dgm:alg type="hierRoot">
+                          <dgm:param type="hierAlign" val="lT"/>
+                        </dgm:alg>
                         <dgm:constrLst>
-                          <dgm:constr type="primFontSz" val="65"/>
-                          <dgm:constr type="tMarg" refType="primFontSz" fact="0.3"/>
-                          <dgm:constr type="bMarg" refType="primFontSz" fact="0.3"/>
-                          <dgm:constr type="lMarg" refType="primFontSz" fact="0.3"/>
-                          <dgm:constr type="rMarg" refType="primFontSz" fact="0.3"/>
+                          <dgm:constr type="alignOff" val="0.75"/>
                         </dgm:constrLst>
-                        <dgm:ruleLst>
-                          <dgm:rule type="primFontSz" val="5" fact="NaN" max="NaN"/>
-                        </dgm:ruleLst>
-                      </dgm:layoutNode>
-                      <dgm:layoutNode name="hierChild3">
-                        <dgm:choose name="Name22">
-                          <dgm:if name="Name23" func="var" arg="dir" op="equ" val="norm">
-                            <dgm:alg type="hierChild">
-                              <dgm:param type="linDir" val="fromL"/>
-                            </dgm:alg>
-                          </dgm:if>
-                          <dgm:else name="Name24">
-                            <dgm:alg type="hierChild">
-                              <dgm:param type="linDir" val="fromR"/>
-                            </dgm:alg>
-                          </dgm:else>
-                        </dgm:choose>
-                        <dgm:shape xmlns:r="http://schemas.openxmlformats.org/officeDocument/2006/relationships" r:blip="">
-                          <dgm:adjLst/>
-                        </dgm:shape>
-                        <dgm:presOf/>
-                        <dgm:constrLst/>
-                        <dgm:ruleLst/>
-                        <dgm:forEach name="Name25" ref="repeat"/>
-                      </dgm:layoutNode>
-                    </dgm:layoutNode>
-                  </dgm:forEach>
-                </dgm:forEach>
-              </dgm:layoutNode>
-            </dgm:layoutNode>
-          </dgm:forEach>
-        </dgm:forEach>
-      </dgm:layoutNode>
-    </dgm:layoutNode>
-    <dgm:layoutNode name="bgShapesFlow">
-      <dgm:alg type="lin">
-        <dgm:param type="linDir" val="fromT"/>
-        <dgm:param type="nodeVertAlign" val="t"/>
-        <dgm:param type="vertAlign" val="t"/>
-        <dgm:param type="nodeHorzAlign" val="ctr"/>
-      </dgm:alg>
-      <dgm:shape xmlns:r="http://schemas.openxmlformats.org/officeDocument/2006/relationships" r:blip="">
-        <dgm:adjLst/>
-      </dgm:shape>
-      <dgm:presOf/>
-      <dgm:constrLst>
-        <dgm:constr type="userB"/>
-        <dgm:constr type="w" for="ch" forName="rectComp" refType="w"/>
-        <dgm:constr type="h" for="ch" forName="rectComp" refType="h"/>
-        <dgm:constr type="w" for="des" forName="bgRect" refType="w"/>
-        <dgm:constr type="primFontSz" for="des" forName="bgRectTx" op="equ"/>
-      </dgm:constrLst>
-      <dgm:ruleLst/>
-      <dgm:forEach name="Name26" axis="ch" ptType="node" st="2">
-        <dgm:layoutNode name="rectComp">
-          <dgm:alg type="composite">
-            <dgm:param type="vertAlign" val="t"/>
-            <dgm:param type="horzAlign" val="ctr"/>
-          </dgm:alg>
-          <dgm:shape xmlns:r="http://schemas.openxmlformats.org/officeDocument/2006/relationships" r:blip="">
-            <dgm:adjLst/>
-          </dgm:shape>
-          <dgm:presOf/>
-          <dgm:choose name="Name27">
-            <dgm:if name="Name28" func="var" arg="dir" op="equ" val="norm">
-              <dgm:constrLst>
-                <dgm:constr type="userA"/>
-                <dgm:constr type="l" for="ch" forName="bgRect"/>
-                <dgm:constr type="t" for="ch" forName="bgRect"/>
-                <dgm:constr type="h" for="ch" forName="bgRect" refType="userA" fact="1.2"/>
-                <dgm:constr type="l" for="ch" forName="bgRectTx"/>
-                <dgm:constr type="t" for="ch" forName="bgRectTx"/>
-                <dgm:constr type="w" for="ch" forName="bgRectTx" refType="w" refFor="ch" refForName="bgRect" fact="0.3"/>
-                <dgm:constr type="h" for="ch" forName="bgRectTx" refType="h" refFor="ch" refForName="bgRect" op="equ"/>
-              </dgm:constrLst>
-            </dgm:if>
-            <dgm:else name="Name29">
-              <dgm:constrLst>
-                <dgm:constr type="userA"/>
-                <dgm:constr type="l" for="ch" forName="bgRect"/>
-                <dgm:constr type="t" for="ch" forName="bgRect"/>
-                <dgm:constr type="h" for="ch" forName="bgRect" refType="userA" fact="1.2"/>
-                <dgm:constr type="r" for="ch" forName="bgRectTx" refType="w"/>
-                <dgm:constr type="t" for="ch" forName="bgRectTx"/>
-                <dgm:constr type="w" for="ch" forName="bgRectTx" refType="w" refFor="ch" refForName="bgRect" fact="0.3"/>
-                <dgm:constr type="h" for="ch" forName="bgRectTx" refType="h" refFor="ch" refForName="bgRect" op="equ"/>
-              </dgm:constrLst>
-            </dgm:else>
-          </dgm:choose>
-          <dgm:ruleLst/>
-          <dgm:layoutNode name="bgRect" styleLbl="bgShp">
-            <dgm:alg type="sp"/>
-            <dgm:shape xmlns:r="http://schemas.openxmlformats.org/officeDocument/2006/relationships" type="roundRect" r:blip="" zOrderOff="-999">
-              <dgm:adjLst>
-                <dgm:adj idx="1" val="0.1"/>
-              </dgm:adjLst>
-            </dgm:shape>
-            <dgm:presOf axis="desOrSelf" ptType="node"/>
-            <dgm:constrLst/>
-            <dgm:ruleLst/>
-          </dgm:layoutNode>
-          <dgm:layoutNode name="bgRectTx" styleLbl="bgShp">
-            <dgm:varLst>
-              <dgm:bulletEnabled val="1"/>
-            </dgm:varLst>
-            <dgm:alg type="tx"/>
-            <dgm:presOf axis="desOrSelf" ptType="node"/>
-            <dgm:shape xmlns:r="http://schemas.openxmlformats.org/officeDocument/2006/relationships" type="rect" r:blip="" zOrderOff="-999" hideGeom="1">
-              <dgm:adjLst/>
-            </dgm:shape>
-            <dgm:constrLst>
-              <dgm:constr type="primFontSz" val="65"/>
-            </dgm:constrLst>
-            <dgm:ruleLst>
-              <dgm:rule type="primFontSz" val="5" fact="NaN" max="NaN"/>
-            </dgm:ruleLst>
-          </dgm:layoutNode>
-        </dgm:layoutNode>
-        <dgm:choose name="Name30">
-          <dgm:if name="Name31" axis="self" ptType="node" func="revPos" op="gte" val="2">
-            <dgm:layoutNode name="spComp">
-              <dgm:alg type="composite">
-                <dgm:param type="vertAlign" val="t"/>
-                <dgm:param type="horzAlign" val="ctr"/>
-              </dgm:alg>
-              <dgm:shape xmlns:r="http://schemas.openxmlformats.org/officeDocument/2006/relationships" r:blip="">
-                <dgm:adjLst/>
-              </dgm:shape>
-              <dgm:presOf/>
-              <dgm:constrLst>
-                <dgm:constr type="userA"/>
-                <dgm:constr type="userB"/>
-                <dgm:constr type="l" for="ch" forName="vSp"/>
-                <dgm:constr type="t" for="ch" forName="vSp"/>
-                <dgm:constr type="h" for="ch" forName="vSp" refType="userB"/>
-                <dgm:constr type="hOff" for="ch" forName="vSp" refType="userA" fact="-0.2"/>
-              </dgm:constrLst>
-              <dgm:ruleLst/>
-              <dgm:layoutNode name="vSp">
-                <dgm:alg type="sp"/>
+                      </dgm:if>
+                      <dgm:else name="Name123">
+                        <dgm:alg type="hierRoot">
+                          <dgm:param type="hierAlign" val="rT"/>
+                        </dgm:alg>
+                        <dgm:constrLst>
+                          <dgm:constr type="alignOff" val="0.75"/>
+                        </dgm:constrLst>
+                      </dgm:else>
+                    </dgm:choose>
+                  </dgm:if>
+                  <dgm:if name="Name124" func="var" arg="hierBranch" op="equ" val="r">
+                    <dgm:choose name="Name125">
+                      <dgm:if name="Name126" func="var" arg="dir" op="equ" val="norm">
+                        <dgm:alg type="hierRoot">
+                          <dgm:param type="hierAlign" val="lB"/>
+                        </dgm:alg>
+                        <dgm:constrLst>
+                          <dgm:constr type="alignOff" val="0.75"/>
+                        </dgm:constrLst>
+                      </dgm:if>
+                      <dgm:else name="Name127">
+                        <dgm:alg type="hierRoot">
+                          <dgm:param type="hierAlign" val="rB"/>
+                        </dgm:alg>
+                        <dgm:constrLst>
+                          <dgm:constr type="alignOff" val="0.75"/>
+                        </dgm:constrLst>
+                      </dgm:else>
+                    </dgm:choose>
+                  </dgm:if>
+                  <dgm:if name="Name128" func="var" arg="hierBranch" op="equ" val="hang">
+                    <dgm:choose name="Name129">
+                      <dgm:if name="Name130" func="var" arg="dir" op="equ" val="norm">
+                        <dgm:alg type="hierRoot">
+                          <dgm:param type="hierAlign" val="lCtrCh"/>
+                        </dgm:alg>
+                        <dgm:constrLst>
+                          <dgm:constr type="alignOff" val="0.65"/>
+                        </dgm:constrLst>
+                      </dgm:if>
+                      <dgm:else name="Name131">
+                        <dgm:alg type="hierRoot">
+                          <dgm:param type="hierAlign" val="rCtrCh"/>
+                        </dgm:alg>
+                        <dgm:constrLst>
+                          <dgm:constr type="alignOff" val="0.65"/>
+                        </dgm:constrLst>
+                      </dgm:else>
+                    </dgm:choose>
+                  </dgm:if>
+                  <dgm:else name="Name132">
+                    <dgm:choose name="Name133">
+                      <dgm:if name="Name134" func="var" arg="dir" op="equ" val="norm">
+                        <dgm:alg type="hierRoot">
+                          <dgm:param type="hierAlign" val="lCtrCh"/>
+                        </dgm:alg>
+                        <dgm:constrLst>
+                          <dgm:constr type="alignOff"/>
+                          <dgm:constr type="bendDist" for="des" ptType="parTrans" refType="sp" fact="0.5"/>
+                        </dgm:constrLst>
+                      </dgm:if>
+                      <dgm:else name="Name135">
+                        <dgm:alg type="hierRoot">
+                          <dgm:param type="hierAlign" val="rCtrCh"/>
+                        </dgm:alg>
+                        <dgm:constrLst>
+                          <dgm:constr type="alignOff"/>
+                          <dgm:constr type="bendDist" for="des" ptType="parTrans" refType="sp" fact="0.5"/>
+                        </dgm:constrLst>
+                      </dgm:else>
+                    </dgm:choose>
+                  </dgm:else>
+                </dgm:choose>
                 <dgm:shape xmlns:r="http://schemas.openxmlformats.org/officeDocument/2006/relationships" r:blip="">
                   <dgm:adjLst/>
                 </dgm:shape>
                 <dgm:presOf/>
-                <dgm:constrLst/>
                 <dgm:ruleLst/>
+                <dgm:layoutNode name="rootComposite3">
+                  <dgm:alg type="composite"/>
+                  <dgm:shape xmlns:r="http://schemas.openxmlformats.org/officeDocument/2006/relationships" r:blip="">
+                    <dgm:adjLst/>
+                  </dgm:shape>
+                  <dgm:presOf axis="self" ptType="node" cnt="1"/>
+                  <dgm:choose name="Name136">
+                    <dgm:if name="Name137" func="var" arg="hierBranch" op="equ" val="init">
+                      <dgm:constrLst>
+                        <dgm:constr type="l" for="ch" forName="rootText3"/>
+                        <dgm:constr type="t" for="ch" forName="rootText3"/>
+                        <dgm:constr type="w" for="ch" forName="rootText3" refType="w"/>
+                        <dgm:constr type="h" for="ch" forName="rootText3" refType="h"/>
+                        <dgm:constr type="l" for="ch" forName="rootConnector3"/>
+                        <dgm:constr type="t" for="ch" forName="rootConnector3"/>
+                        <dgm:constr type="w" for="ch" forName="rootConnector3" refType="w" refFor="ch" refForName="rootText3" fact="0.2"/>
+                        <dgm:constr type="h" for="ch" forName="rootConnector3" refType="h" refFor="ch" refForName="rootText3"/>
+                      </dgm:constrLst>
+                    </dgm:if>
+                    <dgm:if name="Name138" func="var" arg="hierBranch" op="equ" val="l">
+                      <dgm:constrLst>
+                        <dgm:constr type="l" for="ch" forName="rootText3"/>
+                        <dgm:constr type="t" for="ch" forName="rootText3"/>
+                        <dgm:constr type="w" for="ch" forName="rootText3" refType="w"/>
+                        <dgm:constr type="h" for="ch" forName="rootText3" refType="h"/>
+                        <dgm:constr type="r" for="ch" forName="rootConnector3" refType="w"/>
+                        <dgm:constr type="t" for="ch" forName="rootConnector3"/>
+                        <dgm:constr type="w" for="ch" forName="rootConnector3" refType="w" refFor="ch" refForName="rootText3" fact="0.2"/>
+                        <dgm:constr type="h" for="ch" forName="rootConnector3" refType="h" refFor="ch" refForName="rootText3"/>
+                      </dgm:constrLst>
+                    </dgm:if>
+                    <dgm:if name="Name139" func="var" arg="hierBranch" op="equ" val="r">
+                      <dgm:constrLst>
+                        <dgm:constr type="l" for="ch" forName="rootText3"/>
+                        <dgm:constr type="t" for="ch" forName="rootText3"/>
+                        <dgm:constr type="w" for="ch" forName="rootText3" refType="w"/>
+                        <dgm:constr type="h" for="ch" forName="rootText3" refType="h"/>
+                        <dgm:constr type="l" for="ch" forName="rootConnector3"/>
+                        <dgm:constr type="t" for="ch" forName="rootConnector3"/>
+                        <dgm:constr type="w" for="ch" forName="rootConnector3" refType="w" refFor="ch" refForName="rootText3" fact="0.2"/>
+                        <dgm:constr type="h" for="ch" forName="rootConnector3" refType="h" refFor="ch" refForName="rootText3"/>
+                      </dgm:constrLst>
+                    </dgm:if>
+                    <dgm:else name="Name140">
+                      <dgm:constrLst>
+                        <dgm:constr type="l" for="ch" forName="rootText3"/>
+                        <dgm:constr type="t" for="ch" forName="rootText3"/>
+                        <dgm:constr type="w" for="ch" forName="rootText3" refType="w"/>
+                        <dgm:constr type="h" for="ch" forName="rootText3" refType="h"/>
+                        <dgm:constr type="r" for="ch" forName="rootConnector3" refType="w"/>
+                        <dgm:constr type="t" for="ch" forName="rootConnector3"/>
+                        <dgm:constr type="w" for="ch" forName="rootConnector3" refType="w" refFor="ch" refForName="rootText3" fact="0.2"/>
+                        <dgm:constr type="h" for="ch" forName="rootConnector3" refType="h" refFor="ch" refForName="rootText3"/>
+                      </dgm:constrLst>
+                    </dgm:else>
+                  </dgm:choose>
+                  <dgm:ruleLst/>
+                  <dgm:layoutNode name="rootText3">
+                    <dgm:varLst>
+                      <dgm:chPref val="3"/>
+                    </dgm:varLst>
+                    <dgm:alg type="tx"/>
+                    <dgm:shape xmlns:r="http://schemas.openxmlformats.org/officeDocument/2006/relationships" type="rect" r:blip="">
+                      <dgm:adjLst/>
+                    </dgm:shape>
+                    <dgm:presOf axis="self" ptType="node" cnt="1"/>
+                    <dgm:constrLst>
+                      <dgm:constr type="primFontSz" val="65"/>
+                      <dgm:constr type="lMarg" refType="primFontSz" fact="0.05"/>
+                      <dgm:constr type="rMarg" refType="primFontSz" fact="0.05"/>
+                      <dgm:constr type="tMarg" refType="primFontSz" fact="0.05"/>
+                      <dgm:constr type="bMarg" refType="primFontSz" fact="0.05"/>
+                    </dgm:constrLst>
+                    <dgm:ruleLst>
+                      <dgm:rule type="primFontSz" val="5" fact="NaN" max="NaN"/>
+                    </dgm:ruleLst>
+                  </dgm:layoutNode>
+                  <dgm:layoutNode name="rootConnector3" moveWith="rootText1">
+                    <dgm:alg type="sp"/>
+                    <dgm:shape xmlns:r="http://schemas.openxmlformats.org/officeDocument/2006/relationships" type="rect" r:blip="" hideGeom="1">
+                      <dgm:adjLst/>
+                    </dgm:shape>
+                    <dgm:presOf axis="self" ptType="node" cnt="1"/>
+                    <dgm:constrLst/>
+                    <dgm:ruleLst/>
+                  </dgm:layoutNode>
+                </dgm:layoutNode>
+                <dgm:layoutNode name="hierChild6">
+                  <dgm:choose name="Name141">
+                    <dgm:if name="Name142" func="var" arg="hierBranch" op="equ" val="l">
+                      <dgm:choose name="Name143">
+                        <dgm:if name="Name144" func="var" arg="dir" op="equ" val="norm">
+                          <dgm:alg type="hierChild">
+                            <dgm:param type="chAlign" val="t"/>
+                            <dgm:param type="linDir" val="fromL"/>
+                          </dgm:alg>
+                        </dgm:if>
+                        <dgm:else name="Name145">
+                          <dgm:alg type="hierChild">
+                            <dgm:param type="chAlign" val="t"/>
+                            <dgm:param type="linDir" val="fromR"/>
+                          </dgm:alg>
+                        </dgm:else>
+                      </dgm:choose>
+                    </dgm:if>
+                    <dgm:if name="Name146" func="var" arg="hierBranch" op="equ" val="r">
+                      <dgm:choose name="Name147">
+                        <dgm:if name="Name148" func="var" arg="dir" op="equ" val="norm">
+                          <dgm:alg type="hierChild">
+                            <dgm:param type="chAlign" val="b"/>
+                            <dgm:param type="linDir" val="fromL"/>
+                          </dgm:alg>
+                        </dgm:if>
+                        <dgm:else name="Name149">
+                          <dgm:alg type="hierChild">
+                            <dgm:param type="chAlign" val="b"/>
+                            <dgm:param type="linDir" val="fromR"/>
+                          </dgm:alg>
+                        </dgm:else>
+                      </dgm:choose>
+                    </dgm:if>
+                    <dgm:if name="Name150" func="var" arg="hierBranch" op="equ" val="hang">
+                      <dgm:choose name="Name151">
+                        <dgm:if name="Name152" func="var" arg="dir" op="equ" val="norm">
+                          <dgm:alg type="hierChild">
+                            <dgm:param type="chAlign" val="l"/>
+                            <dgm:param type="linDir" val="fromT"/>
+                            <dgm:param type="secChAlign" val="t"/>
+                            <dgm:param type="secLinDir" val="fromL"/>
+                          </dgm:alg>
+                        </dgm:if>
+                        <dgm:else name="Name153">
+                          <dgm:alg type="hierChild">
+                            <dgm:param type="chAlign" val="r"/>
+                            <dgm:param type="linDir" val="fromT"/>
+                            <dgm:param type="secChAlign" val="t"/>
+                            <dgm:param type="secLinDir" val="fromR"/>
+                          </dgm:alg>
+                        </dgm:else>
+                      </dgm:choose>
+                    </dgm:if>
+                    <dgm:else name="Name154">
+                      <dgm:choose name="Name155">
+                        <dgm:if name="Name156" func="var" arg="dir" op="equ" val="norm">
+                          <dgm:alg type="hierChild">
+                            <dgm:param type="linDir" val="fromT"/>
+                            <dgm:param type="chAlign" val="l"/>
+                          </dgm:alg>
+                        </dgm:if>
+                        <dgm:else name="Name157">
+                          <dgm:alg type="hierChild">
+                            <dgm:param type="linDir" val="fromT"/>
+                            <dgm:param type="chAlign" val="r"/>
+                          </dgm:alg>
+                        </dgm:else>
+                      </dgm:choose>
+                    </dgm:else>
+                  </dgm:choose>
+                  <dgm:shape xmlns:r="http://schemas.openxmlformats.org/officeDocument/2006/relationships" r:blip="">
+                    <dgm:adjLst/>
+                  </dgm:shape>
+                  <dgm:presOf/>
+                  <dgm:constrLst/>
+                  <dgm:ruleLst/>
+                  <dgm:forEach name="Name158" ref="rep2a"/>
+                </dgm:layoutNode>
+                <dgm:layoutNode name="hierChild7">
+                  <dgm:choose name="Name159">
+                    <dgm:if name="Name160" func="var" arg="dir" op="equ" val="norm">
+                      <dgm:alg type="hierChild">
+                        <dgm:param type="chAlign" val="l"/>
+                        <dgm:param type="linDir" val="fromT"/>
+                        <dgm:param type="secChAlign" val="t"/>
+                        <dgm:param type="secLinDir" val="fromL"/>
+                      </dgm:alg>
+                    </dgm:if>
+                    <dgm:else name="Name161">
+                      <dgm:alg type="hierChild">
+                        <dgm:param type="chAlign" val="r"/>
+                        <dgm:param type="linDir" val="fromT"/>
+                        <dgm:param type="secChAlign" val="t"/>
+                        <dgm:param type="secLinDir" val="fromR"/>
+                      </dgm:alg>
+                    </dgm:else>
+                  </dgm:choose>
+                  <dgm:shape xmlns:r="http://schemas.openxmlformats.org/officeDocument/2006/relationships" r:blip="">
+                    <dgm:adjLst/>
+                  </dgm:shape>
+                  <dgm:presOf/>
+                  <dgm:constrLst/>
+                  <dgm:ruleLst/>
+                  <dgm:forEach name="Name162" ref="rep2b"/>
+                </dgm:layoutNode>
               </dgm:layoutNode>
-            </dgm:layoutNode>
-          </dgm:if>
-          <dgm:else name="Name32"/>
-        </dgm:choose>
+            </dgm:forEach>
+          </dgm:layoutNode>
+        </dgm:layoutNode>
       </dgm:forEach>
-    </dgm:layoutNode>
+    </dgm:forEach>
   </dgm:layoutNode>
 </dgm:layoutDef>
 </file>
@@ -11309,7 +12224,7 @@
           <a:p>
             <a:fld id="{53BF19A1-7C9B-4536-8619-E606248327B6}" type="datetimeFigureOut">
               <a:rPr lang="en-DK" smtClean="0"/>
-              <a:t>24/05/2023</a:t>
+              <a:t>11/10/2023</a:t>
             </a:fld>
             <a:endParaRPr lang="en-DK"/>
           </a:p>
@@ -11726,7 +12641,7 @@
           <a:p>
             <a:fld id="{B21175D6-FCE9-4988-8B6E-5CB52F8DC15C}" type="datetimeFigureOut">
               <a:rPr lang="en-DK" smtClean="0"/>
-              <a:t>24/05/2023</a:t>
+              <a:t>11/10/2023</a:t>
             </a:fld>
             <a:endParaRPr lang="en-DK"/>
           </a:p>
@@ -11926,7 +12841,7 @@
           <a:p>
             <a:fld id="{B21175D6-FCE9-4988-8B6E-5CB52F8DC15C}" type="datetimeFigureOut">
               <a:rPr lang="en-DK" smtClean="0"/>
-              <a:t>24/05/2023</a:t>
+              <a:t>11/10/2023</a:t>
             </a:fld>
             <a:endParaRPr lang="en-DK"/>
           </a:p>
@@ -12136,7 +13051,7 @@
           <a:p>
             <a:fld id="{B21175D6-FCE9-4988-8B6E-5CB52F8DC15C}" type="datetimeFigureOut">
               <a:rPr lang="en-DK" smtClean="0"/>
-              <a:t>24/05/2023</a:t>
+              <a:t>11/10/2023</a:t>
             </a:fld>
             <a:endParaRPr lang="en-DK"/>
           </a:p>
@@ -12336,7 +13251,7 @@
           <a:p>
             <a:fld id="{B21175D6-FCE9-4988-8B6E-5CB52F8DC15C}" type="datetimeFigureOut">
               <a:rPr lang="en-DK" smtClean="0"/>
-              <a:t>24/05/2023</a:t>
+              <a:t>11/10/2023</a:t>
             </a:fld>
             <a:endParaRPr lang="en-DK"/>
           </a:p>
@@ -12612,7 +13527,7 @@
           <a:p>
             <a:fld id="{B21175D6-FCE9-4988-8B6E-5CB52F8DC15C}" type="datetimeFigureOut">
               <a:rPr lang="en-DK" smtClean="0"/>
-              <a:t>24/05/2023</a:t>
+              <a:t>11/10/2023</a:t>
             </a:fld>
             <a:endParaRPr lang="en-DK"/>
           </a:p>
@@ -12880,7 +13795,7 @@
           <a:p>
             <a:fld id="{B21175D6-FCE9-4988-8B6E-5CB52F8DC15C}" type="datetimeFigureOut">
               <a:rPr lang="en-DK" smtClean="0"/>
-              <a:t>24/05/2023</a:t>
+              <a:t>11/10/2023</a:t>
             </a:fld>
             <a:endParaRPr lang="en-DK"/>
           </a:p>
@@ -13295,7 +14210,7 @@
           <a:p>
             <a:fld id="{B21175D6-FCE9-4988-8B6E-5CB52F8DC15C}" type="datetimeFigureOut">
               <a:rPr lang="en-DK" smtClean="0"/>
-              <a:t>24/05/2023</a:t>
+              <a:t>11/10/2023</a:t>
             </a:fld>
             <a:endParaRPr lang="en-DK"/>
           </a:p>
@@ -13437,7 +14352,7 @@
           <a:p>
             <a:fld id="{B21175D6-FCE9-4988-8B6E-5CB52F8DC15C}" type="datetimeFigureOut">
               <a:rPr lang="en-DK" smtClean="0"/>
-              <a:t>24/05/2023</a:t>
+              <a:t>11/10/2023</a:t>
             </a:fld>
             <a:endParaRPr lang="en-DK"/>
           </a:p>
@@ -13550,7 +14465,7 @@
           <a:p>
             <a:fld id="{B21175D6-FCE9-4988-8B6E-5CB52F8DC15C}" type="datetimeFigureOut">
               <a:rPr lang="en-DK" smtClean="0"/>
-              <a:t>24/05/2023</a:t>
+              <a:t>11/10/2023</a:t>
             </a:fld>
             <a:endParaRPr lang="en-DK"/>
           </a:p>
@@ -13863,7 +14778,7 @@
           <a:p>
             <a:fld id="{B21175D6-FCE9-4988-8B6E-5CB52F8DC15C}" type="datetimeFigureOut">
               <a:rPr lang="en-DK" smtClean="0"/>
-              <a:t>24/05/2023</a:t>
+              <a:t>11/10/2023</a:t>
             </a:fld>
             <a:endParaRPr lang="en-DK"/>
           </a:p>
@@ -14152,7 +15067,7 @@
           <a:p>
             <a:fld id="{B21175D6-FCE9-4988-8B6E-5CB52F8DC15C}" type="datetimeFigureOut">
               <a:rPr lang="en-DK" smtClean="0"/>
-              <a:t>24/05/2023</a:t>
+              <a:t>11/10/2023</a:t>
             </a:fld>
             <a:endParaRPr lang="en-DK"/>
           </a:p>
@@ -14395,7 +15310,7 @@
           <a:p>
             <a:fld id="{B21175D6-FCE9-4988-8B6E-5CB52F8DC15C}" type="datetimeFigureOut">
               <a:rPr lang="en-DK" smtClean="0"/>
-              <a:t>24/05/2023</a:t>
+              <a:t>11/10/2023</a:t>
             </a:fld>
             <a:endParaRPr lang="en-DK"/>
           </a:p>
@@ -14812,129 +15727,302 @@
           <a:chExt cx="0" cy="0"/>
         </a:xfrm>
       </p:grpSpPr>
-      <p:sp>
-        <p:nvSpPr>
-          <p:cNvPr id="7" name="Freeform: Shape 6">
+      <p:grpSp>
+        <p:nvGrpSpPr>
+          <p:cNvPr id="5" name="Group 4">
             <a:extLst>
               <a:ext uri="{FF2B5EF4-FFF2-40B4-BE49-F238E27FC236}">
-                <a16:creationId xmlns:a16="http://schemas.microsoft.com/office/drawing/2014/main" id="{19B8F91F-D835-2B65-F3E1-1318683CD06A}"/>
+                <a16:creationId xmlns:a16="http://schemas.microsoft.com/office/drawing/2014/main" id="{5927E93C-98F3-1502-D2B7-73BBDF90AC82}"/>
               </a:ext>
             </a:extLst>
           </p:cNvPr>
-          <p:cNvSpPr/>
+          <p:cNvGrpSpPr/>
           <p:nvPr/>
-        </p:nvSpPr>
-        <p:spPr>
+        </p:nvGrpSpPr>
+        <p:grpSpPr>
           <a:xfrm>
-            <a:off x="0" y="406400"/>
-            <a:ext cx="7303692" cy="1193800"/>
+            <a:off x="5892081" y="60339"/>
+            <a:ext cx="3640353" cy="6552961"/>
+            <a:chOff x="1407347" y="1126863"/>
+            <a:chExt cx="1311226" cy="399924"/>
           </a:xfrm>
-          <a:custGeom>
-            <a:avLst/>
-            <a:gdLst>
-              <a:gd name="connsiteX0" fmla="*/ 0 w 7303692"/>
-              <a:gd name="connsiteY0" fmla="*/ 0 h 1193800"/>
-              <a:gd name="connsiteX1" fmla="*/ 7303692 w 7303692"/>
-              <a:gd name="connsiteY1" fmla="*/ 0 h 1193800"/>
-              <a:gd name="connsiteX2" fmla="*/ 5530548 w 7303692"/>
-              <a:gd name="connsiteY2" fmla="*/ 1193800 h 1193800"/>
-              <a:gd name="connsiteX3" fmla="*/ 0 w 7303692"/>
-              <a:gd name="connsiteY3" fmla="*/ 1193800 h 1193800"/>
-            </a:gdLst>
-            <a:ahLst/>
-            <a:cxnLst>
-              <a:cxn ang="0">
-                <a:pos x="connsiteX0" y="connsiteY0"/>
-              </a:cxn>
-              <a:cxn ang="0">
-                <a:pos x="connsiteX1" y="connsiteY1"/>
-              </a:cxn>
-              <a:cxn ang="0">
-                <a:pos x="connsiteX2" y="connsiteY2"/>
-              </a:cxn>
-              <a:cxn ang="0">
-                <a:pos x="connsiteX3" y="connsiteY3"/>
-              </a:cxn>
-            </a:cxnLst>
-            <a:rect l="l" t="t" r="r" b="b"/>
-            <a:pathLst>
-              <a:path w="7303692" h="1193800">
-                <a:moveTo>
-                  <a:pt x="0" y="0"/>
-                </a:moveTo>
-                <a:lnTo>
-                  <a:pt x="7303692" y="0"/>
-                </a:lnTo>
-                <a:lnTo>
-                  <a:pt x="5530548" y="1193800"/>
-                </a:lnTo>
-                <a:lnTo>
-                  <a:pt x="0" y="1193800"/>
-                </a:lnTo>
-                <a:close/>
-              </a:path>
-            </a:pathLst>
-          </a:custGeom>
-          <a:effectLst>
-            <a:outerShdw blurRad="50800" dist="38100" dir="2700000" algn="tl" rotWithShape="0">
-              <a:prstClr val="black">
-                <a:alpha val="40000"/>
-              </a:prstClr>
-            </a:outerShdw>
-          </a:effectLst>
-        </p:spPr>
-        <p:style>
-          <a:lnRef idx="2">
-            <a:schemeClr val="accent1">
-              <a:shade val="50000"/>
-            </a:schemeClr>
-          </a:lnRef>
-          <a:fillRef idx="1">
-            <a:schemeClr val="accent1"/>
-          </a:fillRef>
-          <a:effectRef idx="0">
-            <a:schemeClr val="accent1"/>
-          </a:effectRef>
-          <a:fontRef idx="minor">
-            <a:schemeClr val="lt1"/>
-          </a:fontRef>
-        </p:style>
-        <p:txBody>
-          <a:bodyPr wrap="square" rtlCol="0" anchor="ctr">
-            <a:noAutofit/>
-          </a:bodyPr>
-          <a:lstStyle/>
-          <a:p>
-            <a:r>
-              <a:rPr lang="en-US" sz="2600" b="1" dirty="0">
-                <a:effectLst>
-                  <a:outerShdw blurRad="50800" dist="38100" dir="2700000" algn="tl" rotWithShape="0">
-                    <a:prstClr val="black">
-                      <a:alpha val="40000"/>
-                    </a:prstClr>
-                  </a:outerShdw>
-                </a:effectLst>
-              </a:rPr>
-              <a:t>Group Meeting Update 24/5-23</a:t>
-            </a:r>
-          </a:p>
-          <a:p>
-            <a:r>
-              <a:rPr lang="en-US" sz="1400" b="1" dirty="0">
+        </p:grpSpPr>
+        <p:sp>
+          <p:nvSpPr>
+            <p:cNvPr id="8" name="Rectangle: Rounded Corners 7">
+              <a:extLst>
+                <a:ext uri="{FF2B5EF4-FFF2-40B4-BE49-F238E27FC236}">
+                  <a16:creationId xmlns:a16="http://schemas.microsoft.com/office/drawing/2014/main" id="{F73E9475-F6E8-B192-7F9A-00695EA7D19B}"/>
+                </a:ext>
+              </a:extLst>
+            </p:cNvPr>
+            <p:cNvSpPr/>
+            <p:nvPr/>
+          </p:nvSpPr>
+          <p:spPr>
+            <a:xfrm>
+              <a:off x="1407347" y="1126863"/>
+              <a:ext cx="1311226" cy="399924"/>
+            </a:xfrm>
+            <a:prstGeom prst="roundRect">
+              <a:avLst/>
+            </a:prstGeom>
+            <a:solidFill>
+              <a:schemeClr val="bg2">
+                <a:lumMod val="90000"/>
+              </a:schemeClr>
+            </a:solidFill>
+          </p:spPr>
+          <p:style>
+            <a:lnRef idx="2">
+              <a:schemeClr val="lt1">
+                <a:hueOff val="0"/>
+                <a:satOff val="0"/>
+                <a:lumOff val="0"/>
+                <a:alphaOff val="0"/>
+              </a:schemeClr>
+            </a:lnRef>
+            <a:fillRef idx="1">
+              <a:scrgbClr r="0" g="0" b="0"/>
+            </a:fillRef>
+            <a:effectRef idx="0">
+              <a:schemeClr val="accent1">
+                <a:hueOff val="0"/>
+                <a:satOff val="0"/>
+                <a:lumOff val="0"/>
+                <a:alphaOff val="0"/>
+              </a:schemeClr>
+            </a:effectRef>
+            <a:fontRef idx="minor">
+              <a:schemeClr val="lt1"/>
+            </a:fontRef>
+          </p:style>
+          <p:txBody>
+            <a:bodyPr/>
+            <a:lstStyle/>
+            <a:p>
+              <a:endParaRPr lang="en-DK"/>
+            </a:p>
+          </p:txBody>
+        </p:sp>
+        <p:sp>
+          <p:nvSpPr>
+            <p:cNvPr id="9" name="Rectangle: Rounded Corners 4">
+              <a:extLst>
+                <a:ext uri="{FF2B5EF4-FFF2-40B4-BE49-F238E27FC236}">
+                  <a16:creationId xmlns:a16="http://schemas.microsoft.com/office/drawing/2014/main" id="{9242CE39-1FB7-A84D-2669-7FB519B350B5}"/>
+                </a:ext>
+              </a:extLst>
+            </p:cNvPr>
+            <p:cNvSpPr txBox="1"/>
+            <p:nvPr/>
+          </p:nvSpPr>
+          <p:spPr>
+            <a:xfrm>
+              <a:off x="1426870" y="1138114"/>
+              <a:ext cx="1272180" cy="360878"/>
+            </a:xfrm>
+            <a:prstGeom prst="rect">
+              <a:avLst/>
+            </a:prstGeom>
+          </p:spPr>
+          <p:style>
+            <a:lnRef idx="0">
+              <a:scrgbClr r="0" g="0" b="0"/>
+            </a:lnRef>
+            <a:fillRef idx="0">
+              <a:scrgbClr r="0" g="0" b="0"/>
+            </a:fillRef>
+            <a:effectRef idx="0">
+              <a:scrgbClr r="0" g="0" b="0"/>
+            </a:effectRef>
+            <a:fontRef idx="minor">
+              <a:schemeClr val="lt1"/>
+            </a:fontRef>
+          </p:style>
+          <p:txBody>
+            <a:bodyPr spcFirstLastPara="0" vert="horz" wrap="square" lIns="8890" tIns="8890" rIns="8890" bIns="8890" numCol="1" spcCol="1270" anchor="t" anchorCtr="0">
+              <a:noAutofit/>
+            </a:bodyPr>
+            <a:lstStyle/>
+            <a:p>
+              <a:pPr marL="0" lvl="0" indent="0" algn="ctr" defTabSz="622300">
+                <a:lnSpc>
+                  <a:spcPct val="90000"/>
+                </a:lnSpc>
+                <a:spcBef>
+                  <a:spcPct val="0"/>
+                </a:spcBef>
+                <a:spcAft>
+                  <a:spcPct val="35000"/>
+                </a:spcAft>
+                <a:buNone/>
+              </a:pPr>
+              <a:r>
+                <a:rPr lang="en-US" sz="2000" b="1" kern="1200" dirty="0">
+                  <a:solidFill>
+                    <a:schemeClr val="tx1"/>
+                  </a:solidFill>
+                </a:rPr>
+                <a:t>Physics Classes</a:t>
+              </a:r>
+              <a:endParaRPr lang="en-DK" sz="2000" b="1" kern="1200" dirty="0">
                 <a:solidFill>
-                  <a:schemeClr val="accent6"/>
+                  <a:schemeClr val="tx1"/>
                 </a:solidFill>
-              </a:rPr>
-              <a:t> Johann Bock Severin</a:t>
-            </a:r>
-            <a:endParaRPr lang="en-DK" sz="1400" dirty="0">
-              <a:solidFill>
-                <a:schemeClr val="accent6"/>
-              </a:solidFill>
-            </a:endParaRPr>
-          </a:p>
-        </p:txBody>
-      </p:sp>
+              </a:endParaRPr>
+            </a:p>
+          </p:txBody>
+        </p:sp>
+      </p:grpSp>
+      <p:grpSp>
+        <p:nvGrpSpPr>
+          <p:cNvPr id="2" name="Group 1">
+            <a:extLst>
+              <a:ext uri="{FF2B5EF4-FFF2-40B4-BE49-F238E27FC236}">
+                <a16:creationId xmlns:a16="http://schemas.microsoft.com/office/drawing/2014/main" id="{385A343F-5D1A-DEB5-3418-F6517240CD61}"/>
+              </a:ext>
+            </a:extLst>
+          </p:cNvPr>
+          <p:cNvGrpSpPr/>
+          <p:nvPr/>
+        </p:nvGrpSpPr>
+        <p:grpSpPr>
+          <a:xfrm>
+            <a:off x="1569325" y="60339"/>
+            <a:ext cx="3640353" cy="6552961"/>
+            <a:chOff x="1407347" y="1130793"/>
+            <a:chExt cx="1311226" cy="399924"/>
+          </a:xfrm>
+        </p:grpSpPr>
+        <p:sp>
+          <p:nvSpPr>
+            <p:cNvPr id="3" name="Rectangle: Rounded Corners 2">
+              <a:extLst>
+                <a:ext uri="{FF2B5EF4-FFF2-40B4-BE49-F238E27FC236}">
+                  <a16:creationId xmlns:a16="http://schemas.microsoft.com/office/drawing/2014/main" id="{CECAC763-536C-6380-ABD2-E3D0E4F65F6A}"/>
+                </a:ext>
+              </a:extLst>
+            </p:cNvPr>
+            <p:cNvSpPr/>
+            <p:nvPr/>
+          </p:nvSpPr>
+          <p:spPr>
+            <a:xfrm>
+              <a:off x="1407347" y="1130793"/>
+              <a:ext cx="1311226" cy="399924"/>
+            </a:xfrm>
+            <a:prstGeom prst="roundRect">
+              <a:avLst/>
+            </a:prstGeom>
+            <a:solidFill>
+              <a:schemeClr val="bg2">
+                <a:lumMod val="90000"/>
+              </a:schemeClr>
+            </a:solidFill>
+          </p:spPr>
+          <p:style>
+            <a:lnRef idx="2">
+              <a:schemeClr val="lt1">
+                <a:hueOff val="0"/>
+                <a:satOff val="0"/>
+                <a:lumOff val="0"/>
+                <a:alphaOff val="0"/>
+              </a:schemeClr>
+            </a:lnRef>
+            <a:fillRef idx="1">
+              <a:scrgbClr r="0" g="0" b="0"/>
+            </a:fillRef>
+            <a:effectRef idx="0">
+              <a:schemeClr val="accent1">
+                <a:hueOff val="0"/>
+                <a:satOff val="0"/>
+                <a:lumOff val="0"/>
+                <a:alphaOff val="0"/>
+              </a:schemeClr>
+            </a:effectRef>
+            <a:fontRef idx="minor">
+              <a:schemeClr val="lt1"/>
+            </a:fontRef>
+          </p:style>
+          <p:txBody>
+            <a:bodyPr/>
+            <a:lstStyle/>
+            <a:p>
+              <a:endParaRPr lang="en-DK"/>
+            </a:p>
+          </p:txBody>
+        </p:sp>
+        <p:sp>
+          <p:nvSpPr>
+            <p:cNvPr id="4" name="Rectangle: Rounded Corners 4">
+              <a:extLst>
+                <a:ext uri="{FF2B5EF4-FFF2-40B4-BE49-F238E27FC236}">
+                  <a16:creationId xmlns:a16="http://schemas.microsoft.com/office/drawing/2014/main" id="{5BF50EB5-2F9F-0E7F-8915-AC60A8A304B0}"/>
+                </a:ext>
+              </a:extLst>
+            </p:cNvPr>
+            <p:cNvSpPr txBox="1"/>
+            <p:nvPr/>
+          </p:nvSpPr>
+          <p:spPr>
+            <a:xfrm>
+              <a:off x="1426870" y="1142044"/>
+              <a:ext cx="1272180" cy="360878"/>
+            </a:xfrm>
+            <a:prstGeom prst="rect">
+              <a:avLst/>
+            </a:prstGeom>
+          </p:spPr>
+          <p:style>
+            <a:lnRef idx="0">
+              <a:scrgbClr r="0" g="0" b="0"/>
+            </a:lnRef>
+            <a:fillRef idx="0">
+              <a:scrgbClr r="0" g="0" b="0"/>
+            </a:fillRef>
+            <a:effectRef idx="0">
+              <a:scrgbClr r="0" g="0" b="0"/>
+            </a:effectRef>
+            <a:fontRef idx="minor">
+              <a:schemeClr val="lt1"/>
+            </a:fontRef>
+          </p:style>
+          <p:txBody>
+            <a:bodyPr spcFirstLastPara="0" vert="horz" wrap="square" lIns="8890" tIns="8890" rIns="8890" bIns="8890" numCol="1" spcCol="1270" anchor="t" anchorCtr="0">
+              <a:noAutofit/>
+            </a:bodyPr>
+            <a:lstStyle/>
+            <a:p>
+              <a:pPr marL="0" lvl="0" indent="0" algn="ctr" defTabSz="622300">
+                <a:lnSpc>
+                  <a:spcPct val="90000"/>
+                </a:lnSpc>
+                <a:spcBef>
+                  <a:spcPct val="0"/>
+                </a:spcBef>
+                <a:spcAft>
+                  <a:spcPct val="35000"/>
+                </a:spcAft>
+                <a:buNone/>
+              </a:pPr>
+              <a:r>
+                <a:rPr lang="en-US" sz="2000" b="1" kern="1200" dirty="0">
+                  <a:solidFill>
+                    <a:schemeClr val="tx1"/>
+                  </a:solidFill>
+                </a:rPr>
+                <a:t>Parent Classes</a:t>
+              </a:r>
+              <a:endParaRPr lang="en-DK" sz="2000" b="1" kern="1200" dirty="0">
+                <a:solidFill>
+                  <a:schemeClr val="tx1"/>
+                </a:solidFill>
+              </a:endParaRPr>
+            </a:p>
+          </p:txBody>
+        </p:sp>
+      </p:grpSp>
       <p:graphicFrame>
         <p:nvGraphicFramePr>
           <p:cNvPr id="6" name="Diagram 5">
@@ -14948,14 +16036,14 @@
           <p:nvPr>
             <p:extLst>
               <p:ext uri="{D42A27DB-BD31-4B8C-83A1-F6EECF244321}">
-                <p14:modId xmlns:p14="http://schemas.microsoft.com/office/powerpoint/2010/main" val="4232991169"/>
+                <p14:modId xmlns:p14="http://schemas.microsoft.com/office/powerpoint/2010/main" val="828228927"/>
               </p:ext>
             </p:extLst>
           </p:nvPr>
         </p:nvGraphicFramePr>
         <p:xfrm>
-          <a:off x="540589" y="787880"/>
-          <a:ext cx="10253932" cy="4537493"/>
+          <a:off x="1961069" y="808005"/>
+          <a:ext cx="7125420" cy="5480650"/>
         </p:xfrm>
         <a:graphic>
           <a:graphicData uri="http://schemas.openxmlformats.org/drawingml/2006/diagram">
@@ -14963,6 +16051,48 @@
           </a:graphicData>
         </a:graphic>
       </p:graphicFrame>
+      <p:cxnSp>
+        <p:nvCxnSpPr>
+          <p:cNvPr id="11" name="Straight Arrow Connector 10">
+            <a:extLst>
+              <a:ext uri="{FF2B5EF4-FFF2-40B4-BE49-F238E27FC236}">
+                <a16:creationId xmlns:a16="http://schemas.microsoft.com/office/drawing/2014/main" id="{6A7DF2B5-44E7-FBF1-428C-20FAE0FF8E6F}"/>
+              </a:ext>
+            </a:extLst>
+          </p:cNvPr>
+          <p:cNvCxnSpPr/>
+          <p:nvPr/>
+        </p:nvCxnSpPr>
+        <p:spPr>
+          <a:xfrm>
+            <a:off x="7712257" y="2891307"/>
+            <a:ext cx="0" cy="173865"/>
+          </a:xfrm>
+          <a:prstGeom prst="straightConnector1">
+            <a:avLst/>
+          </a:prstGeom>
+          <a:ln w="38100">
+            <a:solidFill>
+              <a:schemeClr val="tx1"/>
+            </a:solidFill>
+            <a:tailEnd type="triangle"/>
+          </a:ln>
+        </p:spPr>
+        <p:style>
+          <a:lnRef idx="1">
+            <a:schemeClr val="accent1"/>
+          </a:lnRef>
+          <a:fillRef idx="0">
+            <a:schemeClr val="accent1"/>
+          </a:fillRef>
+          <a:effectRef idx="0">
+            <a:schemeClr val="accent1"/>
+          </a:effectRef>
+          <a:fontRef idx="minor">
+            <a:schemeClr val="tx1"/>
+          </a:fontRef>
+        </p:style>
+      </p:cxnSp>
     </p:spTree>
     <p:extLst>
       <p:ext uri="{BB962C8B-B14F-4D97-AF65-F5344CB8AC3E}">
@@ -16936,7 +18066,7 @@
               <a:buNone/>
             </a:pPr>
             <a:r>
-              <a:rPr lang="en-US" sz="1000" kern="1200" dirty="0" err="1"/>
+              <a:rPr lang="en-US" sz="1000" kern="1200" dirty="0"/>
               <a:t>Transmon</a:t>
             </a:r>
             <a:endParaRPr lang="en-DK" sz="1000" kern="1200" dirty="0"/>
